--- a/plugins/e4sm.de.metamodel.to.scpn.qvto/docs/Transformation Definition.pptx
+++ b/plugins/e4sm.de.metamodel.to.scpn.qvto/docs/Transformation Definition.pptx
@@ -5,7 +5,7 @@
     <p:sldMasterId id="2147483725" r:id="rId1"/>
   </p:sldMasterIdLst>
   <p:notesMasterIdLst>
-    <p:notesMasterId r:id="rId14"/>
+    <p:notesMasterId r:id="rId16"/>
   </p:notesMasterIdLst>
   <p:sldIdLst>
     <p:sldId id="256" r:id="rId2"/>
@@ -20,6 +20,8 @@
     <p:sldId id="261" r:id="rId11"/>
     <p:sldId id="257" r:id="rId12"/>
     <p:sldId id="259" r:id="rId13"/>
+    <p:sldId id="278" r:id="rId14"/>
+    <p:sldId id="279" r:id="rId15"/>
   </p:sldIdLst>
   <p:sldSz cx="12192000" cy="6858000"/>
   <p:notesSz cx="6858000" cy="9144000"/>
@@ -118,6 +120,11 @@
       </a:defRPr>
     </a:lvl9pPr>
   </p:defaultTextStyle>
+  <p:extLst>
+    <p:ext uri="{EFAFB233-063F-42B5-8137-9DF3F51BA10A}">
+      <p15:sldGuideLst xmlns:p15="http://schemas.microsoft.com/office/powerpoint/2012/main"/>
+    </p:ext>
+  </p:extLst>
 </p:presentation>
 </file>
 
@@ -203,7 +210,7 @@
           <a:p>
             <a:fld id="{6F74B443-8744-47F8-817D-247E18728C24}" type="datetimeFigureOut">
               <a:rPr lang="en-US" smtClean="0"/>
-              <a:t>3/9/2022</a:t>
+              <a:t>4/5/2022</a:t>
             </a:fld>
             <a:endParaRPr lang="en-US"/>
           </a:p>
@@ -2394,7 +2401,7 @@
           <a:p>
             <a:fld id="{79C5A860-F335-4252-AA00-24FB67ED2982}" type="datetime1">
               <a:rPr lang="en-US" smtClean="0"/>
-              <a:t>3/1/2022</a:t>
+              <a:t>4/5/2022</a:t>
             </a:fld>
             <a:endParaRPr lang="en-US"/>
           </a:p>
@@ -2593,7 +2600,7 @@
           <a:p>
             <a:fld id="{46AB1048-0047-48CA-88BA-D69B470942CF}" type="datetime1">
               <a:rPr lang="en-US" smtClean="0"/>
-              <a:t>3/1/2022</a:t>
+              <a:t>4/5/2022</a:t>
             </a:fld>
             <a:endParaRPr lang="en-US"/>
           </a:p>
@@ -2803,7 +2810,7 @@
           <a:p>
             <a:fld id="{5BD83879-648C-49A9-81A2-0EF5946532D0}" type="datetime1">
               <a:rPr lang="en-US" smtClean="0"/>
-              <a:t>3/1/2022</a:t>
+              <a:t>4/5/2022</a:t>
             </a:fld>
             <a:endParaRPr lang="en-US"/>
           </a:p>
@@ -3001,7 +3008,7 @@
           <a:p>
             <a:fld id="{D04BC802-30E3-4658-9CCA-F873646FEC67}" type="datetime1">
               <a:rPr lang="en-US" smtClean="0"/>
-              <a:t>3/1/2022</a:t>
+              <a:t>4/5/2022</a:t>
             </a:fld>
             <a:endParaRPr lang="en-US"/>
           </a:p>
@@ -3279,7 +3286,7 @@
           <a:p>
             <a:fld id="{0AB227A3-19CE-4153-81CE-64EB7AB094B3}" type="datetime1">
               <a:rPr lang="en-US" smtClean="0"/>
-              <a:t>3/1/2022</a:t>
+              <a:t>4/5/2022</a:t>
             </a:fld>
             <a:endParaRPr lang="en-US"/>
           </a:p>
@@ -3546,7 +3553,7 @@
           <a:p>
             <a:fld id="{B819A100-10F6-477E-8847-29D479EF1C92}" type="datetime1">
               <a:rPr lang="en-US" smtClean="0"/>
-              <a:t>3/1/2022</a:t>
+              <a:t>4/5/2022</a:t>
             </a:fld>
             <a:endParaRPr lang="en-US"/>
           </a:p>
@@ -3960,7 +3967,7 @@
           <a:p>
             <a:fld id="{5DF128AB-198A-495F-8475-FDB360C9873F}" type="datetime1">
               <a:rPr lang="en-US" smtClean="0"/>
-              <a:t>3/1/2022</a:t>
+              <a:t>4/5/2022</a:t>
             </a:fld>
             <a:endParaRPr lang="en-US"/>
           </a:p>
@@ -4101,7 +4108,7 @@
           <a:p>
             <a:fld id="{021A235E-F8FD-479F-9FC7-18BE84110877}" type="datetime1">
               <a:rPr lang="en-US" smtClean="0"/>
-              <a:t>3/1/2022</a:t>
+              <a:t>4/5/2022</a:t>
             </a:fld>
             <a:endParaRPr lang="en-US"/>
           </a:p>
@@ -4214,7 +4221,7 @@
           <a:p>
             <a:fld id="{E890F09B-68DA-462E-9DB4-4C9ADAB8CBCC}" type="datetime1">
               <a:rPr lang="en-US" smtClean="0"/>
-              <a:t>3/1/2022</a:t>
+              <a:t>4/5/2022</a:t>
             </a:fld>
             <a:endParaRPr lang="en-US"/>
           </a:p>
@@ -4533,7 +4540,7 @@
           <a:p>
             <a:fld id="{17AC4E36-FABE-47EB-AA7F-C19A93824617}" type="datetime1">
               <a:rPr lang="en-US" smtClean="0"/>
-              <a:t>3/1/2022</a:t>
+              <a:t>4/5/2022</a:t>
             </a:fld>
             <a:endParaRPr lang="en-US"/>
           </a:p>
@@ -4830,7 +4837,7 @@
           <a:p>
             <a:fld id="{F199CE6B-5DE6-4A2D-B72E-5E8969F9F56F}" type="datetime1">
               <a:rPr lang="en-US" smtClean="0"/>
-              <a:t>3/1/2022</a:t>
+              <a:t>4/5/2022</a:t>
             </a:fld>
             <a:endParaRPr lang="en-US"/>
           </a:p>
@@ -5688,7 +5695,7 @@
           <a:p>
             <a:fld id="{F481A142-DA77-4A5F-AD1F-14E6C18F0F5F}" type="datetime1">
               <a:rPr lang="en-US" smtClean="0"/>
-              <a:t>3/1/2022</a:t>
+              <a:t>4/5/2022</a:t>
             </a:fld>
             <a:endParaRPr lang="en-US" dirty="0"/>
           </a:p>
@@ -8107,13 +8114,13 @@
   <p:clrMapOvr>
     <a:masterClrMapping/>
   </p:clrMapOvr>
-  <mc:AlternateContent xmlns:mc="http://schemas.openxmlformats.org/markup-compatibility/2006">
-    <mc:Choice xmlns:p159="http://schemas.microsoft.com/office/powerpoint/2015/09/main" Requires="p159">
+  <mc:AlternateContent xmlns:mc="http://schemas.openxmlformats.org/markup-compatibility/2006" xmlns:p159="http://schemas.microsoft.com/office/powerpoint/2015/09/main">
+    <mc:Choice Requires="p159">
       <p:transition xmlns:p14="http://schemas.microsoft.com/office/powerpoint/2010/main" spd="slow" p14:dur="3000">
         <p159:morph option="byObject"/>
       </p:transition>
     </mc:Choice>
-    <mc:Fallback>
+    <mc:Fallback xmlns="">
       <p:transition spd="slow">
         <p:fade/>
       </p:transition>
@@ -8353,6 +8360,804 @@
   <p:clrMapOvr>
     <a:masterClrMapping/>
   </p:clrMapOvr>
+</p:sld>
+</file>
+
+<file path=ppt/slides/slide13.xml><?xml version="1.0" encoding="utf-8"?>
+<p:sld xmlns:a="http://schemas.openxmlformats.org/drawingml/2006/main" xmlns:r="http://schemas.openxmlformats.org/officeDocument/2006/relationships" xmlns:p="http://schemas.openxmlformats.org/presentationml/2006/main">
+  <p:cSld>
+    <p:spTree>
+      <p:nvGrpSpPr>
+        <p:cNvPr id="1" name=""/>
+        <p:cNvGrpSpPr/>
+        <p:nvPr/>
+      </p:nvGrpSpPr>
+      <p:grpSpPr>
+        <a:xfrm>
+          <a:off x="0" y="0"/>
+          <a:ext cx="0" cy="0"/>
+          <a:chOff x="0" y="0"/>
+          <a:chExt cx="0" cy="0"/>
+        </a:xfrm>
+      </p:grpSpPr>
+      <p:sp>
+        <p:nvSpPr>
+          <p:cNvPr id="2" name="Title 1">
+            <a:extLst>
+              <a:ext uri="{FF2B5EF4-FFF2-40B4-BE49-F238E27FC236}">
+                <a16:creationId xmlns:a16="http://schemas.microsoft.com/office/drawing/2014/main" id="{531F8B0F-255E-495C-872C-6408AA751A0F}"/>
+              </a:ext>
+            </a:extLst>
+          </p:cNvPr>
+          <p:cNvSpPr>
+            <a:spLocks noGrp="1"/>
+          </p:cNvSpPr>
+          <p:nvPr>
+            <p:ph type="title"/>
+          </p:nvPr>
+        </p:nvSpPr>
+        <p:spPr/>
+        <p:txBody>
+          <a:bodyPr/>
+          <a:lstStyle/>
+          <a:p>
+            <a:r>
+              <a:rPr lang="en-US" dirty="0"/>
+              <a:t>Components, before</a:t>
+            </a:r>
+          </a:p>
+        </p:txBody>
+      </p:sp>
+      <p:pic>
+        <p:nvPicPr>
+          <p:cNvPr id="11" name="Picture 10">
+            <a:extLst>
+              <a:ext uri="{FF2B5EF4-FFF2-40B4-BE49-F238E27FC236}">
+                <a16:creationId xmlns:a16="http://schemas.microsoft.com/office/drawing/2014/main" id="{C8B2582B-6F5F-41E1-82AB-6AE0A0E8EED8}"/>
+              </a:ext>
+            </a:extLst>
+          </p:cNvPr>
+          <p:cNvPicPr>
+            <a:picLocks noChangeAspect="1"/>
+          </p:cNvPicPr>
+          <p:nvPr/>
+        </p:nvPicPr>
+        <p:blipFill>
+          <a:blip r:embed="rId2"/>
+          <a:stretch>
+            <a:fillRect/>
+          </a:stretch>
+        </p:blipFill>
+        <p:spPr>
+          <a:xfrm>
+            <a:off x="6876157" y="323850"/>
+            <a:ext cx="5315843" cy="6210300"/>
+          </a:xfrm>
+          <a:prstGeom prst="rect">
+            <a:avLst/>
+          </a:prstGeom>
+        </p:spPr>
+      </p:pic>
+      <p:pic>
+        <p:nvPicPr>
+          <p:cNvPr id="12" name="Picture 11">
+            <a:extLst>
+              <a:ext uri="{FF2B5EF4-FFF2-40B4-BE49-F238E27FC236}">
+                <a16:creationId xmlns:a16="http://schemas.microsoft.com/office/drawing/2014/main" id="{12F7F6FD-4112-4913-B92D-0EA30BB05295}"/>
+              </a:ext>
+            </a:extLst>
+          </p:cNvPr>
+          <p:cNvPicPr>
+            <a:picLocks noChangeAspect="1"/>
+          </p:cNvPicPr>
+          <p:nvPr/>
+        </p:nvPicPr>
+        <p:blipFill>
+          <a:blip r:embed="rId3"/>
+          <a:stretch>
+            <a:fillRect/>
+          </a:stretch>
+        </p:blipFill>
+        <p:spPr>
+          <a:xfrm>
+            <a:off x="457200" y="2023886"/>
+            <a:ext cx="3781953" cy="2524477"/>
+          </a:xfrm>
+          <a:prstGeom prst="rect">
+            <a:avLst/>
+          </a:prstGeom>
+        </p:spPr>
+      </p:pic>
+    </p:spTree>
+    <p:extLst>
+      <p:ext uri="{BB962C8B-B14F-4D97-AF65-F5344CB8AC3E}">
+        <p14:creationId xmlns:p14="http://schemas.microsoft.com/office/powerpoint/2010/main" val="3052128904"/>
+      </p:ext>
+    </p:extLst>
+  </p:cSld>
+  <p:clrMapOvr>
+    <a:masterClrMapping/>
+  </p:clrMapOvr>
+</p:sld>
+</file>
+
+<file path=ppt/slides/slide14.xml><?xml version="1.0" encoding="utf-8"?>
+<p:sld xmlns:a="http://schemas.openxmlformats.org/drawingml/2006/main" xmlns:r="http://schemas.openxmlformats.org/officeDocument/2006/relationships" xmlns:p="http://schemas.openxmlformats.org/presentationml/2006/main">
+  <p:cSld>
+    <p:spTree>
+      <p:nvGrpSpPr>
+        <p:cNvPr id="1" name=""/>
+        <p:cNvGrpSpPr/>
+        <p:nvPr/>
+      </p:nvGrpSpPr>
+      <p:grpSpPr>
+        <a:xfrm>
+          <a:off x="0" y="0"/>
+          <a:ext cx="0" cy="0"/>
+          <a:chOff x="0" y="0"/>
+          <a:chExt cx="0" cy="0"/>
+        </a:xfrm>
+      </p:grpSpPr>
+      <p:pic>
+        <p:nvPicPr>
+          <p:cNvPr id="18" name="Picture 17">
+            <a:extLst>
+              <a:ext uri="{FF2B5EF4-FFF2-40B4-BE49-F238E27FC236}">
+                <a16:creationId xmlns:a16="http://schemas.microsoft.com/office/drawing/2014/main" id="{A042E77A-C236-4288-A07E-8556420FA4D0}"/>
+              </a:ext>
+            </a:extLst>
+          </p:cNvPr>
+          <p:cNvPicPr>
+            <a:picLocks noChangeAspect="1"/>
+          </p:cNvPicPr>
+          <p:nvPr/>
+        </p:nvPicPr>
+        <p:blipFill>
+          <a:blip r:embed="rId2"/>
+          <a:stretch>
+            <a:fillRect/>
+          </a:stretch>
+        </p:blipFill>
+        <p:spPr>
+          <a:xfrm>
+            <a:off x="454961" y="2023886"/>
+            <a:ext cx="3781953" cy="2524477"/>
+          </a:xfrm>
+          <a:prstGeom prst="rect">
+            <a:avLst/>
+          </a:prstGeom>
+        </p:spPr>
+      </p:pic>
+      <p:sp>
+        <p:nvSpPr>
+          <p:cNvPr id="2" name="Title 1">
+            <a:extLst>
+              <a:ext uri="{FF2B5EF4-FFF2-40B4-BE49-F238E27FC236}">
+                <a16:creationId xmlns:a16="http://schemas.microsoft.com/office/drawing/2014/main" id="{531F8B0F-255E-495C-872C-6408AA751A0F}"/>
+              </a:ext>
+            </a:extLst>
+          </p:cNvPr>
+          <p:cNvSpPr>
+            <a:spLocks noGrp="1"/>
+          </p:cNvSpPr>
+          <p:nvPr>
+            <p:ph type="title"/>
+          </p:nvPr>
+        </p:nvSpPr>
+        <p:spPr/>
+        <p:txBody>
+          <a:bodyPr>
+            <a:normAutofit/>
+          </a:bodyPr>
+          <a:lstStyle/>
+          <a:p>
+            <a:r>
+              <a:rPr lang="en-US" dirty="0"/>
+              <a:t>Components, after</a:t>
+            </a:r>
+          </a:p>
+        </p:txBody>
+      </p:sp>
+      <p:pic>
+        <p:nvPicPr>
+          <p:cNvPr id="14" name="Content Placeholder 13">
+            <a:extLst>
+              <a:ext uri="{FF2B5EF4-FFF2-40B4-BE49-F238E27FC236}">
+                <a16:creationId xmlns:a16="http://schemas.microsoft.com/office/drawing/2014/main" id="{427603C7-2603-4F90-A6D8-69D3B4DAA898}"/>
+              </a:ext>
+            </a:extLst>
+          </p:cNvPr>
+          <p:cNvPicPr>
+            <a:picLocks noGrp="1" noChangeAspect="1"/>
+          </p:cNvPicPr>
+          <p:nvPr>
+            <p:ph idx="1"/>
+          </p:nvPr>
+        </p:nvPicPr>
+        <p:blipFill>
+          <a:blip r:embed="rId3"/>
+          <a:stretch>
+            <a:fillRect/>
+          </a:stretch>
+        </p:blipFill>
+        <p:spPr>
+          <a:xfrm>
+            <a:off x="4729029" y="1981113"/>
+            <a:ext cx="1914792" cy="3658111"/>
+          </a:xfrm>
+        </p:spPr>
+      </p:pic>
+      <p:pic>
+        <p:nvPicPr>
+          <p:cNvPr id="16" name="Picture 15">
+            <a:extLst>
+              <a:ext uri="{FF2B5EF4-FFF2-40B4-BE49-F238E27FC236}">
+                <a16:creationId xmlns:a16="http://schemas.microsoft.com/office/drawing/2014/main" id="{7575259D-CF2B-4207-939D-69D2C5272CE8}"/>
+              </a:ext>
+            </a:extLst>
+          </p:cNvPr>
+          <p:cNvPicPr>
+            <a:picLocks noChangeAspect="1"/>
+          </p:cNvPicPr>
+          <p:nvPr/>
+        </p:nvPicPr>
+        <p:blipFill>
+          <a:blip r:embed="rId4"/>
+          <a:stretch>
+            <a:fillRect/>
+          </a:stretch>
+        </p:blipFill>
+        <p:spPr>
+          <a:xfrm>
+            <a:off x="1769594" y="2785973"/>
+            <a:ext cx="1152686" cy="1286054"/>
+          </a:xfrm>
+          <a:prstGeom prst="rect">
+            <a:avLst/>
+          </a:prstGeom>
+        </p:spPr>
+      </p:pic>
+      <p:pic>
+        <p:nvPicPr>
+          <p:cNvPr id="20" name="Picture 19">
+            <a:extLst>
+              <a:ext uri="{FF2B5EF4-FFF2-40B4-BE49-F238E27FC236}">
+                <a16:creationId xmlns:a16="http://schemas.microsoft.com/office/drawing/2014/main" id="{058152B4-81D0-4554-8F86-20CE7A5B2441}"/>
+              </a:ext>
+            </a:extLst>
+          </p:cNvPr>
+          <p:cNvPicPr>
+            <a:picLocks noChangeAspect="1"/>
+          </p:cNvPicPr>
+          <p:nvPr/>
+        </p:nvPicPr>
+        <p:blipFill>
+          <a:blip r:embed="rId5"/>
+          <a:stretch>
+            <a:fillRect/>
+          </a:stretch>
+        </p:blipFill>
+        <p:spPr>
+          <a:xfrm>
+            <a:off x="6780552" y="278892"/>
+            <a:ext cx="5411448" cy="6300216"/>
+          </a:xfrm>
+          <a:prstGeom prst="rect">
+            <a:avLst/>
+          </a:prstGeom>
+        </p:spPr>
+      </p:pic>
+      <p:pic>
+        <p:nvPicPr>
+          <p:cNvPr id="22" name="Picture 21">
+            <a:extLst>
+              <a:ext uri="{FF2B5EF4-FFF2-40B4-BE49-F238E27FC236}">
+                <a16:creationId xmlns:a16="http://schemas.microsoft.com/office/drawing/2014/main" id="{5CBF3533-925F-4856-8B83-D739914B4633}"/>
+              </a:ext>
+            </a:extLst>
+          </p:cNvPr>
+          <p:cNvPicPr>
+            <a:picLocks noChangeAspect="1"/>
+          </p:cNvPicPr>
+          <p:nvPr/>
+        </p:nvPicPr>
+        <p:blipFill>
+          <a:blip r:embed="rId6"/>
+          <a:stretch>
+            <a:fillRect/>
+          </a:stretch>
+        </p:blipFill>
+        <p:spPr>
+          <a:xfrm>
+            <a:off x="1528630" y="4688902"/>
+            <a:ext cx="1895740" cy="1495634"/>
+          </a:xfrm>
+          <a:prstGeom prst="rect">
+            <a:avLst/>
+          </a:prstGeom>
+        </p:spPr>
+      </p:pic>
+      <p:sp>
+        <p:nvSpPr>
+          <p:cNvPr id="23" name="TextBox 22">
+            <a:extLst>
+              <a:ext uri="{FF2B5EF4-FFF2-40B4-BE49-F238E27FC236}">
+                <a16:creationId xmlns:a16="http://schemas.microsoft.com/office/drawing/2014/main" id="{6A82496F-EECC-417A-9A97-C313FFC00463}"/>
+              </a:ext>
+            </a:extLst>
+          </p:cNvPr>
+          <p:cNvSpPr txBox="1"/>
+          <p:nvPr/>
+        </p:nvSpPr>
+        <p:spPr>
+          <a:xfrm>
+            <a:off x="985837" y="6300216"/>
+            <a:ext cx="2981326" cy="369332"/>
+          </a:xfrm>
+          <a:prstGeom prst="rect">
+            <a:avLst/>
+          </a:prstGeom>
+          <a:noFill/>
+        </p:spPr>
+        <p:txBody>
+          <a:bodyPr wrap="square" rtlCol="0">
+            <a:spAutoFit/>
+          </a:bodyPr>
+          <a:lstStyle/>
+          <a:p>
+            <a:r>
+              <a:rPr lang="en-US" dirty="0"/>
+              <a:t>Support for time functions</a:t>
+            </a:r>
+          </a:p>
+        </p:txBody>
+      </p:sp>
+      <p:sp>
+        <p:nvSpPr>
+          <p:cNvPr id="24" name="TextBox 23">
+            <a:extLst>
+              <a:ext uri="{FF2B5EF4-FFF2-40B4-BE49-F238E27FC236}">
+                <a16:creationId xmlns:a16="http://schemas.microsoft.com/office/drawing/2014/main" id="{68F019A7-AF87-42AB-B4FB-1A7BD638FBB0}"/>
+              </a:ext>
+            </a:extLst>
+          </p:cNvPr>
+          <p:cNvSpPr txBox="1"/>
+          <p:nvPr/>
+        </p:nvSpPr>
+        <p:spPr>
+          <a:xfrm>
+            <a:off x="7753350" y="373118"/>
+            <a:ext cx="2543175" cy="369332"/>
+          </a:xfrm>
+          <a:prstGeom prst="rect">
+            <a:avLst/>
+          </a:prstGeom>
+          <a:noFill/>
+        </p:spPr>
+        <p:txBody>
+          <a:bodyPr wrap="square" rtlCol="0">
+            <a:spAutoFit/>
+          </a:bodyPr>
+          <a:lstStyle/>
+          <a:p>
+            <a:r>
+              <a:rPr lang="en-US" dirty="0"/>
+              <a:t>Not yet implemented!</a:t>
+            </a:r>
+          </a:p>
+        </p:txBody>
+      </p:sp>
+    </p:spTree>
+    <p:extLst>
+      <p:ext uri="{BB962C8B-B14F-4D97-AF65-F5344CB8AC3E}">
+        <p14:creationId xmlns:p14="http://schemas.microsoft.com/office/powerpoint/2010/main" val="4264197598"/>
+      </p:ext>
+    </p:extLst>
+  </p:cSld>
+  <p:clrMapOvr>
+    <a:masterClrMapping/>
+  </p:clrMapOvr>
+  <p:timing>
+    <p:tnLst>
+      <p:par>
+        <p:cTn id="1" dur="indefinite" restart="never" nodeType="tmRoot">
+          <p:childTnLst>
+            <p:seq concurrent="1" nextAc="seek">
+              <p:cTn id="2" dur="indefinite" nodeType="mainSeq">
+                <p:childTnLst>
+                  <p:par>
+                    <p:cTn id="3" fill="hold">
+                      <p:stCondLst>
+                        <p:cond delay="indefinite"/>
+                      </p:stCondLst>
+                      <p:childTnLst>
+                        <p:par>
+                          <p:cTn id="4" fill="hold">
+                            <p:stCondLst>
+                              <p:cond delay="0"/>
+                            </p:stCondLst>
+                            <p:childTnLst>
+                              <p:par>
+                                <p:cTn id="5" presetID="10" presetClass="entr" presetSubtype="0" fill="hold" nodeType="clickEffect">
+                                  <p:stCondLst>
+                                    <p:cond delay="0"/>
+                                  </p:stCondLst>
+                                  <p:childTnLst>
+                                    <p:set>
+                                      <p:cBhvr>
+                                        <p:cTn id="6" dur="1" fill="hold">
+                                          <p:stCondLst>
+                                            <p:cond delay="0"/>
+                                          </p:stCondLst>
+                                        </p:cTn>
+                                        <p:tgtEl>
+                                          <p:spTgt spid="16"/>
+                                        </p:tgtEl>
+                                        <p:attrNameLst>
+                                          <p:attrName>style.visibility</p:attrName>
+                                        </p:attrNameLst>
+                                      </p:cBhvr>
+                                      <p:to>
+                                        <p:strVal val="visible"/>
+                                      </p:to>
+                                    </p:set>
+                                    <p:animEffect transition="in" filter="fade">
+                                      <p:cBhvr>
+                                        <p:cTn id="7" dur="500"/>
+                                        <p:tgtEl>
+                                          <p:spTgt spid="16"/>
+                                        </p:tgtEl>
+                                      </p:cBhvr>
+                                    </p:animEffect>
+                                  </p:childTnLst>
+                                </p:cTn>
+                              </p:par>
+                            </p:childTnLst>
+                          </p:cTn>
+                        </p:par>
+                      </p:childTnLst>
+                    </p:cTn>
+                  </p:par>
+                  <p:par>
+                    <p:cTn id="8" fill="hold">
+                      <p:stCondLst>
+                        <p:cond delay="indefinite"/>
+                      </p:stCondLst>
+                      <p:childTnLst>
+                        <p:par>
+                          <p:cTn id="9" fill="hold">
+                            <p:stCondLst>
+                              <p:cond delay="0"/>
+                            </p:stCondLst>
+                            <p:childTnLst>
+                              <p:par>
+                                <p:cTn id="10" presetID="10" presetClass="entr" presetSubtype="0" fill="hold" nodeType="clickEffect">
+                                  <p:stCondLst>
+                                    <p:cond delay="0"/>
+                                  </p:stCondLst>
+                                  <p:childTnLst>
+                                    <p:set>
+                                      <p:cBhvr>
+                                        <p:cTn id="11" dur="1" fill="hold">
+                                          <p:stCondLst>
+                                            <p:cond delay="0"/>
+                                          </p:stCondLst>
+                                        </p:cTn>
+                                        <p:tgtEl>
+                                          <p:spTgt spid="14"/>
+                                        </p:tgtEl>
+                                        <p:attrNameLst>
+                                          <p:attrName>style.visibility</p:attrName>
+                                        </p:attrNameLst>
+                                      </p:cBhvr>
+                                      <p:to>
+                                        <p:strVal val="visible"/>
+                                      </p:to>
+                                    </p:set>
+                                    <p:animEffect transition="in" filter="fade">
+                                      <p:cBhvr>
+                                        <p:cTn id="12" dur="500"/>
+                                        <p:tgtEl>
+                                          <p:spTgt spid="14"/>
+                                        </p:tgtEl>
+                                      </p:cBhvr>
+                                    </p:animEffect>
+                                  </p:childTnLst>
+                                </p:cTn>
+                              </p:par>
+                            </p:childTnLst>
+                          </p:cTn>
+                        </p:par>
+                      </p:childTnLst>
+                    </p:cTn>
+                  </p:par>
+                  <p:par>
+                    <p:cTn id="13" fill="hold">
+                      <p:stCondLst>
+                        <p:cond delay="indefinite"/>
+                      </p:stCondLst>
+                      <p:childTnLst>
+                        <p:par>
+                          <p:cTn id="14" fill="hold">
+                            <p:stCondLst>
+                              <p:cond delay="0"/>
+                            </p:stCondLst>
+                            <p:childTnLst>
+                              <p:par>
+                                <p:cTn id="15" presetID="10" presetClass="entr" presetSubtype="0" fill="hold" nodeType="clickEffect">
+                                  <p:stCondLst>
+                                    <p:cond delay="0"/>
+                                  </p:stCondLst>
+                                  <p:childTnLst>
+                                    <p:set>
+                                      <p:cBhvr>
+                                        <p:cTn id="16" dur="1" fill="hold">
+                                          <p:stCondLst>
+                                            <p:cond delay="0"/>
+                                          </p:stCondLst>
+                                        </p:cTn>
+                                        <p:tgtEl>
+                                          <p:spTgt spid="20"/>
+                                        </p:tgtEl>
+                                        <p:attrNameLst>
+                                          <p:attrName>style.visibility</p:attrName>
+                                        </p:attrNameLst>
+                                      </p:cBhvr>
+                                      <p:to>
+                                        <p:strVal val="visible"/>
+                                      </p:to>
+                                    </p:set>
+                                    <p:animEffect transition="in" filter="fade">
+                                      <p:cBhvr>
+                                        <p:cTn id="17" dur="500"/>
+                                        <p:tgtEl>
+                                          <p:spTgt spid="20"/>
+                                        </p:tgtEl>
+                                      </p:cBhvr>
+                                    </p:animEffect>
+                                  </p:childTnLst>
+                                </p:cTn>
+                              </p:par>
+                            </p:childTnLst>
+                          </p:cTn>
+                        </p:par>
+                        <p:par>
+                          <p:cTn id="18" fill="hold">
+                            <p:stCondLst>
+                              <p:cond delay="500"/>
+                            </p:stCondLst>
+                            <p:childTnLst>
+                              <p:par>
+                                <p:cTn id="19" presetID="10" presetClass="entr" presetSubtype="0" fill="hold" grpId="0" nodeType="afterEffect">
+                                  <p:stCondLst>
+                                    <p:cond delay="0"/>
+                                  </p:stCondLst>
+                                  <p:childTnLst>
+                                    <p:set>
+                                      <p:cBhvr>
+                                        <p:cTn id="20" dur="1" fill="hold">
+                                          <p:stCondLst>
+                                            <p:cond delay="0"/>
+                                          </p:stCondLst>
+                                        </p:cTn>
+                                        <p:tgtEl>
+                                          <p:spTgt spid="24"/>
+                                        </p:tgtEl>
+                                        <p:attrNameLst>
+                                          <p:attrName>style.visibility</p:attrName>
+                                        </p:attrNameLst>
+                                      </p:cBhvr>
+                                      <p:to>
+                                        <p:strVal val="visible"/>
+                                      </p:to>
+                                    </p:set>
+                                    <p:animEffect transition="in" filter="fade">
+                                      <p:cBhvr>
+                                        <p:cTn id="21" dur="500"/>
+                                        <p:tgtEl>
+                                          <p:spTgt spid="24"/>
+                                        </p:tgtEl>
+                                      </p:cBhvr>
+                                    </p:animEffect>
+                                  </p:childTnLst>
+                                </p:cTn>
+                              </p:par>
+                            </p:childTnLst>
+                          </p:cTn>
+                        </p:par>
+                      </p:childTnLst>
+                    </p:cTn>
+                  </p:par>
+                  <p:par>
+                    <p:cTn id="22" fill="hold">
+                      <p:stCondLst>
+                        <p:cond delay="indefinite"/>
+                      </p:stCondLst>
+                      <p:childTnLst>
+                        <p:par>
+                          <p:cTn id="23" fill="hold">
+                            <p:stCondLst>
+                              <p:cond delay="0"/>
+                            </p:stCondLst>
+                            <p:childTnLst>
+                              <p:par>
+                                <p:cTn id="24" presetID="2" presetClass="entr" presetSubtype="4" fill="hold" grpId="0" nodeType="clickEffect">
+                                  <p:stCondLst>
+                                    <p:cond delay="0"/>
+                                  </p:stCondLst>
+                                  <p:childTnLst>
+                                    <p:set>
+                                      <p:cBhvr>
+                                        <p:cTn id="25" dur="1" fill="hold">
+                                          <p:stCondLst>
+                                            <p:cond delay="0"/>
+                                          </p:stCondLst>
+                                        </p:cTn>
+                                        <p:tgtEl>
+                                          <p:spTgt spid="23"/>
+                                        </p:tgtEl>
+                                        <p:attrNameLst>
+                                          <p:attrName>style.visibility</p:attrName>
+                                        </p:attrNameLst>
+                                      </p:cBhvr>
+                                      <p:to>
+                                        <p:strVal val="visible"/>
+                                      </p:to>
+                                    </p:set>
+                                    <p:anim calcmode="lin" valueType="num">
+                                      <p:cBhvr additive="base">
+                                        <p:cTn id="26" dur="500" fill="hold"/>
+                                        <p:tgtEl>
+                                          <p:spTgt spid="23"/>
+                                        </p:tgtEl>
+                                        <p:attrNameLst>
+                                          <p:attrName>ppt_x</p:attrName>
+                                        </p:attrNameLst>
+                                      </p:cBhvr>
+                                      <p:tavLst>
+                                        <p:tav tm="0">
+                                          <p:val>
+                                            <p:strVal val="#ppt_x"/>
+                                          </p:val>
+                                        </p:tav>
+                                        <p:tav tm="100000">
+                                          <p:val>
+                                            <p:strVal val="#ppt_x"/>
+                                          </p:val>
+                                        </p:tav>
+                                      </p:tavLst>
+                                    </p:anim>
+                                    <p:anim calcmode="lin" valueType="num">
+                                      <p:cBhvr additive="base">
+                                        <p:cTn id="27" dur="500" fill="hold"/>
+                                        <p:tgtEl>
+                                          <p:spTgt spid="23"/>
+                                        </p:tgtEl>
+                                        <p:attrNameLst>
+                                          <p:attrName>ppt_y</p:attrName>
+                                        </p:attrNameLst>
+                                      </p:cBhvr>
+                                      <p:tavLst>
+                                        <p:tav tm="0">
+                                          <p:val>
+                                            <p:strVal val="1+#ppt_h/2"/>
+                                          </p:val>
+                                        </p:tav>
+                                        <p:tav tm="100000">
+                                          <p:val>
+                                            <p:strVal val="#ppt_y"/>
+                                          </p:val>
+                                        </p:tav>
+                                      </p:tavLst>
+                                    </p:anim>
+                                  </p:childTnLst>
+                                </p:cTn>
+                              </p:par>
+                              <p:par>
+                                <p:cTn id="28" presetID="2" presetClass="entr" presetSubtype="4" fill="hold" nodeType="withEffect">
+                                  <p:stCondLst>
+                                    <p:cond delay="0"/>
+                                  </p:stCondLst>
+                                  <p:childTnLst>
+                                    <p:set>
+                                      <p:cBhvr>
+                                        <p:cTn id="29" dur="1" fill="hold">
+                                          <p:stCondLst>
+                                            <p:cond delay="0"/>
+                                          </p:stCondLst>
+                                        </p:cTn>
+                                        <p:tgtEl>
+                                          <p:spTgt spid="22"/>
+                                        </p:tgtEl>
+                                        <p:attrNameLst>
+                                          <p:attrName>style.visibility</p:attrName>
+                                        </p:attrNameLst>
+                                      </p:cBhvr>
+                                      <p:to>
+                                        <p:strVal val="visible"/>
+                                      </p:to>
+                                    </p:set>
+                                    <p:anim calcmode="lin" valueType="num">
+                                      <p:cBhvr additive="base">
+                                        <p:cTn id="30" dur="500" fill="hold"/>
+                                        <p:tgtEl>
+                                          <p:spTgt spid="22"/>
+                                        </p:tgtEl>
+                                        <p:attrNameLst>
+                                          <p:attrName>ppt_x</p:attrName>
+                                        </p:attrNameLst>
+                                      </p:cBhvr>
+                                      <p:tavLst>
+                                        <p:tav tm="0">
+                                          <p:val>
+                                            <p:strVal val="#ppt_x"/>
+                                          </p:val>
+                                        </p:tav>
+                                        <p:tav tm="100000">
+                                          <p:val>
+                                            <p:strVal val="#ppt_x"/>
+                                          </p:val>
+                                        </p:tav>
+                                      </p:tavLst>
+                                    </p:anim>
+                                    <p:anim calcmode="lin" valueType="num">
+                                      <p:cBhvr additive="base">
+                                        <p:cTn id="31" dur="500" fill="hold"/>
+                                        <p:tgtEl>
+                                          <p:spTgt spid="22"/>
+                                        </p:tgtEl>
+                                        <p:attrNameLst>
+                                          <p:attrName>ppt_y</p:attrName>
+                                        </p:attrNameLst>
+                                      </p:cBhvr>
+                                      <p:tavLst>
+                                        <p:tav tm="0">
+                                          <p:val>
+                                            <p:strVal val="1+#ppt_h/2"/>
+                                          </p:val>
+                                        </p:tav>
+                                        <p:tav tm="100000">
+                                          <p:val>
+                                            <p:strVal val="#ppt_y"/>
+                                          </p:val>
+                                        </p:tav>
+                                      </p:tavLst>
+                                    </p:anim>
+                                  </p:childTnLst>
+                                </p:cTn>
+                              </p:par>
+                            </p:childTnLst>
+                          </p:cTn>
+                        </p:par>
+                      </p:childTnLst>
+                    </p:cTn>
+                  </p:par>
+                </p:childTnLst>
+              </p:cTn>
+              <p:prevCondLst>
+                <p:cond evt="onPrev" delay="0">
+                  <p:tgtEl>
+                    <p:sldTgt/>
+                  </p:tgtEl>
+                </p:cond>
+              </p:prevCondLst>
+              <p:nextCondLst>
+                <p:cond evt="onNext" delay="0">
+                  <p:tgtEl>
+                    <p:sldTgt/>
+                  </p:tgtEl>
+                </p:cond>
+              </p:nextCondLst>
+            </p:seq>
+          </p:childTnLst>
+        </p:cTn>
+      </p:par>
+    </p:tnLst>
+    <p:bldLst>
+      <p:bldP spid="23" grpId="0"/>
+      <p:bldP spid="24" grpId="0"/>
+    </p:bldLst>
+  </p:timing>
 </p:sld>
 </file>
 
@@ -12143,13 +12948,13 @@
   <p:clrMapOvr>
     <a:masterClrMapping/>
   </p:clrMapOvr>
-  <mc:AlternateContent xmlns:mc="http://schemas.openxmlformats.org/markup-compatibility/2006">
-    <mc:Choice xmlns:p159="http://schemas.microsoft.com/office/powerpoint/2015/09/main" Requires="p159">
+  <mc:AlternateContent xmlns:mc="http://schemas.openxmlformats.org/markup-compatibility/2006" xmlns:p159="http://schemas.microsoft.com/office/powerpoint/2015/09/main">
+    <mc:Choice Requires="p159">
       <p:transition xmlns:p14="http://schemas.microsoft.com/office/powerpoint/2010/main" spd="slow" p14:dur="3000">
         <p159:morph option="byObject"/>
       </p:transition>
     </mc:Choice>
-    <mc:Fallback>
+    <mc:Fallback xmlns="">
       <p:transition spd="slow">
         <p:fade/>
       </p:transition>
@@ -12727,13 +13532,13 @@
   <p:clrMapOvr>
     <a:masterClrMapping/>
   </p:clrMapOvr>
-  <mc:AlternateContent xmlns:mc="http://schemas.openxmlformats.org/markup-compatibility/2006">
-    <mc:Choice xmlns:p159="http://schemas.microsoft.com/office/powerpoint/2015/09/main" Requires="p159">
+  <mc:AlternateContent xmlns:mc="http://schemas.openxmlformats.org/markup-compatibility/2006" xmlns:p159="http://schemas.microsoft.com/office/powerpoint/2015/09/main">
+    <mc:Choice Requires="p159">
       <p:transition xmlns:p14="http://schemas.microsoft.com/office/powerpoint/2010/main" spd="slow" p14:dur="3000">
         <p159:morph option="byObject"/>
       </p:transition>
     </mc:Choice>
-    <mc:Fallback>
+    <mc:Fallback xmlns="">
       <p:transition spd="slow">
         <p:fade/>
       </p:transition>

--- a/plugins/e4sm.de.metamodel.to.scpn.qvto/docs/Transformation Definition.pptx
+++ b/plugins/e4sm.de.metamodel.to.scpn.qvto/docs/Transformation Definition.pptx
@@ -5,7 +5,7 @@
     <p:sldMasterId id="2147483725" r:id="rId1"/>
   </p:sldMasterIdLst>
   <p:notesMasterIdLst>
-    <p:notesMasterId r:id="rId16"/>
+    <p:notesMasterId r:id="rId24"/>
   </p:notesMasterIdLst>
   <p:sldIdLst>
     <p:sldId id="256" r:id="rId2"/>
@@ -15,13 +15,21 @@
     <p:sldId id="276" r:id="rId6"/>
     <p:sldId id="277" r:id="rId7"/>
     <p:sldId id="258" r:id="rId8"/>
-    <p:sldId id="262" r:id="rId9"/>
-    <p:sldId id="260" r:id="rId10"/>
-    <p:sldId id="261" r:id="rId11"/>
-    <p:sldId id="257" r:id="rId12"/>
-    <p:sldId id="259" r:id="rId13"/>
-    <p:sldId id="278" r:id="rId14"/>
-    <p:sldId id="279" r:id="rId15"/>
+    <p:sldId id="283" r:id="rId9"/>
+    <p:sldId id="262" r:id="rId10"/>
+    <p:sldId id="260" r:id="rId11"/>
+    <p:sldId id="261" r:id="rId12"/>
+    <p:sldId id="257" r:id="rId13"/>
+    <p:sldId id="259" r:id="rId14"/>
+    <p:sldId id="278" r:id="rId15"/>
+    <p:sldId id="279" r:id="rId16"/>
+    <p:sldId id="284" r:id="rId17"/>
+    <p:sldId id="285" r:id="rId18"/>
+    <p:sldId id="287" r:id="rId19"/>
+    <p:sldId id="286" r:id="rId20"/>
+    <p:sldId id="281" r:id="rId21"/>
+    <p:sldId id="282" r:id="rId22"/>
+    <p:sldId id="280" r:id="rId23"/>
   </p:sldIdLst>
   <p:sldSz cx="12192000" cy="6858000"/>
   <p:notesSz cx="6858000" cy="9144000"/>
@@ -210,7 +218,7 @@
           <a:p>
             <a:fld id="{6F74B443-8744-47F8-817D-247E18728C24}" type="datetimeFigureOut">
               <a:rPr lang="en-US" smtClean="0"/>
-              <a:t>4/5/2022</a:t>
+              <a:t>7/14/2022</a:t>
             </a:fld>
             <a:endParaRPr lang="en-US"/>
           </a:p>
@@ -2401,7 +2409,7 @@
           <a:p>
             <a:fld id="{79C5A860-F335-4252-AA00-24FB67ED2982}" type="datetime1">
               <a:rPr lang="en-US" smtClean="0"/>
-              <a:t>4/5/2022</a:t>
+              <a:t>7/14/2022</a:t>
             </a:fld>
             <a:endParaRPr lang="en-US"/>
           </a:p>
@@ -2600,7 +2608,7 @@
           <a:p>
             <a:fld id="{46AB1048-0047-48CA-88BA-D69B470942CF}" type="datetime1">
               <a:rPr lang="en-US" smtClean="0"/>
-              <a:t>4/5/2022</a:t>
+              <a:t>7/14/2022</a:t>
             </a:fld>
             <a:endParaRPr lang="en-US"/>
           </a:p>
@@ -2810,7 +2818,7 @@
           <a:p>
             <a:fld id="{5BD83879-648C-49A9-81A2-0EF5946532D0}" type="datetime1">
               <a:rPr lang="en-US" smtClean="0"/>
-              <a:t>4/5/2022</a:t>
+              <a:t>7/14/2022</a:t>
             </a:fld>
             <a:endParaRPr lang="en-US"/>
           </a:p>
@@ -3008,7 +3016,7 @@
           <a:p>
             <a:fld id="{D04BC802-30E3-4658-9CCA-F873646FEC67}" type="datetime1">
               <a:rPr lang="en-US" smtClean="0"/>
-              <a:t>4/5/2022</a:t>
+              <a:t>7/14/2022</a:t>
             </a:fld>
             <a:endParaRPr lang="en-US"/>
           </a:p>
@@ -3286,7 +3294,7 @@
           <a:p>
             <a:fld id="{0AB227A3-19CE-4153-81CE-64EB7AB094B3}" type="datetime1">
               <a:rPr lang="en-US" smtClean="0"/>
-              <a:t>4/5/2022</a:t>
+              <a:t>7/14/2022</a:t>
             </a:fld>
             <a:endParaRPr lang="en-US"/>
           </a:p>
@@ -3553,7 +3561,7 @@
           <a:p>
             <a:fld id="{B819A100-10F6-477E-8847-29D479EF1C92}" type="datetime1">
               <a:rPr lang="en-US" smtClean="0"/>
-              <a:t>4/5/2022</a:t>
+              <a:t>7/14/2022</a:t>
             </a:fld>
             <a:endParaRPr lang="en-US"/>
           </a:p>
@@ -3967,7 +3975,7 @@
           <a:p>
             <a:fld id="{5DF128AB-198A-495F-8475-FDB360C9873F}" type="datetime1">
               <a:rPr lang="en-US" smtClean="0"/>
-              <a:t>4/5/2022</a:t>
+              <a:t>7/14/2022</a:t>
             </a:fld>
             <a:endParaRPr lang="en-US"/>
           </a:p>
@@ -4108,7 +4116,7 @@
           <a:p>
             <a:fld id="{021A235E-F8FD-479F-9FC7-18BE84110877}" type="datetime1">
               <a:rPr lang="en-US" smtClean="0"/>
-              <a:t>4/5/2022</a:t>
+              <a:t>7/14/2022</a:t>
             </a:fld>
             <a:endParaRPr lang="en-US"/>
           </a:p>
@@ -4221,7 +4229,7 @@
           <a:p>
             <a:fld id="{E890F09B-68DA-462E-9DB4-4C9ADAB8CBCC}" type="datetime1">
               <a:rPr lang="en-US" smtClean="0"/>
-              <a:t>4/5/2022</a:t>
+              <a:t>7/14/2022</a:t>
             </a:fld>
             <a:endParaRPr lang="en-US"/>
           </a:p>
@@ -4540,7 +4548,7 @@
           <a:p>
             <a:fld id="{17AC4E36-FABE-47EB-AA7F-C19A93824617}" type="datetime1">
               <a:rPr lang="en-US" smtClean="0"/>
-              <a:t>4/5/2022</a:t>
+              <a:t>7/14/2022</a:t>
             </a:fld>
             <a:endParaRPr lang="en-US"/>
           </a:p>
@@ -4837,7 +4845,7 @@
           <a:p>
             <a:fld id="{F199CE6B-5DE6-4A2D-B72E-5E8969F9F56F}" type="datetime1">
               <a:rPr lang="en-US" smtClean="0"/>
-              <a:t>4/5/2022</a:t>
+              <a:t>7/14/2022</a:t>
             </a:fld>
             <a:endParaRPr lang="en-US"/>
           </a:p>
@@ -5695,7 +5703,7 @@
           <a:p>
             <a:fld id="{F481A142-DA77-4A5F-AD1F-14E6C18F0F5F}" type="datetime1">
               <a:rPr lang="en-US" smtClean="0"/>
-              <a:t>4/5/2022</a:t>
+              <a:t>7/14/2022</a:t>
             </a:fld>
             <a:endParaRPr lang="en-US" dirty="0"/>
           </a:p>
@@ -6741,10 +6749,10 @@
       </p:grpSpPr>
       <p:sp>
         <p:nvSpPr>
-          <p:cNvPr id="10" name="!!s1b">
-            <a:extLst>
-              <a:ext uri="{FF2B5EF4-FFF2-40B4-BE49-F238E27FC236}">
-                <a16:creationId xmlns:a16="http://schemas.microsoft.com/office/drawing/2014/main" id="{98CC0FDF-032D-4D65-A528-5863D0E0BFD7}"/>
+          <p:cNvPr id="13" name="!!s1a">
+            <a:extLst>
+              <a:ext uri="{FF2B5EF4-FFF2-40B4-BE49-F238E27FC236}">
+                <a16:creationId xmlns:a16="http://schemas.microsoft.com/office/drawing/2014/main" id="{232A0163-7C30-4167-BFE7-A822D3CBE06C}"/>
               </a:ext>
             </a:extLst>
           </p:cNvPr>
@@ -6753,444 +6761,15 @@
         </p:nvSpPr>
         <p:spPr>
           <a:xfrm>
-            <a:off x="6900162" y="3602964"/>
-            <a:ext cx="225380" cy="408904"/>
+            <a:off x="5514131" y="3302838"/>
+            <a:ext cx="733157" cy="1242812"/>
           </a:xfrm>
           <a:prstGeom prst="rect">
             <a:avLst/>
           </a:prstGeom>
-          <a:solidFill>
-            <a:schemeClr val="bg1"/>
-          </a:solidFill>
-          <a:ln w="38100">
-            <a:solidFill>
-              <a:srgbClr val="E69500"/>
-            </a:solidFill>
+          <a:ln>
+            <a:noFill/>
           </a:ln>
-        </p:spPr>
-        <p:style>
-          <a:lnRef idx="2">
-            <a:schemeClr val="accent1">
-              <a:shade val="50000"/>
-            </a:schemeClr>
-          </a:lnRef>
-          <a:fillRef idx="1">
-            <a:schemeClr val="accent1"/>
-          </a:fillRef>
-          <a:effectRef idx="0">
-            <a:schemeClr val="accent1"/>
-          </a:effectRef>
-          <a:fontRef idx="minor">
-            <a:schemeClr val="lt1"/>
-          </a:fontRef>
-        </p:style>
-        <p:txBody>
-          <a:bodyPr rtlCol="0" anchor="ctr"/>
-          <a:lstStyle/>
-          <a:p>
-            <a:pPr algn="ctr"/>
-            <a:endParaRPr lang="en-US"/>
-          </a:p>
-        </p:txBody>
-      </p:sp>
-      <p:sp>
-        <p:nvSpPr>
-          <p:cNvPr id="2" name="Title 1">
-            <a:extLst>
-              <a:ext uri="{FF2B5EF4-FFF2-40B4-BE49-F238E27FC236}">
-                <a16:creationId xmlns:a16="http://schemas.microsoft.com/office/drawing/2014/main" id="{F35E7FA5-D38D-4528-95E6-AAD9DA2D2ACA}"/>
-              </a:ext>
-            </a:extLst>
-          </p:cNvPr>
-          <p:cNvSpPr>
-            <a:spLocks noGrp="1"/>
-          </p:cNvSpPr>
-          <p:nvPr>
-            <p:ph type="title"/>
-          </p:nvPr>
-        </p:nvSpPr>
-        <p:spPr/>
-        <p:txBody>
-          <a:bodyPr/>
-          <a:lstStyle/>
-          <a:p>
-            <a:endParaRPr lang="en-US"/>
-          </a:p>
-        </p:txBody>
-      </p:sp>
-      <p:sp>
-        <p:nvSpPr>
-          <p:cNvPr id="7" name="!!s1">
-            <a:extLst>
-              <a:ext uri="{FF2B5EF4-FFF2-40B4-BE49-F238E27FC236}">
-                <a16:creationId xmlns:a16="http://schemas.microsoft.com/office/drawing/2014/main" id="{BB749C50-622C-4C68-82C3-2C0487DADA78}"/>
-              </a:ext>
-            </a:extLst>
-          </p:cNvPr>
-          <p:cNvSpPr/>
-          <p:nvPr/>
-        </p:nvSpPr>
-        <p:spPr>
-          <a:xfrm>
-            <a:off x="5992201" y="3602964"/>
-            <a:ext cx="408904" cy="408904"/>
-          </a:xfrm>
-          <a:prstGeom prst="ellipse">
-            <a:avLst/>
-          </a:prstGeom>
-          <a:solidFill>
-            <a:schemeClr val="bg1"/>
-          </a:solidFill>
-          <a:ln w="38100">
-            <a:solidFill>
-              <a:srgbClr val="E69500"/>
-            </a:solidFill>
-          </a:ln>
-        </p:spPr>
-        <p:style>
-          <a:lnRef idx="2">
-            <a:schemeClr val="accent1">
-              <a:shade val="50000"/>
-            </a:schemeClr>
-          </a:lnRef>
-          <a:fillRef idx="1">
-            <a:schemeClr val="accent1"/>
-          </a:fillRef>
-          <a:effectRef idx="0">
-            <a:schemeClr val="accent1"/>
-          </a:effectRef>
-          <a:fontRef idx="minor">
-            <a:schemeClr val="lt1"/>
-          </a:fontRef>
-        </p:style>
-        <p:txBody>
-          <a:bodyPr rtlCol="0" anchor="ctr"/>
-          <a:lstStyle/>
-          <a:p>
-            <a:pPr algn="ctr"/>
-            <a:endParaRPr lang="en-US"/>
-          </a:p>
-        </p:txBody>
-      </p:sp>
-      <p:sp>
-        <p:nvSpPr>
-          <p:cNvPr id="8" name="!!s1a">
-            <a:extLst>
-              <a:ext uri="{FF2B5EF4-FFF2-40B4-BE49-F238E27FC236}">
-                <a16:creationId xmlns:a16="http://schemas.microsoft.com/office/drawing/2014/main" id="{31A077AC-B90C-4AB1-BB8B-7C3259645A18}"/>
-              </a:ext>
-            </a:extLst>
-          </p:cNvPr>
-          <p:cNvSpPr/>
-          <p:nvPr/>
-        </p:nvSpPr>
-        <p:spPr>
-          <a:xfrm>
-            <a:off x="5379608" y="3602965"/>
-            <a:ext cx="113536" cy="408904"/>
-          </a:xfrm>
-          <a:prstGeom prst="rect">
-            <a:avLst/>
-          </a:prstGeom>
-          <a:solidFill>
-            <a:srgbClr val="E69500"/>
-          </a:solidFill>
-          <a:ln>
-            <a:solidFill>
-              <a:srgbClr val="A96C00"/>
-            </a:solidFill>
-          </a:ln>
-        </p:spPr>
-        <p:style>
-          <a:lnRef idx="2">
-            <a:schemeClr val="accent1">
-              <a:shade val="50000"/>
-            </a:schemeClr>
-          </a:lnRef>
-          <a:fillRef idx="1">
-            <a:schemeClr val="accent1"/>
-          </a:fillRef>
-          <a:effectRef idx="0">
-            <a:schemeClr val="accent1"/>
-          </a:effectRef>
-          <a:fontRef idx="minor">
-            <a:schemeClr val="lt1"/>
-          </a:fontRef>
-        </p:style>
-        <p:txBody>
-          <a:bodyPr rtlCol="0" anchor="ctr"/>
-          <a:lstStyle/>
-          <a:p>
-            <a:pPr algn="ctr"/>
-            <a:endParaRPr lang="en-US" dirty="0"/>
-          </a:p>
-        </p:txBody>
-      </p:sp>
-      <p:sp>
-        <p:nvSpPr>
-          <p:cNvPr id="11" name="!!o1">
-            <a:extLst>
-              <a:ext uri="{FF2B5EF4-FFF2-40B4-BE49-F238E27FC236}">
-                <a16:creationId xmlns:a16="http://schemas.microsoft.com/office/drawing/2014/main" id="{8C03B8B5-25D4-418E-9671-75137D4E05B4}"/>
-              </a:ext>
-            </a:extLst>
-          </p:cNvPr>
-          <p:cNvSpPr/>
-          <p:nvPr/>
-        </p:nvSpPr>
-        <p:spPr>
-          <a:xfrm>
-            <a:off x="7617924" y="3103280"/>
-            <a:ext cx="408904" cy="408904"/>
-          </a:xfrm>
-          <a:prstGeom prst="ellipse">
-            <a:avLst/>
-          </a:prstGeom>
-          <a:solidFill>
-            <a:schemeClr val="bg1">
-              <a:lumMod val="75000"/>
-            </a:schemeClr>
-          </a:solidFill>
-        </p:spPr>
-        <p:style>
-          <a:lnRef idx="1">
-            <a:schemeClr val="dk1"/>
-          </a:lnRef>
-          <a:fillRef idx="2">
-            <a:schemeClr val="dk1"/>
-          </a:fillRef>
-          <a:effectRef idx="1">
-            <a:schemeClr val="dk1"/>
-          </a:effectRef>
-          <a:fontRef idx="minor">
-            <a:schemeClr val="dk1"/>
-          </a:fontRef>
-        </p:style>
-        <p:txBody>
-          <a:bodyPr rtlCol="0" anchor="ctr"/>
-          <a:lstStyle/>
-          <a:p>
-            <a:pPr algn="ctr"/>
-            <a:endParaRPr lang="en-US"/>
-          </a:p>
-        </p:txBody>
-      </p:sp>
-      <p:cxnSp>
-        <p:nvCxnSpPr>
-          <p:cNvPr id="13" name="!!s1">
-            <a:extLst>
-              <a:ext uri="{FF2B5EF4-FFF2-40B4-BE49-F238E27FC236}">
-                <a16:creationId xmlns:a16="http://schemas.microsoft.com/office/drawing/2014/main" id="{BDE36FC5-A906-4FDE-B294-5FDF461B018F}"/>
-              </a:ext>
-            </a:extLst>
-          </p:cNvPr>
-          <p:cNvCxnSpPr>
-            <a:cxnSpLocks/>
-            <a:stCxn id="8" idx="3"/>
-            <a:endCxn id="7" idx="2"/>
-          </p:cNvCxnSpPr>
-          <p:nvPr/>
-        </p:nvCxnSpPr>
-        <p:spPr>
-          <a:xfrm flipV="1">
-            <a:off x="5493144" y="3807416"/>
-            <a:ext cx="499057" cy="1"/>
-          </a:xfrm>
-          <a:prstGeom prst="straightConnector1">
-            <a:avLst/>
-          </a:prstGeom>
-          <a:ln>
-            <a:tailEnd type="triangle"/>
-          </a:ln>
-        </p:spPr>
-        <p:style>
-          <a:lnRef idx="3">
-            <a:schemeClr val="dk1"/>
-          </a:lnRef>
-          <a:fillRef idx="0">
-            <a:schemeClr val="dk1"/>
-          </a:fillRef>
-          <a:effectRef idx="2">
-            <a:schemeClr val="dk1"/>
-          </a:effectRef>
-          <a:fontRef idx="minor">
-            <a:schemeClr val="tx1"/>
-          </a:fontRef>
-        </p:style>
-      </p:cxnSp>
-      <p:cxnSp>
-        <p:nvCxnSpPr>
-          <p:cNvPr id="14" name="!!s1">
-            <a:extLst>
-              <a:ext uri="{FF2B5EF4-FFF2-40B4-BE49-F238E27FC236}">
-                <a16:creationId xmlns:a16="http://schemas.microsoft.com/office/drawing/2014/main" id="{CFB861F2-7F5A-43C9-8388-D3ADAD58BBC7}"/>
-              </a:ext>
-            </a:extLst>
-          </p:cNvPr>
-          <p:cNvCxnSpPr>
-            <a:cxnSpLocks/>
-            <a:stCxn id="7" idx="6"/>
-            <a:endCxn id="10" idx="1"/>
-          </p:cNvCxnSpPr>
-          <p:nvPr/>
-        </p:nvCxnSpPr>
-        <p:spPr>
-          <a:xfrm>
-            <a:off x="6401105" y="3807416"/>
-            <a:ext cx="499057" cy="0"/>
-          </a:xfrm>
-          <a:prstGeom prst="straightConnector1">
-            <a:avLst/>
-          </a:prstGeom>
-          <a:ln>
-            <a:tailEnd type="triangle"/>
-          </a:ln>
-        </p:spPr>
-        <p:style>
-          <a:lnRef idx="3">
-            <a:schemeClr val="dk1"/>
-          </a:lnRef>
-          <a:fillRef idx="0">
-            <a:schemeClr val="dk1"/>
-          </a:fillRef>
-          <a:effectRef idx="2">
-            <a:schemeClr val="dk1"/>
-          </a:effectRef>
-          <a:fontRef idx="minor">
-            <a:schemeClr val="tx1"/>
-          </a:fontRef>
-        </p:style>
-      </p:cxnSp>
-      <p:cxnSp>
-        <p:nvCxnSpPr>
-          <p:cNvPr id="15" name="!!op">
-            <a:extLst>
-              <a:ext uri="{FF2B5EF4-FFF2-40B4-BE49-F238E27FC236}">
-                <a16:creationId xmlns:a16="http://schemas.microsoft.com/office/drawing/2014/main" id="{5647EB69-CE7D-4736-B3BA-6EFE22DE2FD7}"/>
-              </a:ext>
-            </a:extLst>
-          </p:cNvPr>
-          <p:cNvCxnSpPr>
-            <a:cxnSpLocks/>
-            <a:stCxn id="10" idx="3"/>
-            <a:endCxn id="11" idx="2"/>
-          </p:cNvCxnSpPr>
-          <p:nvPr/>
-        </p:nvCxnSpPr>
-        <p:spPr>
-          <a:xfrm flipV="1">
-            <a:off x="7125542" y="3307732"/>
-            <a:ext cx="492382" cy="499684"/>
-          </a:xfrm>
-          <a:prstGeom prst="straightConnector1">
-            <a:avLst/>
-          </a:prstGeom>
-          <a:ln>
-            <a:tailEnd type="triangle"/>
-          </a:ln>
-        </p:spPr>
-        <p:style>
-          <a:lnRef idx="3">
-            <a:schemeClr val="dk1"/>
-          </a:lnRef>
-          <a:fillRef idx="0">
-            <a:schemeClr val="dk1"/>
-          </a:fillRef>
-          <a:effectRef idx="2">
-            <a:schemeClr val="dk1"/>
-          </a:effectRef>
-          <a:fontRef idx="minor">
-            <a:schemeClr val="tx1"/>
-          </a:fontRef>
-        </p:style>
-      </p:cxnSp>
-      <p:sp>
-        <p:nvSpPr>
-          <p:cNvPr id="27" name="!!text">
-            <a:extLst>
-              <a:ext uri="{FF2B5EF4-FFF2-40B4-BE49-F238E27FC236}">
-                <a16:creationId xmlns:a16="http://schemas.microsoft.com/office/drawing/2014/main" id="{ED4B6439-1057-4737-9272-6B1719435C43}"/>
-              </a:ext>
-            </a:extLst>
-          </p:cNvPr>
-          <p:cNvSpPr/>
-          <p:nvPr/>
-        </p:nvSpPr>
-        <p:spPr>
-          <a:xfrm>
-            <a:off x="830581" y="3307732"/>
-            <a:ext cx="2892138" cy="1754326"/>
-          </a:xfrm>
-          <a:prstGeom prst="rect">
-            <a:avLst/>
-          </a:prstGeom>
-          <a:noFill/>
-        </p:spPr>
-        <p:txBody>
-          <a:bodyPr wrap="none" lIns="91440" tIns="45720" rIns="91440" bIns="45720">
-            <a:spAutoFit/>
-          </a:bodyPr>
-          <a:lstStyle/>
-          <a:p>
-            <a:pPr algn="ctr"/>
-            <a:r>
-              <a:rPr lang="en-US" sz="5400" b="0" cap="none" spc="0" dirty="0">
-                <a:ln w="0"/>
-                <a:solidFill>
-                  <a:schemeClr val="accent1"/>
-                </a:solidFill>
-                <a:effectLst>
-                  <a:outerShdw blurRad="38100" dist="25400" dir="5400000" algn="ctr" rotWithShape="0">
-                    <a:srgbClr val="6E747A">
-                      <a:alpha val="43000"/>
-                    </a:srgbClr>
-                  </a:outerShdw>
-                </a:effectLst>
-              </a:rPr>
-              <a:t>Colored</a:t>
-            </a:r>
-          </a:p>
-          <a:p>
-            <a:pPr algn="ctr"/>
-            <a:r>
-              <a:rPr lang="en-US" sz="5400" b="0" cap="none" spc="0" dirty="0">
-                <a:ln w="0"/>
-                <a:solidFill>
-                  <a:schemeClr val="accent1"/>
-                </a:solidFill>
-                <a:effectLst>
-                  <a:outerShdw blurRad="38100" dist="25400" dir="5400000" algn="ctr" rotWithShape="0">
-                    <a:srgbClr val="6E747A">
-                      <a:alpha val="43000"/>
-                    </a:srgbClr>
-                  </a:outerShdw>
-                </a:effectLst>
-              </a:rPr>
-              <a:t>Petri Net</a:t>
-            </a:r>
-          </a:p>
-        </p:txBody>
-      </p:sp>
-      <p:sp>
-        <p:nvSpPr>
-          <p:cNvPr id="28" name="other">
-            <a:extLst>
-              <a:ext uri="{FF2B5EF4-FFF2-40B4-BE49-F238E27FC236}">
-                <a16:creationId xmlns:a16="http://schemas.microsoft.com/office/drawing/2014/main" id="{97AFCCA8-A822-4716-955E-72FBC35DFE34}"/>
-              </a:ext>
-            </a:extLst>
-          </p:cNvPr>
-          <p:cNvSpPr/>
-          <p:nvPr/>
-        </p:nvSpPr>
-        <p:spPr>
-          <a:xfrm>
-            <a:off x="5493144" y="4838948"/>
-            <a:ext cx="2073499" cy="1242812"/>
-          </a:xfrm>
-          <a:prstGeom prst="rect">
-            <a:avLst/>
-          </a:prstGeom>
         </p:spPr>
         <p:style>
           <a:lnRef idx="2">
@@ -7213,6 +6792,126 @@
           <a:lstStyle/>
           <a:p>
             <a:pPr algn="ctr"/>
+            <a:endParaRPr lang="en-US" dirty="0"/>
+          </a:p>
+        </p:txBody>
+      </p:sp>
+      <p:sp>
+        <p:nvSpPr>
+          <p:cNvPr id="2" name="Title 1">
+            <a:extLst>
+              <a:ext uri="{FF2B5EF4-FFF2-40B4-BE49-F238E27FC236}">
+                <a16:creationId xmlns:a16="http://schemas.microsoft.com/office/drawing/2014/main" id="{F35E7FA5-D38D-4528-95E6-AAD9DA2D2ACA}"/>
+              </a:ext>
+            </a:extLst>
+          </p:cNvPr>
+          <p:cNvSpPr>
+            <a:spLocks noGrp="1"/>
+          </p:cNvSpPr>
+          <p:nvPr>
+            <p:ph type="title"/>
+          </p:nvPr>
+        </p:nvSpPr>
+        <p:spPr/>
+        <p:txBody>
+          <a:bodyPr/>
+          <a:lstStyle/>
+          <a:p>
+            <a:endParaRPr lang="en-US"/>
+          </a:p>
+        </p:txBody>
+      </p:sp>
+      <p:sp>
+        <p:nvSpPr>
+          <p:cNvPr id="14" name="!!s1b">
+            <a:extLst>
+              <a:ext uri="{FF2B5EF4-FFF2-40B4-BE49-F238E27FC236}">
+                <a16:creationId xmlns:a16="http://schemas.microsoft.com/office/drawing/2014/main" id="{F1F25819-96EA-4181-9FB6-CBD480FAE769}"/>
+              </a:ext>
+            </a:extLst>
+          </p:cNvPr>
+          <p:cNvSpPr/>
+          <p:nvPr/>
+        </p:nvSpPr>
+        <p:spPr>
+          <a:xfrm>
+            <a:off x="6854473" y="3302837"/>
+            <a:ext cx="733157" cy="1242812"/>
+          </a:xfrm>
+          <a:prstGeom prst="rect">
+            <a:avLst/>
+          </a:prstGeom>
+          <a:ln>
+            <a:noFill/>
+          </a:ln>
+        </p:spPr>
+        <p:style>
+          <a:lnRef idx="2">
+            <a:schemeClr val="accent4">
+              <a:shade val="50000"/>
+            </a:schemeClr>
+          </a:lnRef>
+          <a:fillRef idx="1">
+            <a:schemeClr val="accent4"/>
+          </a:fillRef>
+          <a:effectRef idx="0">
+            <a:schemeClr val="accent4"/>
+          </a:effectRef>
+          <a:fontRef idx="minor">
+            <a:schemeClr val="lt1"/>
+          </a:fontRef>
+        </p:style>
+        <p:txBody>
+          <a:bodyPr rtlCol="0" anchor="ctr"/>
+          <a:lstStyle/>
+          <a:p>
+            <a:pPr algn="ctr"/>
+            <a:endParaRPr lang="en-US" dirty="0"/>
+          </a:p>
+        </p:txBody>
+      </p:sp>
+      <p:sp>
+        <p:nvSpPr>
+          <p:cNvPr id="4" name="!!s1">
+            <a:extLst>
+              <a:ext uri="{FF2B5EF4-FFF2-40B4-BE49-F238E27FC236}">
+                <a16:creationId xmlns:a16="http://schemas.microsoft.com/office/drawing/2014/main" id="{810355B5-CFD5-4CB9-B60B-8A2A0F9B235C}"/>
+              </a:ext>
+            </a:extLst>
+          </p:cNvPr>
+          <p:cNvSpPr/>
+          <p:nvPr/>
+        </p:nvSpPr>
+        <p:spPr>
+          <a:xfrm>
+            <a:off x="5514132" y="3302838"/>
+            <a:ext cx="2073499" cy="1242812"/>
+          </a:xfrm>
+          <a:prstGeom prst="rect">
+            <a:avLst/>
+          </a:prstGeom>
+        </p:spPr>
+        <p:style>
+          <a:lnRef idx="2">
+            <a:schemeClr val="accent4">
+              <a:shade val="50000"/>
+            </a:schemeClr>
+          </a:lnRef>
+          <a:fillRef idx="1">
+            <a:schemeClr val="accent4"/>
+          </a:fillRef>
+          <a:effectRef idx="0">
+            <a:schemeClr val="accent4"/>
+          </a:effectRef>
+          <a:fontRef idx="minor">
+            <a:schemeClr val="lt1"/>
+          </a:fontRef>
+        </p:style>
+        <p:txBody>
+          <a:bodyPr rtlCol="0" anchor="ctr"/>
+          <a:lstStyle/>
+          <a:p>
+            <a:pPr algn="ctr"/>
             <a:r>
               <a:rPr lang="en-US" dirty="0"/>
               <a:t>Component</a:t>
@@ -7222,10 +6921,10 @@
       </p:sp>
       <p:sp>
         <p:nvSpPr>
-          <p:cNvPr id="29" name="asga">
-            <a:extLst>
-              <a:ext uri="{FF2B5EF4-FFF2-40B4-BE49-F238E27FC236}">
-                <a16:creationId xmlns:a16="http://schemas.microsoft.com/office/drawing/2014/main" id="{91EF0902-E26C-461F-950C-150BDBDD7ECC}"/>
+          <p:cNvPr id="5" name="!!o1">
+            <a:extLst>
+              <a:ext uri="{FF2B5EF4-FFF2-40B4-BE49-F238E27FC236}">
+                <a16:creationId xmlns:a16="http://schemas.microsoft.com/office/drawing/2014/main" id="{615D7B34-CA8D-40F3-ACE2-85FC8F2E0A61}"/>
               </a:ext>
             </a:extLst>
           </p:cNvPr>
@@ -7234,7 +6933,7 @@
         </p:nvSpPr>
         <p:spPr>
           <a:xfrm>
-            <a:off x="7359309" y="4830143"/>
+            <a:off x="7388006" y="3315804"/>
             <a:ext cx="399245" cy="367047"/>
           </a:xfrm>
           <a:prstGeom prst="rect">
@@ -7273,97 +6972,76 @@
           </a:p>
         </p:txBody>
       </p:sp>
-      <p:cxnSp>
-        <p:nvCxnSpPr>
-          <p:cNvPr id="32" name="Straight Arrow Connector 31">
-            <a:extLst>
-              <a:ext uri="{FF2B5EF4-FFF2-40B4-BE49-F238E27FC236}">
-                <a16:creationId xmlns:a16="http://schemas.microsoft.com/office/drawing/2014/main" id="{6BE92B93-F5CE-479A-BE9D-76DF7CBD5B4A}"/>
-              </a:ext>
-            </a:extLst>
-          </p:cNvPr>
-          <p:cNvCxnSpPr>
-            <a:cxnSpLocks/>
-            <a:stCxn id="28" idx="0"/>
-          </p:cNvCxnSpPr>
+      <p:sp>
+        <p:nvSpPr>
+          <p:cNvPr id="8" name="!!text">
+            <a:extLst>
+              <a:ext uri="{FF2B5EF4-FFF2-40B4-BE49-F238E27FC236}">
+                <a16:creationId xmlns:a16="http://schemas.microsoft.com/office/drawing/2014/main" id="{701A1987-5DA4-4B28-A1C4-2390229B5EA5}"/>
+              </a:ext>
+            </a:extLst>
+          </p:cNvPr>
+          <p:cNvSpPr/>
           <p:nvPr/>
-        </p:nvCxnSpPr>
-        <p:spPr>
-          <a:xfrm flipH="1" flipV="1">
-            <a:off x="6401105" y="4378441"/>
-            <a:ext cx="128789" cy="460507"/>
-          </a:xfrm>
-          <a:prstGeom prst="straightConnector1">
+        </p:nvSpPr>
+        <p:spPr>
+          <a:xfrm>
+            <a:off x="1095271" y="3338498"/>
+            <a:ext cx="2459328" cy="1938992"/>
+          </a:xfrm>
+          <a:prstGeom prst="rect">
             <a:avLst/>
           </a:prstGeom>
-          <a:ln>
-            <a:prstDash val="dash"/>
-            <a:tailEnd type="triangle"/>
-          </a:ln>
-        </p:spPr>
-        <p:style>
-          <a:lnRef idx="3">
-            <a:schemeClr val="accent2"/>
-          </a:lnRef>
-          <a:fillRef idx="0">
-            <a:schemeClr val="accent2"/>
-          </a:fillRef>
-          <a:effectRef idx="2">
-            <a:schemeClr val="accent2"/>
-          </a:effectRef>
-          <a:fontRef idx="minor">
-            <a:schemeClr val="tx1"/>
-          </a:fontRef>
-        </p:style>
-      </p:cxnSp>
-      <p:cxnSp>
-        <p:nvCxnSpPr>
-          <p:cNvPr id="34" name="Straight Arrow Connector 33">
-            <a:extLst>
-              <a:ext uri="{FF2B5EF4-FFF2-40B4-BE49-F238E27FC236}">
-                <a16:creationId xmlns:a16="http://schemas.microsoft.com/office/drawing/2014/main" id="{BEAB1B9B-47F7-4C6C-B82B-CC9267FC642A}"/>
-              </a:ext>
-            </a:extLst>
-          </p:cNvPr>
-          <p:cNvCxnSpPr>
-            <a:cxnSpLocks/>
-          </p:cNvCxnSpPr>
-          <p:nvPr/>
-        </p:nvCxnSpPr>
-        <p:spPr>
-          <a:xfrm flipV="1">
-            <a:off x="7566643" y="4545302"/>
-            <a:ext cx="48743" cy="226932"/>
-          </a:xfrm>
-          <a:prstGeom prst="straightConnector1">
-            <a:avLst/>
-          </a:prstGeom>
-          <a:ln>
-            <a:prstDash val="dash"/>
-            <a:tailEnd type="triangle"/>
-          </a:ln>
-        </p:spPr>
-        <p:style>
-          <a:lnRef idx="3">
-            <a:schemeClr val="accent2"/>
-          </a:lnRef>
-          <a:fillRef idx="0">
-            <a:schemeClr val="accent2"/>
-          </a:fillRef>
-          <a:effectRef idx="2">
-            <a:schemeClr val="accent2"/>
-          </a:effectRef>
-          <a:fontRef idx="minor">
-            <a:schemeClr val="tx1"/>
-          </a:fontRef>
-        </p:style>
-      </p:cxnSp>
-      <p:sp>
-        <p:nvSpPr>
-          <p:cNvPr id="36" name="!!in1">
-            <a:extLst>
-              <a:ext uri="{FF2B5EF4-FFF2-40B4-BE49-F238E27FC236}">
-                <a16:creationId xmlns:a16="http://schemas.microsoft.com/office/drawing/2014/main" id="{FC5B6D34-4E25-4034-9ACE-178D21EE1F7B}"/>
+          <a:noFill/>
+        </p:spPr>
+        <p:txBody>
+          <a:bodyPr wrap="none" lIns="91440" tIns="45720" rIns="91440" bIns="45720">
+            <a:spAutoFit/>
+          </a:bodyPr>
+          <a:lstStyle/>
+          <a:p>
+            <a:pPr algn="ctr"/>
+            <a:endParaRPr lang="en-US" sz="6000" dirty="0">
+              <a:ln w="0"/>
+              <a:solidFill>
+                <a:schemeClr val="accent1"/>
+              </a:solidFill>
+              <a:effectLst>
+                <a:outerShdw blurRad="38100" dist="25400" dir="5400000" algn="ctr" rotWithShape="0">
+                  <a:srgbClr val="6E747A">
+                    <a:alpha val="43000"/>
+                  </a:srgbClr>
+                </a:outerShdw>
+              </a:effectLst>
+            </a:endParaRPr>
+          </a:p>
+          <a:p>
+            <a:pPr algn="ctr"/>
+            <a:r>
+              <a:rPr lang="en-US" sz="6000" b="0" cap="none" spc="0" dirty="0">
+                <a:ln w="0"/>
+                <a:solidFill>
+                  <a:srgbClr val="003366"/>
+                </a:solidFill>
+                <a:effectLst>
+                  <a:outerShdw blurRad="38100" dist="25400" dir="5400000" algn="ctr" rotWithShape="0">
+                    <a:srgbClr val="6E747A">
+                      <a:alpha val="43000"/>
+                    </a:srgbClr>
+                  </a:outerShdw>
+                </a:effectLst>
+              </a:rPr>
+              <a:t>Model</a:t>
+            </a:r>
+          </a:p>
+        </p:txBody>
+      </p:sp>
+      <p:sp>
+        <p:nvSpPr>
+          <p:cNvPr id="10" name="!!in1">
+            <a:extLst>
+              <a:ext uri="{FF2B5EF4-FFF2-40B4-BE49-F238E27FC236}">
+                <a16:creationId xmlns:a16="http://schemas.microsoft.com/office/drawing/2014/main" id="{5218B61C-4A08-4265-930A-F625D92A42BC}"/>
               </a:ext>
             </a:extLst>
           </p:cNvPr>
@@ -7372,199 +7050,7 @@
         </p:nvSpPr>
         <p:spPr>
           <a:xfrm>
-            <a:off x="4649821" y="3224548"/>
-            <a:ext cx="408904" cy="408904"/>
-          </a:xfrm>
-          <a:prstGeom prst="ellipse">
-            <a:avLst/>
-          </a:prstGeom>
-          <a:solidFill>
-            <a:schemeClr val="bg1"/>
-          </a:solidFill>
-          <a:ln w="38100">
-            <a:solidFill>
-              <a:schemeClr val="tx1"/>
-            </a:solidFill>
-          </a:ln>
-        </p:spPr>
-        <p:style>
-          <a:lnRef idx="2">
-            <a:schemeClr val="accent1">
-              <a:shade val="50000"/>
-            </a:schemeClr>
-          </a:lnRef>
-          <a:fillRef idx="1">
-            <a:schemeClr val="accent1"/>
-          </a:fillRef>
-          <a:effectRef idx="0">
-            <a:schemeClr val="accent1"/>
-          </a:effectRef>
-          <a:fontRef idx="minor">
-            <a:schemeClr val="lt1"/>
-          </a:fontRef>
-        </p:style>
-        <p:txBody>
-          <a:bodyPr rtlCol="0" anchor="ctr"/>
-          <a:lstStyle/>
-          <a:p>
-            <a:pPr algn="ctr"/>
-            <a:endParaRPr lang="en-US"/>
-          </a:p>
-        </p:txBody>
-      </p:sp>
-      <p:sp>
-        <p:nvSpPr>
-          <p:cNvPr id="37" name="!!in2">
-            <a:extLst>
-              <a:ext uri="{FF2B5EF4-FFF2-40B4-BE49-F238E27FC236}">
-                <a16:creationId xmlns:a16="http://schemas.microsoft.com/office/drawing/2014/main" id="{49CE31FF-0128-4E53-AF67-3BAFB34BAF2D}"/>
-              </a:ext>
-            </a:extLst>
-          </p:cNvPr>
-          <p:cNvSpPr/>
-          <p:nvPr/>
-        </p:nvSpPr>
-        <p:spPr>
-          <a:xfrm>
-            <a:off x="4666441" y="4031748"/>
-            <a:ext cx="408904" cy="408904"/>
-          </a:xfrm>
-          <a:prstGeom prst="ellipse">
-            <a:avLst/>
-          </a:prstGeom>
-          <a:solidFill>
-            <a:schemeClr val="bg1"/>
-          </a:solidFill>
-          <a:ln w="38100">
-            <a:solidFill>
-              <a:schemeClr val="tx1"/>
-            </a:solidFill>
-          </a:ln>
-        </p:spPr>
-        <p:style>
-          <a:lnRef idx="2">
-            <a:schemeClr val="accent1">
-              <a:shade val="50000"/>
-            </a:schemeClr>
-          </a:lnRef>
-          <a:fillRef idx="1">
-            <a:schemeClr val="accent1"/>
-          </a:fillRef>
-          <a:effectRef idx="0">
-            <a:schemeClr val="accent1"/>
-          </a:effectRef>
-          <a:fontRef idx="minor">
-            <a:schemeClr val="lt1"/>
-          </a:fontRef>
-        </p:style>
-        <p:txBody>
-          <a:bodyPr rtlCol="0" anchor="ctr"/>
-          <a:lstStyle/>
-          <a:p>
-            <a:pPr algn="ctr"/>
-            <a:endParaRPr lang="en-US"/>
-          </a:p>
-        </p:txBody>
-      </p:sp>
-      <p:cxnSp>
-        <p:nvCxnSpPr>
-          <p:cNvPr id="39" name="Straight Arrow Connector 38">
-            <a:extLst>
-              <a:ext uri="{FF2B5EF4-FFF2-40B4-BE49-F238E27FC236}">
-                <a16:creationId xmlns:a16="http://schemas.microsoft.com/office/drawing/2014/main" id="{B96935BB-DFEC-4236-9F1A-89107A43F8F4}"/>
-              </a:ext>
-            </a:extLst>
-          </p:cNvPr>
-          <p:cNvCxnSpPr>
-            <a:stCxn id="36" idx="6"/>
-            <a:endCxn id="8" idx="1"/>
-          </p:cNvCxnSpPr>
-          <p:nvPr/>
-        </p:nvCxnSpPr>
-        <p:spPr>
-          <a:xfrm>
-            <a:off x="5058725" y="3429000"/>
-            <a:ext cx="320883" cy="378417"/>
-          </a:xfrm>
-          <a:prstGeom prst="straightConnector1">
-            <a:avLst/>
-          </a:prstGeom>
-          <a:ln>
-            <a:tailEnd type="triangle"/>
-          </a:ln>
-        </p:spPr>
-        <p:style>
-          <a:lnRef idx="3">
-            <a:schemeClr val="dk1"/>
-          </a:lnRef>
-          <a:fillRef idx="0">
-            <a:schemeClr val="dk1"/>
-          </a:fillRef>
-          <a:effectRef idx="2">
-            <a:schemeClr val="dk1"/>
-          </a:effectRef>
-          <a:fontRef idx="minor">
-            <a:schemeClr val="tx1"/>
-          </a:fontRef>
-        </p:style>
-      </p:cxnSp>
-      <p:cxnSp>
-        <p:nvCxnSpPr>
-          <p:cNvPr id="41" name="Straight Arrow Connector 40">
-            <a:extLst>
-              <a:ext uri="{FF2B5EF4-FFF2-40B4-BE49-F238E27FC236}">
-                <a16:creationId xmlns:a16="http://schemas.microsoft.com/office/drawing/2014/main" id="{5B621BCD-770B-43DE-9BBA-466401CA2DBE}"/>
-              </a:ext>
-            </a:extLst>
-          </p:cNvPr>
-          <p:cNvCxnSpPr>
-            <a:stCxn id="37" idx="6"/>
-            <a:endCxn id="8" idx="1"/>
-          </p:cNvCxnSpPr>
-          <p:nvPr/>
-        </p:nvCxnSpPr>
-        <p:spPr>
-          <a:xfrm flipV="1">
-            <a:off x="5075345" y="3807417"/>
-            <a:ext cx="304263" cy="428783"/>
-          </a:xfrm>
-          <a:prstGeom prst="straightConnector1">
-            <a:avLst/>
-          </a:prstGeom>
-          <a:ln>
-            <a:tailEnd type="triangle"/>
-          </a:ln>
-        </p:spPr>
-        <p:style>
-          <a:lnRef idx="3">
-            <a:schemeClr val="dk1"/>
-          </a:lnRef>
-          <a:fillRef idx="0">
-            <a:schemeClr val="dk1"/>
-          </a:fillRef>
-          <a:effectRef idx="2">
-            <a:schemeClr val="dk1"/>
-          </a:effectRef>
-          <a:fontRef idx="minor">
-            <a:schemeClr val="tx1"/>
-          </a:fontRef>
-        </p:style>
-      </p:cxnSp>
-      <p:sp>
-        <p:nvSpPr>
-          <p:cNvPr id="42" name="gasf">
-            <a:extLst>
-              <a:ext uri="{FF2B5EF4-FFF2-40B4-BE49-F238E27FC236}">
-                <a16:creationId xmlns:a16="http://schemas.microsoft.com/office/drawing/2014/main" id="{65DFC915-B66E-4587-8B78-80A4685FA2A4}"/>
-              </a:ext>
-            </a:extLst>
-          </p:cNvPr>
-          <p:cNvSpPr/>
-          <p:nvPr/>
-        </p:nvSpPr>
-        <p:spPr>
-          <a:xfrm>
-            <a:off x="5293521" y="5043400"/>
+            <a:off x="5312676" y="3499328"/>
             <a:ext cx="399245" cy="367047"/>
           </a:xfrm>
           <a:prstGeom prst="rect">
@@ -7603,10 +7089,10 @@
       </p:sp>
       <p:sp>
         <p:nvSpPr>
-          <p:cNvPr id="43" name="Other">
-            <a:extLst>
-              <a:ext uri="{FF2B5EF4-FFF2-40B4-BE49-F238E27FC236}">
-                <a16:creationId xmlns:a16="http://schemas.microsoft.com/office/drawing/2014/main" id="{704644FE-9935-4419-9B72-A3CD0C831F5E}"/>
+          <p:cNvPr id="12" name="!!in2">
+            <a:extLst>
+              <a:ext uri="{FF2B5EF4-FFF2-40B4-BE49-F238E27FC236}">
+                <a16:creationId xmlns:a16="http://schemas.microsoft.com/office/drawing/2014/main" id="{93C1DB8E-5F3D-4AAA-9DD7-0B277BE49923}"/>
               </a:ext>
             </a:extLst>
           </p:cNvPr>
@@ -7615,7 +7101,7 @@
         </p:nvSpPr>
         <p:spPr>
           <a:xfrm>
-            <a:off x="5293521" y="5614899"/>
+            <a:off x="5312676" y="4062865"/>
             <a:ext cx="399245" cy="367047"/>
           </a:xfrm>
           <a:prstGeom prst="rect">
@@ -7652,54 +7138,12 @@
           </a:p>
         </p:txBody>
       </p:sp>
-      <p:cxnSp>
-        <p:nvCxnSpPr>
-          <p:cNvPr id="44" name="Straight Arrow Connector 43">
-            <a:extLst>
-              <a:ext uri="{FF2B5EF4-FFF2-40B4-BE49-F238E27FC236}">
-                <a16:creationId xmlns:a16="http://schemas.microsoft.com/office/drawing/2014/main" id="{AD2DF046-F7FD-45B3-BF5A-DC4E7219734F}"/>
-              </a:ext>
-            </a:extLst>
-          </p:cNvPr>
-          <p:cNvCxnSpPr>
-            <a:cxnSpLocks/>
-          </p:cNvCxnSpPr>
-          <p:nvPr/>
-        </p:nvCxnSpPr>
-        <p:spPr>
-          <a:xfrm flipH="1" flipV="1">
-            <a:off x="5058725" y="4679316"/>
-            <a:ext cx="168751" cy="781037"/>
-          </a:xfrm>
-          <a:prstGeom prst="straightConnector1">
-            <a:avLst/>
-          </a:prstGeom>
-          <a:ln>
-            <a:prstDash val="dash"/>
-            <a:tailEnd type="triangle"/>
-          </a:ln>
-        </p:spPr>
-        <p:style>
-          <a:lnRef idx="3">
-            <a:schemeClr val="accent2"/>
-          </a:lnRef>
-          <a:fillRef idx="0">
-            <a:schemeClr val="accent2"/>
-          </a:fillRef>
-          <a:effectRef idx="2">
-            <a:schemeClr val="accent2"/>
-          </a:effectRef>
-          <a:fontRef idx="minor">
-            <a:schemeClr val="tx1"/>
-          </a:fontRef>
-        </p:style>
-      </p:cxnSp>
-      <p:sp>
-        <p:nvSpPr>
-          <p:cNvPr id="49" name="!!o2">
-            <a:extLst>
-              <a:ext uri="{FF2B5EF4-FFF2-40B4-BE49-F238E27FC236}">
-                <a16:creationId xmlns:a16="http://schemas.microsoft.com/office/drawing/2014/main" id="{DED75877-5485-43D3-8FA3-61B6B3AE716A}"/>
+      <p:sp>
+        <p:nvSpPr>
+          <p:cNvPr id="16" name="!!o2">
+            <a:extLst>
+              <a:ext uri="{FF2B5EF4-FFF2-40B4-BE49-F238E27FC236}">
+                <a16:creationId xmlns:a16="http://schemas.microsoft.com/office/drawing/2014/main" id="{5AF28A16-9DD5-4FA0-818F-9A8A09E73014}"/>
               </a:ext>
             </a:extLst>
           </p:cNvPr>
@@ -7708,10 +7152,10 @@
         </p:nvSpPr>
         <p:spPr>
           <a:xfrm>
-            <a:off x="7615386" y="3601843"/>
-            <a:ext cx="408904" cy="408904"/>
-          </a:xfrm>
-          <a:prstGeom prst="ellipse">
+            <a:off x="7388006" y="3743650"/>
+            <a:ext cx="399245" cy="367047"/>
+          </a:xfrm>
+          <a:prstGeom prst="rect">
             <a:avLst/>
           </a:prstGeom>
           <a:solidFill>
@@ -7719,6 +7163,7 @@
               <a:lumMod val="75000"/>
             </a:schemeClr>
           </a:solidFill>
+          <a:ln/>
         </p:spPr>
         <p:style>
           <a:lnRef idx="1">
@@ -7739,16 +7184,19 @@
           <a:lstStyle/>
           <a:p>
             <a:pPr algn="ctr"/>
-            <a:endParaRPr lang="en-US"/>
-          </a:p>
-        </p:txBody>
-      </p:sp>
-      <p:sp>
-        <p:nvSpPr>
-          <p:cNvPr id="50" name="!!o3">
-            <a:extLst>
-              <a:ext uri="{FF2B5EF4-FFF2-40B4-BE49-F238E27FC236}">
-                <a16:creationId xmlns:a16="http://schemas.microsoft.com/office/drawing/2014/main" id="{35BC3E98-5765-4F20-A900-051DB9FD841B}"/>
+            <a:r>
+              <a:rPr lang="en-US" dirty="0"/>
+              <a:t>O</a:t>
+            </a:r>
+          </a:p>
+        </p:txBody>
+      </p:sp>
+      <p:sp>
+        <p:nvSpPr>
+          <p:cNvPr id="17" name="!!o3">
+            <a:extLst>
+              <a:ext uri="{FF2B5EF4-FFF2-40B4-BE49-F238E27FC236}">
+                <a16:creationId xmlns:a16="http://schemas.microsoft.com/office/drawing/2014/main" id="{CBB91536-BE4D-4B0A-BCBF-540CB3937114}"/>
               </a:ext>
             </a:extLst>
           </p:cNvPr>
@@ -7757,10 +7205,10 @@
         </p:nvSpPr>
         <p:spPr>
           <a:xfrm>
-            <a:off x="7615386" y="4079056"/>
-            <a:ext cx="408904" cy="408904"/>
-          </a:xfrm>
-          <a:prstGeom prst="ellipse">
+            <a:off x="7388006" y="4171497"/>
+            <a:ext cx="399245" cy="367047"/>
+          </a:xfrm>
+          <a:prstGeom prst="rect">
             <a:avLst/>
           </a:prstGeom>
           <a:solidFill>
@@ -7768,6 +7216,7 @@
               <a:lumMod val="75000"/>
             </a:schemeClr>
           </a:solidFill>
+          <a:ln/>
         </p:spPr>
         <p:style>
           <a:lnRef idx="1">
@@ -7788,142 +7237,6 @@
           <a:lstStyle/>
           <a:p>
             <a:pPr algn="ctr"/>
-            <a:endParaRPr lang="en-US"/>
-          </a:p>
-        </p:txBody>
-      </p:sp>
-      <p:cxnSp>
-        <p:nvCxnSpPr>
-          <p:cNvPr id="51" name="!!op">
-            <a:extLst>
-              <a:ext uri="{FF2B5EF4-FFF2-40B4-BE49-F238E27FC236}">
-                <a16:creationId xmlns:a16="http://schemas.microsoft.com/office/drawing/2014/main" id="{576D14F5-0791-4350-A818-88D494622219}"/>
-              </a:ext>
-            </a:extLst>
-          </p:cNvPr>
-          <p:cNvCxnSpPr>
-            <a:cxnSpLocks/>
-            <a:stCxn id="10" idx="3"/>
-            <a:endCxn id="49" idx="2"/>
-          </p:cNvCxnSpPr>
-          <p:nvPr/>
-        </p:nvCxnSpPr>
-        <p:spPr>
-          <a:xfrm flipV="1">
-            <a:off x="7125542" y="3806295"/>
-            <a:ext cx="489844" cy="1121"/>
-          </a:xfrm>
-          <a:prstGeom prst="straightConnector1">
-            <a:avLst/>
-          </a:prstGeom>
-          <a:ln>
-            <a:tailEnd type="triangle"/>
-          </a:ln>
-        </p:spPr>
-        <p:style>
-          <a:lnRef idx="3">
-            <a:schemeClr val="dk1"/>
-          </a:lnRef>
-          <a:fillRef idx="0">
-            <a:schemeClr val="dk1"/>
-          </a:fillRef>
-          <a:effectRef idx="2">
-            <a:schemeClr val="dk1"/>
-          </a:effectRef>
-          <a:fontRef idx="minor">
-            <a:schemeClr val="tx1"/>
-          </a:fontRef>
-        </p:style>
-      </p:cxnSp>
-      <p:cxnSp>
-        <p:nvCxnSpPr>
-          <p:cNvPr id="54" name="!!op">
-            <a:extLst>
-              <a:ext uri="{FF2B5EF4-FFF2-40B4-BE49-F238E27FC236}">
-                <a16:creationId xmlns:a16="http://schemas.microsoft.com/office/drawing/2014/main" id="{876F71F8-9595-4F12-A9BD-08456A339CF9}"/>
-              </a:ext>
-            </a:extLst>
-          </p:cNvPr>
-          <p:cNvCxnSpPr>
-            <a:cxnSpLocks/>
-            <a:stCxn id="10" idx="3"/>
-            <a:endCxn id="50" idx="2"/>
-          </p:cNvCxnSpPr>
-          <p:nvPr/>
-        </p:nvCxnSpPr>
-        <p:spPr>
-          <a:xfrm>
-            <a:off x="7125542" y="3807416"/>
-            <a:ext cx="489844" cy="476092"/>
-          </a:xfrm>
-          <a:prstGeom prst="straightConnector1">
-            <a:avLst/>
-          </a:prstGeom>
-          <a:ln>
-            <a:tailEnd type="triangle"/>
-          </a:ln>
-        </p:spPr>
-        <p:style>
-          <a:lnRef idx="3">
-            <a:schemeClr val="dk1"/>
-          </a:lnRef>
-          <a:fillRef idx="0">
-            <a:schemeClr val="dk1"/>
-          </a:fillRef>
-          <a:effectRef idx="2">
-            <a:schemeClr val="dk1"/>
-          </a:effectRef>
-          <a:fontRef idx="minor">
-            <a:schemeClr val="tx1"/>
-          </a:fontRef>
-        </p:style>
-      </p:cxnSp>
-      <p:sp>
-        <p:nvSpPr>
-          <p:cNvPr id="59" name="asga">
-            <a:extLst>
-              <a:ext uri="{FF2B5EF4-FFF2-40B4-BE49-F238E27FC236}">
-                <a16:creationId xmlns:a16="http://schemas.microsoft.com/office/drawing/2014/main" id="{8C97F5C2-E40D-4BEB-BF42-5C7BE66D783E}"/>
-              </a:ext>
-            </a:extLst>
-          </p:cNvPr>
-          <p:cNvSpPr/>
-          <p:nvPr/>
-        </p:nvSpPr>
-        <p:spPr>
-          <a:xfrm>
-            <a:off x="7359308" y="5269247"/>
-            <a:ext cx="399245" cy="367047"/>
-          </a:xfrm>
-          <a:prstGeom prst="rect">
-            <a:avLst/>
-          </a:prstGeom>
-          <a:solidFill>
-            <a:schemeClr val="bg1">
-              <a:lumMod val="75000"/>
-            </a:schemeClr>
-          </a:solidFill>
-          <a:ln/>
-        </p:spPr>
-        <p:style>
-          <a:lnRef idx="1">
-            <a:schemeClr val="dk1"/>
-          </a:lnRef>
-          <a:fillRef idx="2">
-            <a:schemeClr val="dk1"/>
-          </a:fillRef>
-          <a:effectRef idx="1">
-            <a:schemeClr val="dk1"/>
-          </a:effectRef>
-          <a:fontRef idx="minor">
-            <a:schemeClr val="dk1"/>
-          </a:fontRef>
-        </p:style>
-        <p:txBody>
-          <a:bodyPr rtlCol="0" anchor="ctr"/>
-          <a:lstStyle/>
-          <a:p>
-            <a:pPr algn="ctr"/>
             <a:r>
               <a:rPr lang="en-US" dirty="0"/>
               <a:t>O</a:t>
@@ -7931,183 +7244,55 @@
           </a:p>
         </p:txBody>
       </p:sp>
-      <p:sp>
-        <p:nvSpPr>
-          <p:cNvPr id="60" name="asga">
-            <a:extLst>
-              <a:ext uri="{FF2B5EF4-FFF2-40B4-BE49-F238E27FC236}">
-                <a16:creationId xmlns:a16="http://schemas.microsoft.com/office/drawing/2014/main" id="{5BED11BA-0BB7-4025-A7C1-3D25AC642639}"/>
-              </a:ext>
-            </a:extLst>
-          </p:cNvPr>
-          <p:cNvSpPr/>
-          <p:nvPr/>
-        </p:nvSpPr>
-        <p:spPr>
-          <a:xfrm>
-            <a:off x="7359307" y="5685025"/>
-            <a:ext cx="399245" cy="367047"/>
-          </a:xfrm>
-          <a:prstGeom prst="rect">
-            <a:avLst/>
-          </a:prstGeom>
-          <a:solidFill>
-            <a:schemeClr val="bg1">
-              <a:lumMod val="75000"/>
-            </a:schemeClr>
-          </a:solidFill>
-          <a:ln/>
-        </p:spPr>
-        <p:style>
-          <a:lnRef idx="1">
-            <a:schemeClr val="dk1"/>
-          </a:lnRef>
-          <a:fillRef idx="2">
-            <a:schemeClr val="dk1"/>
-          </a:fillRef>
-          <a:effectRef idx="1">
-            <a:schemeClr val="dk1"/>
-          </a:effectRef>
-          <a:fontRef idx="minor">
-            <a:schemeClr val="dk1"/>
-          </a:fontRef>
-        </p:style>
-        <p:txBody>
-          <a:bodyPr rtlCol="0" anchor="ctr"/>
-          <a:lstStyle/>
-          <a:p>
-            <a:pPr algn="ctr"/>
-            <a:r>
-              <a:rPr lang="en-US" dirty="0"/>
-              <a:t>O</a:t>
-            </a:r>
-          </a:p>
-        </p:txBody>
-      </p:sp>
       <p:pic>
         <p:nvPicPr>
-          <p:cNvPr id="66" name="Graphic 65" descr="Research with solid fill">
-            <a:extLst>
-              <a:ext uri="{FF2B5EF4-FFF2-40B4-BE49-F238E27FC236}">
-                <a16:creationId xmlns:a16="http://schemas.microsoft.com/office/drawing/2014/main" id="{74CC436F-9D6E-467A-B59F-79E3BF3E982C}"/>
+          <p:cNvPr id="18" name="Picture 2" descr="E4SM-Projekt">
+            <a:extLst>
+              <a:ext uri="{FF2B5EF4-FFF2-40B4-BE49-F238E27FC236}">
+                <a16:creationId xmlns:a16="http://schemas.microsoft.com/office/drawing/2014/main" id="{19FB641F-E010-4B15-9E19-BF14BDC0151D}"/>
               </a:ext>
             </a:extLst>
           </p:cNvPr>
           <p:cNvPicPr>
-            <a:picLocks noChangeAspect="1"/>
+            <a:picLocks noChangeAspect="1" noChangeArrowheads="1"/>
           </p:cNvPicPr>
           <p:nvPr/>
         </p:nvPicPr>
-        <p:blipFill>
+        <p:blipFill rotWithShape="1">
           <a:blip r:embed="rId2">
             <a:extLst>
               <a:ext uri="{28A0092B-C50C-407E-A947-70E740481C1C}">
                 <a14:useLocalDpi xmlns:a14="http://schemas.microsoft.com/office/drawing/2010/main" val="0"/>
               </a:ext>
-              <a:ext uri="{96DAC541-7B7A-43D3-8B79-37D633B846F1}">
-                <asvg:svgBlip xmlns:asvg="http://schemas.microsoft.com/office/drawing/2016/SVG/main" r:embed="rId3"/>
-              </a:ext>
             </a:extLst>
           </a:blip>
-          <a:stretch>
-            <a:fillRect/>
-          </a:stretch>
+          <a:srcRect r="2" b="2"/>
+          <a:stretch/>
         </p:blipFill>
-        <p:spPr>
-          <a:xfrm>
-            <a:off x="9480050" y="3224548"/>
-            <a:ext cx="914400" cy="914400"/>
-          </a:xfrm>
-          <a:prstGeom prst="rect">
-            <a:avLst/>
-          </a:prstGeom>
-        </p:spPr>
-      </p:pic>
-      <p:sp>
-        <p:nvSpPr>
-          <p:cNvPr id="67" name="TextBox 66">
-            <a:extLst>
-              <a:ext uri="{FF2B5EF4-FFF2-40B4-BE49-F238E27FC236}">
-                <a16:creationId xmlns:a16="http://schemas.microsoft.com/office/drawing/2014/main" id="{BA5652A1-0B81-4DDD-B8D0-A787A5C7894E}"/>
-              </a:ext>
-            </a:extLst>
-          </p:cNvPr>
-          <p:cNvSpPr txBox="1"/>
-          <p:nvPr/>
-        </p:nvSpPr>
-        <p:spPr>
-          <a:xfrm>
-            <a:off x="9406631" y="4031748"/>
-            <a:ext cx="1061238" cy="369332"/>
+        <p:spPr bwMode="auto">
+          <a:xfrm>
+            <a:off x="1772455" y="3318665"/>
+            <a:ext cx="1104960" cy="1104960"/>
           </a:xfrm>
           <a:prstGeom prst="rect">
             <a:avLst/>
           </a:prstGeom>
           <a:noFill/>
-        </p:spPr>
-        <p:txBody>
-          <a:bodyPr wrap="square" rtlCol="0">
-            <a:spAutoFit/>
-          </a:bodyPr>
-          <a:lstStyle/>
-          <a:p>
-            <a:r>
-              <a:rPr lang="en-US" dirty="0"/>
-              <a:t>Analysis</a:t>
-            </a:r>
-          </a:p>
-        </p:txBody>
-      </p:sp>
-      <p:sp>
-        <p:nvSpPr>
-          <p:cNvPr id="68" name="Arrow: Right 67">
-            <a:extLst>
-              <a:ext uri="{FF2B5EF4-FFF2-40B4-BE49-F238E27FC236}">
-                <a16:creationId xmlns:a16="http://schemas.microsoft.com/office/drawing/2014/main" id="{F1979936-5339-473A-A837-4B243DF97A4A}"/>
-              </a:ext>
-            </a:extLst>
-          </p:cNvPr>
-          <p:cNvSpPr/>
-          <p:nvPr/>
-        </p:nvSpPr>
-        <p:spPr>
-          <a:xfrm>
-            <a:off x="8449857" y="3512184"/>
-            <a:ext cx="742502" cy="566872"/>
-          </a:xfrm>
-          <a:prstGeom prst="rightArrow">
-            <a:avLst/>
-          </a:prstGeom>
-        </p:spPr>
-        <p:style>
-          <a:lnRef idx="2">
-            <a:schemeClr val="accent1">
-              <a:shade val="50000"/>
-            </a:schemeClr>
-          </a:lnRef>
-          <a:fillRef idx="1">
-            <a:schemeClr val="accent1"/>
-          </a:fillRef>
-          <a:effectRef idx="0">
-            <a:schemeClr val="accent1"/>
-          </a:effectRef>
-          <a:fontRef idx="minor">
-            <a:schemeClr val="lt1"/>
-          </a:fontRef>
-        </p:style>
-        <p:txBody>
-          <a:bodyPr rtlCol="0" anchor="ctr"/>
-          <a:lstStyle/>
-          <a:p>
-            <a:pPr algn="ctr"/>
-            <a:endParaRPr lang="en-US"/>
-          </a:p>
-        </p:txBody>
-      </p:sp>
+          <a:extLst>
+            <a:ext uri="{909E8E84-426E-40DD-AFC4-6F175D3DCCD1}">
+              <a14:hiddenFill xmlns:a14="http://schemas.microsoft.com/office/drawing/2010/main">
+                <a:solidFill>
+                  <a:srgbClr val="FFFFFF"/>
+                </a:solidFill>
+              </a14:hiddenFill>
+            </a:ext>
+          </a:extLst>
+        </p:spPr>
+      </p:pic>
     </p:spTree>
     <p:extLst>
       <p:ext uri="{BB962C8B-B14F-4D97-AF65-F5344CB8AC3E}">
-        <p14:creationId xmlns:p14="http://schemas.microsoft.com/office/powerpoint/2010/main" val="1118278611"/>
+        <p14:creationId xmlns:p14="http://schemas.microsoft.com/office/powerpoint/2010/main" val="992740386"/>
       </p:ext>
     </p:extLst>
   </p:cSld>
@@ -8148,10 +7333,64 @@
       </p:grpSpPr>
       <p:sp>
         <p:nvSpPr>
+          <p:cNvPr id="10" name="!!s1b">
+            <a:extLst>
+              <a:ext uri="{FF2B5EF4-FFF2-40B4-BE49-F238E27FC236}">
+                <a16:creationId xmlns:a16="http://schemas.microsoft.com/office/drawing/2014/main" id="{98CC0FDF-032D-4D65-A528-5863D0E0BFD7}"/>
+              </a:ext>
+            </a:extLst>
+          </p:cNvPr>
+          <p:cNvSpPr/>
+          <p:nvPr/>
+        </p:nvSpPr>
+        <p:spPr>
+          <a:xfrm>
+            <a:off x="6900162" y="3602964"/>
+            <a:ext cx="225380" cy="408904"/>
+          </a:xfrm>
+          <a:prstGeom prst="rect">
+            <a:avLst/>
+          </a:prstGeom>
+          <a:solidFill>
+            <a:schemeClr val="bg1"/>
+          </a:solidFill>
+          <a:ln w="38100">
+            <a:solidFill>
+              <a:srgbClr val="E69500"/>
+            </a:solidFill>
+          </a:ln>
+        </p:spPr>
+        <p:style>
+          <a:lnRef idx="2">
+            <a:schemeClr val="accent1">
+              <a:shade val="50000"/>
+            </a:schemeClr>
+          </a:lnRef>
+          <a:fillRef idx="1">
+            <a:schemeClr val="accent1"/>
+          </a:fillRef>
+          <a:effectRef idx="0">
+            <a:schemeClr val="accent1"/>
+          </a:effectRef>
+          <a:fontRef idx="minor">
+            <a:schemeClr val="lt1"/>
+          </a:fontRef>
+        </p:style>
+        <p:txBody>
+          <a:bodyPr rtlCol="0" anchor="ctr"/>
+          <a:lstStyle/>
+          <a:p>
+            <a:pPr algn="ctr"/>
+            <a:endParaRPr lang="en-US"/>
+          </a:p>
+        </p:txBody>
+      </p:sp>
+      <p:sp>
+        <p:nvSpPr>
           <p:cNvPr id="2" name="Title 1">
             <a:extLst>
               <a:ext uri="{FF2B5EF4-FFF2-40B4-BE49-F238E27FC236}">
-                <a16:creationId xmlns:a16="http://schemas.microsoft.com/office/drawing/2014/main" id="{BD1DFA79-B8EE-412D-AB84-A7F0397399C7}"/>
+                <a16:creationId xmlns:a16="http://schemas.microsoft.com/office/drawing/2014/main" id="{F35E7FA5-D38D-4528-95E6-AAD9DA2D2ACA}"/>
               </a:ext>
             </a:extLst>
           </p:cNvPr>
@@ -8167,48 +7406,1181 @@
           <a:bodyPr/>
           <a:lstStyle/>
           <a:p>
+            <a:endParaRPr lang="en-US"/>
+          </a:p>
+        </p:txBody>
+      </p:sp>
+      <p:sp>
+        <p:nvSpPr>
+          <p:cNvPr id="7" name="!!s1">
+            <a:extLst>
+              <a:ext uri="{FF2B5EF4-FFF2-40B4-BE49-F238E27FC236}">
+                <a16:creationId xmlns:a16="http://schemas.microsoft.com/office/drawing/2014/main" id="{BB749C50-622C-4C68-82C3-2C0487DADA78}"/>
+              </a:ext>
+            </a:extLst>
+          </p:cNvPr>
+          <p:cNvSpPr/>
+          <p:nvPr/>
+        </p:nvSpPr>
+        <p:spPr>
+          <a:xfrm>
+            <a:off x="5992201" y="3602964"/>
+            <a:ext cx="408904" cy="408904"/>
+          </a:xfrm>
+          <a:prstGeom prst="ellipse">
+            <a:avLst/>
+          </a:prstGeom>
+          <a:solidFill>
+            <a:schemeClr val="bg1"/>
+          </a:solidFill>
+          <a:ln w="38100">
+            <a:solidFill>
+              <a:srgbClr val="E69500"/>
+            </a:solidFill>
+          </a:ln>
+        </p:spPr>
+        <p:style>
+          <a:lnRef idx="2">
+            <a:schemeClr val="accent1">
+              <a:shade val="50000"/>
+            </a:schemeClr>
+          </a:lnRef>
+          <a:fillRef idx="1">
+            <a:schemeClr val="accent1"/>
+          </a:fillRef>
+          <a:effectRef idx="0">
+            <a:schemeClr val="accent1"/>
+          </a:effectRef>
+          <a:fontRef idx="minor">
+            <a:schemeClr val="lt1"/>
+          </a:fontRef>
+        </p:style>
+        <p:txBody>
+          <a:bodyPr rtlCol="0" anchor="ctr"/>
+          <a:lstStyle/>
+          <a:p>
+            <a:pPr algn="ctr"/>
+            <a:endParaRPr lang="en-US"/>
+          </a:p>
+        </p:txBody>
+      </p:sp>
+      <p:sp>
+        <p:nvSpPr>
+          <p:cNvPr id="8" name="!!s1a">
+            <a:extLst>
+              <a:ext uri="{FF2B5EF4-FFF2-40B4-BE49-F238E27FC236}">
+                <a16:creationId xmlns:a16="http://schemas.microsoft.com/office/drawing/2014/main" id="{31A077AC-B90C-4AB1-BB8B-7C3259645A18}"/>
+              </a:ext>
+            </a:extLst>
+          </p:cNvPr>
+          <p:cNvSpPr/>
+          <p:nvPr/>
+        </p:nvSpPr>
+        <p:spPr>
+          <a:xfrm>
+            <a:off x="5379608" y="3602965"/>
+            <a:ext cx="113536" cy="408904"/>
+          </a:xfrm>
+          <a:prstGeom prst="rect">
+            <a:avLst/>
+          </a:prstGeom>
+          <a:solidFill>
+            <a:srgbClr val="E69500"/>
+          </a:solidFill>
+          <a:ln>
+            <a:solidFill>
+              <a:srgbClr val="A96C00"/>
+            </a:solidFill>
+          </a:ln>
+        </p:spPr>
+        <p:style>
+          <a:lnRef idx="2">
+            <a:schemeClr val="accent1">
+              <a:shade val="50000"/>
+            </a:schemeClr>
+          </a:lnRef>
+          <a:fillRef idx="1">
+            <a:schemeClr val="accent1"/>
+          </a:fillRef>
+          <a:effectRef idx="0">
+            <a:schemeClr val="accent1"/>
+          </a:effectRef>
+          <a:fontRef idx="minor">
+            <a:schemeClr val="lt1"/>
+          </a:fontRef>
+        </p:style>
+        <p:txBody>
+          <a:bodyPr rtlCol="0" anchor="ctr"/>
+          <a:lstStyle/>
+          <a:p>
+            <a:pPr algn="ctr"/>
+            <a:endParaRPr lang="en-US" dirty="0"/>
+          </a:p>
+        </p:txBody>
+      </p:sp>
+      <p:sp>
+        <p:nvSpPr>
+          <p:cNvPr id="11" name="!!o1">
+            <a:extLst>
+              <a:ext uri="{FF2B5EF4-FFF2-40B4-BE49-F238E27FC236}">
+                <a16:creationId xmlns:a16="http://schemas.microsoft.com/office/drawing/2014/main" id="{8C03B8B5-25D4-418E-9671-75137D4E05B4}"/>
+              </a:ext>
+            </a:extLst>
+          </p:cNvPr>
+          <p:cNvSpPr/>
+          <p:nvPr/>
+        </p:nvSpPr>
+        <p:spPr>
+          <a:xfrm>
+            <a:off x="7617924" y="3103280"/>
+            <a:ext cx="408904" cy="408904"/>
+          </a:xfrm>
+          <a:prstGeom prst="ellipse">
+            <a:avLst/>
+          </a:prstGeom>
+          <a:solidFill>
+            <a:schemeClr val="bg1">
+              <a:lumMod val="75000"/>
+            </a:schemeClr>
+          </a:solidFill>
+        </p:spPr>
+        <p:style>
+          <a:lnRef idx="1">
+            <a:schemeClr val="dk1"/>
+          </a:lnRef>
+          <a:fillRef idx="2">
+            <a:schemeClr val="dk1"/>
+          </a:fillRef>
+          <a:effectRef idx="1">
+            <a:schemeClr val="dk1"/>
+          </a:effectRef>
+          <a:fontRef idx="minor">
+            <a:schemeClr val="dk1"/>
+          </a:fontRef>
+        </p:style>
+        <p:txBody>
+          <a:bodyPr rtlCol="0" anchor="ctr"/>
+          <a:lstStyle/>
+          <a:p>
+            <a:pPr algn="ctr"/>
+            <a:endParaRPr lang="en-US"/>
+          </a:p>
+        </p:txBody>
+      </p:sp>
+      <p:cxnSp>
+        <p:nvCxnSpPr>
+          <p:cNvPr id="13" name="!!s1">
+            <a:extLst>
+              <a:ext uri="{FF2B5EF4-FFF2-40B4-BE49-F238E27FC236}">
+                <a16:creationId xmlns:a16="http://schemas.microsoft.com/office/drawing/2014/main" id="{BDE36FC5-A906-4FDE-B294-5FDF461B018F}"/>
+              </a:ext>
+            </a:extLst>
+          </p:cNvPr>
+          <p:cNvCxnSpPr>
+            <a:cxnSpLocks/>
+            <a:stCxn id="8" idx="3"/>
+            <a:endCxn id="7" idx="2"/>
+          </p:cNvCxnSpPr>
+          <p:nvPr/>
+        </p:nvCxnSpPr>
+        <p:spPr>
+          <a:xfrm flipV="1">
+            <a:off x="5493144" y="3807416"/>
+            <a:ext cx="499057" cy="1"/>
+          </a:xfrm>
+          <a:prstGeom prst="straightConnector1">
+            <a:avLst/>
+          </a:prstGeom>
+          <a:ln>
+            <a:tailEnd type="triangle"/>
+          </a:ln>
+        </p:spPr>
+        <p:style>
+          <a:lnRef idx="3">
+            <a:schemeClr val="dk1"/>
+          </a:lnRef>
+          <a:fillRef idx="0">
+            <a:schemeClr val="dk1"/>
+          </a:fillRef>
+          <a:effectRef idx="2">
+            <a:schemeClr val="dk1"/>
+          </a:effectRef>
+          <a:fontRef idx="minor">
+            <a:schemeClr val="tx1"/>
+          </a:fontRef>
+        </p:style>
+      </p:cxnSp>
+      <p:cxnSp>
+        <p:nvCxnSpPr>
+          <p:cNvPr id="14" name="!!s1">
+            <a:extLst>
+              <a:ext uri="{FF2B5EF4-FFF2-40B4-BE49-F238E27FC236}">
+                <a16:creationId xmlns:a16="http://schemas.microsoft.com/office/drawing/2014/main" id="{CFB861F2-7F5A-43C9-8388-D3ADAD58BBC7}"/>
+              </a:ext>
+            </a:extLst>
+          </p:cNvPr>
+          <p:cNvCxnSpPr>
+            <a:cxnSpLocks/>
+            <a:stCxn id="7" idx="6"/>
+            <a:endCxn id="10" idx="1"/>
+          </p:cNvCxnSpPr>
+          <p:nvPr/>
+        </p:nvCxnSpPr>
+        <p:spPr>
+          <a:xfrm>
+            <a:off x="6401105" y="3807416"/>
+            <a:ext cx="499057" cy="0"/>
+          </a:xfrm>
+          <a:prstGeom prst="straightConnector1">
+            <a:avLst/>
+          </a:prstGeom>
+          <a:ln>
+            <a:tailEnd type="triangle"/>
+          </a:ln>
+        </p:spPr>
+        <p:style>
+          <a:lnRef idx="3">
+            <a:schemeClr val="dk1"/>
+          </a:lnRef>
+          <a:fillRef idx="0">
+            <a:schemeClr val="dk1"/>
+          </a:fillRef>
+          <a:effectRef idx="2">
+            <a:schemeClr val="dk1"/>
+          </a:effectRef>
+          <a:fontRef idx="minor">
+            <a:schemeClr val="tx1"/>
+          </a:fontRef>
+        </p:style>
+      </p:cxnSp>
+      <p:cxnSp>
+        <p:nvCxnSpPr>
+          <p:cNvPr id="15" name="!!op">
+            <a:extLst>
+              <a:ext uri="{FF2B5EF4-FFF2-40B4-BE49-F238E27FC236}">
+                <a16:creationId xmlns:a16="http://schemas.microsoft.com/office/drawing/2014/main" id="{5647EB69-CE7D-4736-B3BA-6EFE22DE2FD7}"/>
+              </a:ext>
+            </a:extLst>
+          </p:cNvPr>
+          <p:cNvCxnSpPr>
+            <a:cxnSpLocks/>
+            <a:stCxn id="10" idx="3"/>
+            <a:endCxn id="11" idx="2"/>
+          </p:cNvCxnSpPr>
+          <p:nvPr/>
+        </p:nvCxnSpPr>
+        <p:spPr>
+          <a:xfrm flipV="1">
+            <a:off x="7125542" y="3307732"/>
+            <a:ext cx="492382" cy="499684"/>
+          </a:xfrm>
+          <a:prstGeom prst="straightConnector1">
+            <a:avLst/>
+          </a:prstGeom>
+          <a:ln>
+            <a:tailEnd type="triangle"/>
+          </a:ln>
+        </p:spPr>
+        <p:style>
+          <a:lnRef idx="3">
+            <a:schemeClr val="dk1"/>
+          </a:lnRef>
+          <a:fillRef idx="0">
+            <a:schemeClr val="dk1"/>
+          </a:fillRef>
+          <a:effectRef idx="2">
+            <a:schemeClr val="dk1"/>
+          </a:effectRef>
+          <a:fontRef idx="minor">
+            <a:schemeClr val="tx1"/>
+          </a:fontRef>
+        </p:style>
+      </p:cxnSp>
+      <p:sp>
+        <p:nvSpPr>
+          <p:cNvPr id="27" name="!!text">
+            <a:extLst>
+              <a:ext uri="{FF2B5EF4-FFF2-40B4-BE49-F238E27FC236}">
+                <a16:creationId xmlns:a16="http://schemas.microsoft.com/office/drawing/2014/main" id="{ED4B6439-1057-4737-9272-6B1719435C43}"/>
+              </a:ext>
+            </a:extLst>
+          </p:cNvPr>
+          <p:cNvSpPr/>
+          <p:nvPr/>
+        </p:nvSpPr>
+        <p:spPr>
+          <a:xfrm>
+            <a:off x="830581" y="3307732"/>
+            <a:ext cx="2892138" cy="1754326"/>
+          </a:xfrm>
+          <a:prstGeom prst="rect">
+            <a:avLst/>
+          </a:prstGeom>
+          <a:noFill/>
+        </p:spPr>
+        <p:txBody>
+          <a:bodyPr wrap="none" lIns="91440" tIns="45720" rIns="91440" bIns="45720">
+            <a:spAutoFit/>
+          </a:bodyPr>
+          <a:lstStyle/>
+          <a:p>
+            <a:pPr algn="ctr"/>
+            <a:r>
+              <a:rPr lang="en-US" sz="5400" b="0" cap="none" spc="0" dirty="0">
+                <a:ln w="0"/>
+                <a:solidFill>
+                  <a:schemeClr val="accent1"/>
+                </a:solidFill>
+                <a:effectLst>
+                  <a:outerShdw blurRad="38100" dist="25400" dir="5400000" algn="ctr" rotWithShape="0">
+                    <a:srgbClr val="6E747A">
+                      <a:alpha val="43000"/>
+                    </a:srgbClr>
+                  </a:outerShdw>
+                </a:effectLst>
+              </a:rPr>
+              <a:t>Colored</a:t>
+            </a:r>
+          </a:p>
+          <a:p>
+            <a:pPr algn="ctr"/>
+            <a:r>
+              <a:rPr lang="en-US" sz="5400" b="0" cap="none" spc="0" dirty="0">
+                <a:ln w="0"/>
+                <a:solidFill>
+                  <a:schemeClr val="accent1"/>
+                </a:solidFill>
+                <a:effectLst>
+                  <a:outerShdw blurRad="38100" dist="25400" dir="5400000" algn="ctr" rotWithShape="0">
+                    <a:srgbClr val="6E747A">
+                      <a:alpha val="43000"/>
+                    </a:srgbClr>
+                  </a:outerShdw>
+                </a:effectLst>
+              </a:rPr>
+              <a:t>Petri Net</a:t>
+            </a:r>
+          </a:p>
+        </p:txBody>
+      </p:sp>
+      <p:sp>
+        <p:nvSpPr>
+          <p:cNvPr id="28" name="other">
+            <a:extLst>
+              <a:ext uri="{FF2B5EF4-FFF2-40B4-BE49-F238E27FC236}">
+                <a16:creationId xmlns:a16="http://schemas.microsoft.com/office/drawing/2014/main" id="{97AFCCA8-A822-4716-955E-72FBC35DFE34}"/>
+              </a:ext>
+            </a:extLst>
+          </p:cNvPr>
+          <p:cNvSpPr/>
+          <p:nvPr/>
+        </p:nvSpPr>
+        <p:spPr>
+          <a:xfrm>
+            <a:off x="5493144" y="4838948"/>
+            <a:ext cx="2073499" cy="1242812"/>
+          </a:xfrm>
+          <a:prstGeom prst="rect">
+            <a:avLst/>
+          </a:prstGeom>
+        </p:spPr>
+        <p:style>
+          <a:lnRef idx="2">
+            <a:schemeClr val="accent4">
+              <a:shade val="50000"/>
+            </a:schemeClr>
+          </a:lnRef>
+          <a:fillRef idx="1">
+            <a:schemeClr val="accent4"/>
+          </a:fillRef>
+          <a:effectRef idx="0">
+            <a:schemeClr val="accent4"/>
+          </a:effectRef>
+          <a:fontRef idx="minor">
+            <a:schemeClr val="lt1"/>
+          </a:fontRef>
+        </p:style>
+        <p:txBody>
+          <a:bodyPr rtlCol="0" anchor="ctr"/>
+          <a:lstStyle/>
+          <a:p>
+            <a:pPr algn="ctr"/>
             <a:r>
               <a:rPr lang="en-US" dirty="0"/>
-              <a:t>Components - Sensors</a:t>
+              <a:t>Component</a:t>
+            </a:r>
+          </a:p>
+        </p:txBody>
+      </p:sp>
+      <p:sp>
+        <p:nvSpPr>
+          <p:cNvPr id="29" name="asga">
+            <a:extLst>
+              <a:ext uri="{FF2B5EF4-FFF2-40B4-BE49-F238E27FC236}">
+                <a16:creationId xmlns:a16="http://schemas.microsoft.com/office/drawing/2014/main" id="{91EF0902-E26C-461F-950C-150BDBDD7ECC}"/>
+              </a:ext>
+            </a:extLst>
+          </p:cNvPr>
+          <p:cNvSpPr/>
+          <p:nvPr/>
+        </p:nvSpPr>
+        <p:spPr>
+          <a:xfrm>
+            <a:off x="7359309" y="4830143"/>
+            <a:ext cx="399245" cy="367047"/>
+          </a:xfrm>
+          <a:prstGeom prst="rect">
+            <a:avLst/>
+          </a:prstGeom>
+          <a:solidFill>
+            <a:schemeClr val="bg1">
+              <a:lumMod val="75000"/>
+            </a:schemeClr>
+          </a:solidFill>
+          <a:ln/>
+        </p:spPr>
+        <p:style>
+          <a:lnRef idx="1">
+            <a:schemeClr val="dk1"/>
+          </a:lnRef>
+          <a:fillRef idx="2">
+            <a:schemeClr val="dk1"/>
+          </a:fillRef>
+          <a:effectRef idx="1">
+            <a:schemeClr val="dk1"/>
+          </a:effectRef>
+          <a:fontRef idx="minor">
+            <a:schemeClr val="dk1"/>
+          </a:fontRef>
+        </p:style>
+        <p:txBody>
+          <a:bodyPr rtlCol="0" anchor="ctr"/>
+          <a:lstStyle/>
+          <a:p>
+            <a:pPr algn="ctr"/>
+            <a:r>
+              <a:rPr lang="en-US" dirty="0"/>
+              <a:t>O</a:t>
+            </a:r>
+          </a:p>
+        </p:txBody>
+      </p:sp>
+      <p:cxnSp>
+        <p:nvCxnSpPr>
+          <p:cNvPr id="32" name="Straight Arrow Connector 31">
+            <a:extLst>
+              <a:ext uri="{FF2B5EF4-FFF2-40B4-BE49-F238E27FC236}">
+                <a16:creationId xmlns:a16="http://schemas.microsoft.com/office/drawing/2014/main" id="{6BE92B93-F5CE-479A-BE9D-76DF7CBD5B4A}"/>
+              </a:ext>
+            </a:extLst>
+          </p:cNvPr>
+          <p:cNvCxnSpPr>
+            <a:cxnSpLocks/>
+          </p:cNvCxnSpPr>
+          <p:nvPr/>
+        </p:nvCxnSpPr>
+        <p:spPr>
+          <a:xfrm flipV="1">
+            <a:off x="6587950" y="4283508"/>
+            <a:ext cx="0" cy="555440"/>
+          </a:xfrm>
+          <a:prstGeom prst="straightConnector1">
+            <a:avLst/>
+          </a:prstGeom>
+          <a:ln>
+            <a:prstDash val="dash"/>
+            <a:tailEnd type="triangle"/>
+          </a:ln>
+        </p:spPr>
+        <p:style>
+          <a:lnRef idx="3">
+            <a:schemeClr val="accent2"/>
+          </a:lnRef>
+          <a:fillRef idx="0">
+            <a:schemeClr val="accent2"/>
+          </a:fillRef>
+          <a:effectRef idx="2">
+            <a:schemeClr val="accent2"/>
+          </a:effectRef>
+          <a:fontRef idx="minor">
+            <a:schemeClr val="tx1"/>
+          </a:fontRef>
+        </p:style>
+      </p:cxnSp>
+      <p:cxnSp>
+        <p:nvCxnSpPr>
+          <p:cNvPr id="34" name="Straight Arrow Connector 33">
+            <a:extLst>
+              <a:ext uri="{FF2B5EF4-FFF2-40B4-BE49-F238E27FC236}">
+                <a16:creationId xmlns:a16="http://schemas.microsoft.com/office/drawing/2014/main" id="{BEAB1B9B-47F7-4C6C-B82B-CC9267FC642A}"/>
+              </a:ext>
+            </a:extLst>
+          </p:cNvPr>
+          <p:cNvCxnSpPr>
+            <a:cxnSpLocks/>
+          </p:cNvCxnSpPr>
+          <p:nvPr/>
+        </p:nvCxnSpPr>
+        <p:spPr>
+          <a:xfrm flipV="1">
+            <a:off x="7566643" y="4545302"/>
+            <a:ext cx="48743" cy="226932"/>
+          </a:xfrm>
+          <a:prstGeom prst="straightConnector1">
+            <a:avLst/>
+          </a:prstGeom>
+          <a:ln>
+            <a:prstDash val="dash"/>
+            <a:tailEnd type="triangle"/>
+          </a:ln>
+        </p:spPr>
+        <p:style>
+          <a:lnRef idx="3">
+            <a:schemeClr val="accent2"/>
+          </a:lnRef>
+          <a:fillRef idx="0">
+            <a:schemeClr val="accent2"/>
+          </a:fillRef>
+          <a:effectRef idx="2">
+            <a:schemeClr val="accent2"/>
+          </a:effectRef>
+          <a:fontRef idx="minor">
+            <a:schemeClr val="tx1"/>
+          </a:fontRef>
+        </p:style>
+      </p:cxnSp>
+      <p:sp>
+        <p:nvSpPr>
+          <p:cNvPr id="36" name="!!in1">
+            <a:extLst>
+              <a:ext uri="{FF2B5EF4-FFF2-40B4-BE49-F238E27FC236}">
+                <a16:creationId xmlns:a16="http://schemas.microsoft.com/office/drawing/2014/main" id="{FC5B6D34-4E25-4034-9ACE-178D21EE1F7B}"/>
+              </a:ext>
+            </a:extLst>
+          </p:cNvPr>
+          <p:cNvSpPr/>
+          <p:nvPr/>
+        </p:nvSpPr>
+        <p:spPr>
+          <a:xfrm>
+            <a:off x="4649821" y="3224548"/>
+            <a:ext cx="408904" cy="408904"/>
+          </a:xfrm>
+          <a:prstGeom prst="ellipse">
+            <a:avLst/>
+          </a:prstGeom>
+          <a:solidFill>
+            <a:schemeClr val="bg1"/>
+          </a:solidFill>
+          <a:ln w="38100">
+            <a:solidFill>
+              <a:schemeClr val="tx1"/>
+            </a:solidFill>
+          </a:ln>
+        </p:spPr>
+        <p:style>
+          <a:lnRef idx="2">
+            <a:schemeClr val="accent1">
+              <a:shade val="50000"/>
+            </a:schemeClr>
+          </a:lnRef>
+          <a:fillRef idx="1">
+            <a:schemeClr val="accent1"/>
+          </a:fillRef>
+          <a:effectRef idx="0">
+            <a:schemeClr val="accent1"/>
+          </a:effectRef>
+          <a:fontRef idx="minor">
+            <a:schemeClr val="lt1"/>
+          </a:fontRef>
+        </p:style>
+        <p:txBody>
+          <a:bodyPr rtlCol="0" anchor="ctr"/>
+          <a:lstStyle/>
+          <a:p>
+            <a:pPr algn="ctr"/>
+            <a:endParaRPr lang="en-US"/>
+          </a:p>
+        </p:txBody>
+      </p:sp>
+      <p:sp>
+        <p:nvSpPr>
+          <p:cNvPr id="37" name="!!in2">
+            <a:extLst>
+              <a:ext uri="{FF2B5EF4-FFF2-40B4-BE49-F238E27FC236}">
+                <a16:creationId xmlns:a16="http://schemas.microsoft.com/office/drawing/2014/main" id="{49CE31FF-0128-4E53-AF67-3BAFB34BAF2D}"/>
+              </a:ext>
+            </a:extLst>
+          </p:cNvPr>
+          <p:cNvSpPr/>
+          <p:nvPr/>
+        </p:nvSpPr>
+        <p:spPr>
+          <a:xfrm>
+            <a:off x="4666441" y="4031748"/>
+            <a:ext cx="408904" cy="408904"/>
+          </a:xfrm>
+          <a:prstGeom prst="ellipse">
+            <a:avLst/>
+          </a:prstGeom>
+          <a:solidFill>
+            <a:schemeClr val="bg1"/>
+          </a:solidFill>
+          <a:ln w="38100">
+            <a:solidFill>
+              <a:schemeClr val="tx1"/>
+            </a:solidFill>
+          </a:ln>
+        </p:spPr>
+        <p:style>
+          <a:lnRef idx="2">
+            <a:schemeClr val="accent1">
+              <a:shade val="50000"/>
+            </a:schemeClr>
+          </a:lnRef>
+          <a:fillRef idx="1">
+            <a:schemeClr val="accent1"/>
+          </a:fillRef>
+          <a:effectRef idx="0">
+            <a:schemeClr val="accent1"/>
+          </a:effectRef>
+          <a:fontRef idx="minor">
+            <a:schemeClr val="lt1"/>
+          </a:fontRef>
+        </p:style>
+        <p:txBody>
+          <a:bodyPr rtlCol="0" anchor="ctr"/>
+          <a:lstStyle/>
+          <a:p>
+            <a:pPr algn="ctr"/>
+            <a:endParaRPr lang="en-US"/>
+          </a:p>
+        </p:txBody>
+      </p:sp>
+      <p:cxnSp>
+        <p:nvCxnSpPr>
+          <p:cNvPr id="39" name="Straight Arrow Connector 38">
+            <a:extLst>
+              <a:ext uri="{FF2B5EF4-FFF2-40B4-BE49-F238E27FC236}">
+                <a16:creationId xmlns:a16="http://schemas.microsoft.com/office/drawing/2014/main" id="{B96935BB-DFEC-4236-9F1A-89107A43F8F4}"/>
+              </a:ext>
+            </a:extLst>
+          </p:cNvPr>
+          <p:cNvCxnSpPr>
+            <a:stCxn id="36" idx="6"/>
+            <a:endCxn id="8" idx="1"/>
+          </p:cNvCxnSpPr>
+          <p:nvPr/>
+        </p:nvCxnSpPr>
+        <p:spPr>
+          <a:xfrm>
+            <a:off x="5058725" y="3429000"/>
+            <a:ext cx="320883" cy="378417"/>
+          </a:xfrm>
+          <a:prstGeom prst="straightConnector1">
+            <a:avLst/>
+          </a:prstGeom>
+          <a:ln>
+            <a:tailEnd type="triangle"/>
+          </a:ln>
+        </p:spPr>
+        <p:style>
+          <a:lnRef idx="3">
+            <a:schemeClr val="dk1"/>
+          </a:lnRef>
+          <a:fillRef idx="0">
+            <a:schemeClr val="dk1"/>
+          </a:fillRef>
+          <a:effectRef idx="2">
+            <a:schemeClr val="dk1"/>
+          </a:effectRef>
+          <a:fontRef idx="minor">
+            <a:schemeClr val="tx1"/>
+          </a:fontRef>
+        </p:style>
+      </p:cxnSp>
+      <p:cxnSp>
+        <p:nvCxnSpPr>
+          <p:cNvPr id="41" name="Straight Arrow Connector 40">
+            <a:extLst>
+              <a:ext uri="{FF2B5EF4-FFF2-40B4-BE49-F238E27FC236}">
+                <a16:creationId xmlns:a16="http://schemas.microsoft.com/office/drawing/2014/main" id="{5B621BCD-770B-43DE-9BBA-466401CA2DBE}"/>
+              </a:ext>
+            </a:extLst>
+          </p:cNvPr>
+          <p:cNvCxnSpPr>
+            <a:stCxn id="37" idx="6"/>
+            <a:endCxn id="8" idx="1"/>
+          </p:cNvCxnSpPr>
+          <p:nvPr/>
+        </p:nvCxnSpPr>
+        <p:spPr>
+          <a:xfrm flipV="1">
+            <a:off x="5075345" y="3807417"/>
+            <a:ext cx="304263" cy="428783"/>
+          </a:xfrm>
+          <a:prstGeom prst="straightConnector1">
+            <a:avLst/>
+          </a:prstGeom>
+          <a:ln>
+            <a:tailEnd type="triangle"/>
+          </a:ln>
+        </p:spPr>
+        <p:style>
+          <a:lnRef idx="3">
+            <a:schemeClr val="dk1"/>
+          </a:lnRef>
+          <a:fillRef idx="0">
+            <a:schemeClr val="dk1"/>
+          </a:fillRef>
+          <a:effectRef idx="2">
+            <a:schemeClr val="dk1"/>
+          </a:effectRef>
+          <a:fontRef idx="minor">
+            <a:schemeClr val="tx1"/>
+          </a:fontRef>
+        </p:style>
+      </p:cxnSp>
+      <p:sp>
+        <p:nvSpPr>
+          <p:cNvPr id="42" name="gasf">
+            <a:extLst>
+              <a:ext uri="{FF2B5EF4-FFF2-40B4-BE49-F238E27FC236}">
+                <a16:creationId xmlns:a16="http://schemas.microsoft.com/office/drawing/2014/main" id="{65DFC915-B66E-4587-8B78-80A4685FA2A4}"/>
+              </a:ext>
+            </a:extLst>
+          </p:cNvPr>
+          <p:cNvSpPr/>
+          <p:nvPr/>
+        </p:nvSpPr>
+        <p:spPr>
+          <a:xfrm>
+            <a:off x="5293521" y="5043400"/>
+            <a:ext cx="399245" cy="367047"/>
+          </a:xfrm>
+          <a:prstGeom prst="rect">
+            <a:avLst/>
+          </a:prstGeom>
+          <a:solidFill>
+            <a:schemeClr val="bg1"/>
+          </a:solidFill>
+          <a:ln/>
+        </p:spPr>
+        <p:style>
+          <a:lnRef idx="1">
+            <a:schemeClr val="dk1"/>
+          </a:lnRef>
+          <a:fillRef idx="2">
+            <a:schemeClr val="dk1"/>
+          </a:fillRef>
+          <a:effectRef idx="1">
+            <a:schemeClr val="dk1"/>
+          </a:effectRef>
+          <a:fontRef idx="minor">
+            <a:schemeClr val="dk1"/>
+          </a:fontRef>
+        </p:style>
+        <p:txBody>
+          <a:bodyPr rtlCol="0" anchor="ctr"/>
+          <a:lstStyle/>
+          <a:p>
+            <a:pPr algn="ctr"/>
+            <a:r>
+              <a:rPr lang="en-US" sz="1600" dirty="0"/>
+              <a:t>IN</a:t>
+            </a:r>
+          </a:p>
+        </p:txBody>
+      </p:sp>
+      <p:sp>
+        <p:nvSpPr>
+          <p:cNvPr id="43" name="Other">
+            <a:extLst>
+              <a:ext uri="{FF2B5EF4-FFF2-40B4-BE49-F238E27FC236}">
+                <a16:creationId xmlns:a16="http://schemas.microsoft.com/office/drawing/2014/main" id="{704644FE-9935-4419-9B72-A3CD0C831F5E}"/>
+              </a:ext>
+            </a:extLst>
+          </p:cNvPr>
+          <p:cNvSpPr/>
+          <p:nvPr/>
+        </p:nvSpPr>
+        <p:spPr>
+          <a:xfrm>
+            <a:off x="5293521" y="5614899"/>
+            <a:ext cx="399245" cy="367047"/>
+          </a:xfrm>
+          <a:prstGeom prst="rect">
+            <a:avLst/>
+          </a:prstGeom>
+          <a:solidFill>
+            <a:schemeClr val="bg1"/>
+          </a:solidFill>
+          <a:ln/>
+        </p:spPr>
+        <p:style>
+          <a:lnRef idx="1">
+            <a:schemeClr val="dk1"/>
+          </a:lnRef>
+          <a:fillRef idx="2">
+            <a:schemeClr val="dk1"/>
+          </a:fillRef>
+          <a:effectRef idx="1">
+            <a:schemeClr val="dk1"/>
+          </a:effectRef>
+          <a:fontRef idx="minor">
+            <a:schemeClr val="dk1"/>
+          </a:fontRef>
+        </p:style>
+        <p:txBody>
+          <a:bodyPr rtlCol="0" anchor="ctr"/>
+          <a:lstStyle/>
+          <a:p>
+            <a:pPr algn="ctr"/>
+            <a:r>
+              <a:rPr lang="en-US" sz="1600" dirty="0"/>
+              <a:t>IN</a:t>
+            </a:r>
+          </a:p>
+        </p:txBody>
+      </p:sp>
+      <p:cxnSp>
+        <p:nvCxnSpPr>
+          <p:cNvPr id="44" name="Straight Arrow Connector 43">
+            <a:extLst>
+              <a:ext uri="{FF2B5EF4-FFF2-40B4-BE49-F238E27FC236}">
+                <a16:creationId xmlns:a16="http://schemas.microsoft.com/office/drawing/2014/main" id="{AD2DF046-F7FD-45B3-BF5A-DC4E7219734F}"/>
+              </a:ext>
+            </a:extLst>
+          </p:cNvPr>
+          <p:cNvCxnSpPr>
+            <a:cxnSpLocks/>
+          </p:cNvCxnSpPr>
+          <p:nvPr/>
+        </p:nvCxnSpPr>
+        <p:spPr>
+          <a:xfrm flipH="1" flipV="1">
+            <a:off x="5058725" y="4679316"/>
+            <a:ext cx="168751" cy="781037"/>
+          </a:xfrm>
+          <a:prstGeom prst="straightConnector1">
+            <a:avLst/>
+          </a:prstGeom>
+          <a:ln>
+            <a:prstDash val="dash"/>
+            <a:tailEnd type="triangle"/>
+          </a:ln>
+        </p:spPr>
+        <p:style>
+          <a:lnRef idx="3">
+            <a:schemeClr val="accent2"/>
+          </a:lnRef>
+          <a:fillRef idx="0">
+            <a:schemeClr val="accent2"/>
+          </a:fillRef>
+          <a:effectRef idx="2">
+            <a:schemeClr val="accent2"/>
+          </a:effectRef>
+          <a:fontRef idx="minor">
+            <a:schemeClr val="tx1"/>
+          </a:fontRef>
+        </p:style>
+      </p:cxnSp>
+      <p:sp>
+        <p:nvSpPr>
+          <p:cNvPr id="49" name="!!o2">
+            <a:extLst>
+              <a:ext uri="{FF2B5EF4-FFF2-40B4-BE49-F238E27FC236}">
+                <a16:creationId xmlns:a16="http://schemas.microsoft.com/office/drawing/2014/main" id="{DED75877-5485-43D3-8FA3-61B6B3AE716A}"/>
+              </a:ext>
+            </a:extLst>
+          </p:cNvPr>
+          <p:cNvSpPr/>
+          <p:nvPr/>
+        </p:nvSpPr>
+        <p:spPr>
+          <a:xfrm>
+            <a:off x="7615386" y="3601843"/>
+            <a:ext cx="408904" cy="408904"/>
+          </a:xfrm>
+          <a:prstGeom prst="ellipse">
+            <a:avLst/>
+          </a:prstGeom>
+          <a:solidFill>
+            <a:schemeClr val="bg1">
+              <a:lumMod val="75000"/>
+            </a:schemeClr>
+          </a:solidFill>
+        </p:spPr>
+        <p:style>
+          <a:lnRef idx="1">
+            <a:schemeClr val="dk1"/>
+          </a:lnRef>
+          <a:fillRef idx="2">
+            <a:schemeClr val="dk1"/>
+          </a:fillRef>
+          <a:effectRef idx="1">
+            <a:schemeClr val="dk1"/>
+          </a:effectRef>
+          <a:fontRef idx="minor">
+            <a:schemeClr val="dk1"/>
+          </a:fontRef>
+        </p:style>
+        <p:txBody>
+          <a:bodyPr rtlCol="0" anchor="ctr"/>
+          <a:lstStyle/>
+          <a:p>
+            <a:pPr algn="ctr"/>
+            <a:endParaRPr lang="en-US"/>
+          </a:p>
+        </p:txBody>
+      </p:sp>
+      <p:sp>
+        <p:nvSpPr>
+          <p:cNvPr id="50" name="!!o3">
+            <a:extLst>
+              <a:ext uri="{FF2B5EF4-FFF2-40B4-BE49-F238E27FC236}">
+                <a16:creationId xmlns:a16="http://schemas.microsoft.com/office/drawing/2014/main" id="{35BC3E98-5765-4F20-A900-051DB9FD841B}"/>
+              </a:ext>
+            </a:extLst>
+          </p:cNvPr>
+          <p:cNvSpPr/>
+          <p:nvPr/>
+        </p:nvSpPr>
+        <p:spPr>
+          <a:xfrm>
+            <a:off x="7615386" y="4079056"/>
+            <a:ext cx="408904" cy="408904"/>
+          </a:xfrm>
+          <a:prstGeom prst="ellipse">
+            <a:avLst/>
+          </a:prstGeom>
+          <a:solidFill>
+            <a:schemeClr val="bg1">
+              <a:lumMod val="75000"/>
+            </a:schemeClr>
+          </a:solidFill>
+        </p:spPr>
+        <p:style>
+          <a:lnRef idx="1">
+            <a:schemeClr val="dk1"/>
+          </a:lnRef>
+          <a:fillRef idx="2">
+            <a:schemeClr val="dk1"/>
+          </a:fillRef>
+          <a:effectRef idx="1">
+            <a:schemeClr val="dk1"/>
+          </a:effectRef>
+          <a:fontRef idx="minor">
+            <a:schemeClr val="dk1"/>
+          </a:fontRef>
+        </p:style>
+        <p:txBody>
+          <a:bodyPr rtlCol="0" anchor="ctr"/>
+          <a:lstStyle/>
+          <a:p>
+            <a:pPr algn="ctr"/>
+            <a:endParaRPr lang="en-US"/>
+          </a:p>
+        </p:txBody>
+      </p:sp>
+      <p:cxnSp>
+        <p:nvCxnSpPr>
+          <p:cNvPr id="51" name="!!op">
+            <a:extLst>
+              <a:ext uri="{FF2B5EF4-FFF2-40B4-BE49-F238E27FC236}">
+                <a16:creationId xmlns:a16="http://schemas.microsoft.com/office/drawing/2014/main" id="{576D14F5-0791-4350-A818-88D494622219}"/>
+              </a:ext>
+            </a:extLst>
+          </p:cNvPr>
+          <p:cNvCxnSpPr>
+            <a:cxnSpLocks/>
+            <a:stCxn id="10" idx="3"/>
+            <a:endCxn id="49" idx="2"/>
+          </p:cNvCxnSpPr>
+          <p:nvPr/>
+        </p:nvCxnSpPr>
+        <p:spPr>
+          <a:xfrm flipV="1">
+            <a:off x="7125542" y="3806295"/>
+            <a:ext cx="489844" cy="1121"/>
+          </a:xfrm>
+          <a:prstGeom prst="straightConnector1">
+            <a:avLst/>
+          </a:prstGeom>
+          <a:ln>
+            <a:tailEnd type="triangle"/>
+          </a:ln>
+        </p:spPr>
+        <p:style>
+          <a:lnRef idx="3">
+            <a:schemeClr val="dk1"/>
+          </a:lnRef>
+          <a:fillRef idx="0">
+            <a:schemeClr val="dk1"/>
+          </a:fillRef>
+          <a:effectRef idx="2">
+            <a:schemeClr val="dk1"/>
+          </a:effectRef>
+          <a:fontRef idx="minor">
+            <a:schemeClr val="tx1"/>
+          </a:fontRef>
+        </p:style>
+      </p:cxnSp>
+      <p:cxnSp>
+        <p:nvCxnSpPr>
+          <p:cNvPr id="54" name="!!op">
+            <a:extLst>
+              <a:ext uri="{FF2B5EF4-FFF2-40B4-BE49-F238E27FC236}">
+                <a16:creationId xmlns:a16="http://schemas.microsoft.com/office/drawing/2014/main" id="{876F71F8-9595-4F12-A9BD-08456A339CF9}"/>
+              </a:ext>
+            </a:extLst>
+          </p:cNvPr>
+          <p:cNvCxnSpPr>
+            <a:cxnSpLocks/>
+            <a:stCxn id="10" idx="3"/>
+            <a:endCxn id="50" idx="2"/>
+          </p:cNvCxnSpPr>
+          <p:nvPr/>
+        </p:nvCxnSpPr>
+        <p:spPr>
+          <a:xfrm>
+            <a:off x="7125542" y="3807416"/>
+            <a:ext cx="489844" cy="476092"/>
+          </a:xfrm>
+          <a:prstGeom prst="straightConnector1">
+            <a:avLst/>
+          </a:prstGeom>
+          <a:ln>
+            <a:tailEnd type="triangle"/>
+          </a:ln>
+        </p:spPr>
+        <p:style>
+          <a:lnRef idx="3">
+            <a:schemeClr val="dk1"/>
+          </a:lnRef>
+          <a:fillRef idx="0">
+            <a:schemeClr val="dk1"/>
+          </a:fillRef>
+          <a:effectRef idx="2">
+            <a:schemeClr val="dk1"/>
+          </a:effectRef>
+          <a:fontRef idx="minor">
+            <a:schemeClr val="tx1"/>
+          </a:fontRef>
+        </p:style>
+      </p:cxnSp>
+      <p:sp>
+        <p:nvSpPr>
+          <p:cNvPr id="59" name="asga">
+            <a:extLst>
+              <a:ext uri="{FF2B5EF4-FFF2-40B4-BE49-F238E27FC236}">
+                <a16:creationId xmlns:a16="http://schemas.microsoft.com/office/drawing/2014/main" id="{8C97F5C2-E40D-4BEB-BF42-5C7BE66D783E}"/>
+              </a:ext>
+            </a:extLst>
+          </p:cNvPr>
+          <p:cNvSpPr/>
+          <p:nvPr/>
+        </p:nvSpPr>
+        <p:spPr>
+          <a:xfrm>
+            <a:off x="7359308" y="5269247"/>
+            <a:ext cx="399245" cy="367047"/>
+          </a:xfrm>
+          <a:prstGeom prst="rect">
+            <a:avLst/>
+          </a:prstGeom>
+          <a:solidFill>
+            <a:schemeClr val="bg1">
+              <a:lumMod val="75000"/>
+            </a:schemeClr>
+          </a:solidFill>
+          <a:ln/>
+        </p:spPr>
+        <p:style>
+          <a:lnRef idx="1">
+            <a:schemeClr val="dk1"/>
+          </a:lnRef>
+          <a:fillRef idx="2">
+            <a:schemeClr val="dk1"/>
+          </a:fillRef>
+          <a:effectRef idx="1">
+            <a:schemeClr val="dk1"/>
+          </a:effectRef>
+          <a:fontRef idx="minor">
+            <a:schemeClr val="dk1"/>
+          </a:fontRef>
+        </p:style>
+        <p:txBody>
+          <a:bodyPr rtlCol="0" anchor="ctr"/>
+          <a:lstStyle/>
+          <a:p>
+            <a:pPr algn="ctr"/>
+            <a:r>
+              <a:rPr lang="en-US" dirty="0"/>
+              <a:t>O</a:t>
+            </a:r>
+          </a:p>
+        </p:txBody>
+      </p:sp>
+      <p:sp>
+        <p:nvSpPr>
+          <p:cNvPr id="60" name="asga">
+            <a:extLst>
+              <a:ext uri="{FF2B5EF4-FFF2-40B4-BE49-F238E27FC236}">
+                <a16:creationId xmlns:a16="http://schemas.microsoft.com/office/drawing/2014/main" id="{5BED11BA-0BB7-4025-A7C1-3D25AC642639}"/>
+              </a:ext>
+            </a:extLst>
+          </p:cNvPr>
+          <p:cNvSpPr/>
+          <p:nvPr/>
+        </p:nvSpPr>
+        <p:spPr>
+          <a:xfrm>
+            <a:off x="7359307" y="5685025"/>
+            <a:ext cx="399245" cy="367047"/>
+          </a:xfrm>
+          <a:prstGeom prst="rect">
+            <a:avLst/>
+          </a:prstGeom>
+          <a:solidFill>
+            <a:schemeClr val="bg1">
+              <a:lumMod val="75000"/>
+            </a:schemeClr>
+          </a:solidFill>
+          <a:ln/>
+        </p:spPr>
+        <p:style>
+          <a:lnRef idx="1">
+            <a:schemeClr val="dk1"/>
+          </a:lnRef>
+          <a:fillRef idx="2">
+            <a:schemeClr val="dk1"/>
+          </a:fillRef>
+          <a:effectRef idx="1">
+            <a:schemeClr val="dk1"/>
+          </a:effectRef>
+          <a:fontRef idx="minor">
+            <a:schemeClr val="dk1"/>
+          </a:fontRef>
+        </p:style>
+        <p:txBody>
+          <a:bodyPr rtlCol="0" anchor="ctr"/>
+          <a:lstStyle/>
+          <a:p>
+            <a:pPr algn="ctr"/>
+            <a:r>
+              <a:rPr lang="en-US" dirty="0"/>
+              <a:t>O</a:t>
             </a:r>
           </a:p>
         </p:txBody>
       </p:sp>
       <p:pic>
         <p:nvPicPr>
-          <p:cNvPr id="11" name="Content Placeholder 10">
-            <a:extLst>
-              <a:ext uri="{FF2B5EF4-FFF2-40B4-BE49-F238E27FC236}">
-                <a16:creationId xmlns:a16="http://schemas.microsoft.com/office/drawing/2014/main" id="{B56F2E39-8105-42AD-A3F2-0AC373FDB380}"/>
-              </a:ext>
-            </a:extLst>
-          </p:cNvPr>
-          <p:cNvPicPr>
-            <a:picLocks noGrp="1" noChangeAspect="1"/>
-          </p:cNvPicPr>
-          <p:nvPr>
-            <p:ph idx="1"/>
-          </p:nvPr>
-        </p:nvPicPr>
-        <p:blipFill>
-          <a:blip r:embed="rId2"/>
-          <a:stretch>
-            <a:fillRect/>
-          </a:stretch>
-        </p:blipFill>
-        <p:spPr>
-          <a:xfrm>
-            <a:off x="7813405" y="3478162"/>
-            <a:ext cx="3768995" cy="1440325"/>
-          </a:xfrm>
-        </p:spPr>
-      </p:pic>
-      <p:pic>
-        <p:nvPicPr>
-          <p:cNvPr id="9" name="Picture 8">
-            <a:extLst>
-              <a:ext uri="{FF2B5EF4-FFF2-40B4-BE49-F238E27FC236}">
-                <a16:creationId xmlns:a16="http://schemas.microsoft.com/office/drawing/2014/main" id="{5343402C-93DE-49E1-A565-0BBE1982102D}"/>
+          <p:cNvPr id="66" name="Graphic 65" descr="Research with solid fill">
+            <a:extLst>
+              <a:ext uri="{FF2B5EF4-FFF2-40B4-BE49-F238E27FC236}">
+                <a16:creationId xmlns:a16="http://schemas.microsoft.com/office/drawing/2014/main" id="{74CC436F-9D6E-467A-B59F-79E3BF3E982C}"/>
               </a:ext>
             </a:extLst>
           </p:cNvPr>
@@ -8218,31 +8590,133 @@
           <p:nvPr/>
         </p:nvPicPr>
         <p:blipFill>
-          <a:blip r:embed="rId3"/>
+          <a:blip r:embed="rId2">
+            <a:extLst>
+              <a:ext uri="{28A0092B-C50C-407E-A947-70E740481C1C}">
+                <a14:useLocalDpi xmlns:a14="http://schemas.microsoft.com/office/drawing/2010/main" val="0"/>
+              </a:ext>
+              <a:ext uri="{96DAC541-7B7A-43D3-8B79-37D633B846F1}">
+                <asvg:svgBlip xmlns:asvg="http://schemas.microsoft.com/office/drawing/2016/SVG/main" r:embed="rId3"/>
+              </a:ext>
+            </a:extLst>
+          </a:blip>
           <a:stretch>
             <a:fillRect/>
           </a:stretch>
         </p:blipFill>
         <p:spPr>
           <a:xfrm>
-            <a:off x="2096387" y="3607092"/>
-            <a:ext cx="1941658" cy="1182463"/>
+            <a:off x="9480050" y="3224548"/>
+            <a:ext cx="914400" cy="914400"/>
           </a:xfrm>
           <a:prstGeom prst="rect">
             <a:avLst/>
           </a:prstGeom>
         </p:spPr>
       </p:pic>
+      <p:sp>
+        <p:nvSpPr>
+          <p:cNvPr id="67" name="TextBox 66">
+            <a:extLst>
+              <a:ext uri="{FF2B5EF4-FFF2-40B4-BE49-F238E27FC236}">
+                <a16:creationId xmlns:a16="http://schemas.microsoft.com/office/drawing/2014/main" id="{BA5652A1-0B81-4DDD-B8D0-A787A5C7894E}"/>
+              </a:ext>
+            </a:extLst>
+          </p:cNvPr>
+          <p:cNvSpPr txBox="1"/>
+          <p:nvPr/>
+        </p:nvSpPr>
+        <p:spPr>
+          <a:xfrm>
+            <a:off x="9406631" y="4031748"/>
+            <a:ext cx="1061238" cy="369332"/>
+          </a:xfrm>
+          <a:prstGeom prst="rect">
+            <a:avLst/>
+          </a:prstGeom>
+          <a:noFill/>
+        </p:spPr>
+        <p:txBody>
+          <a:bodyPr wrap="square" rtlCol="0">
+            <a:spAutoFit/>
+          </a:bodyPr>
+          <a:lstStyle/>
+          <a:p>
+            <a:r>
+              <a:rPr lang="en-US" dirty="0"/>
+              <a:t>Analysis</a:t>
+            </a:r>
+          </a:p>
+        </p:txBody>
+      </p:sp>
+      <p:sp>
+        <p:nvSpPr>
+          <p:cNvPr id="68" name="Arrow: Right 67">
+            <a:extLst>
+              <a:ext uri="{FF2B5EF4-FFF2-40B4-BE49-F238E27FC236}">
+                <a16:creationId xmlns:a16="http://schemas.microsoft.com/office/drawing/2014/main" id="{F1979936-5339-473A-A837-4B243DF97A4A}"/>
+              </a:ext>
+            </a:extLst>
+          </p:cNvPr>
+          <p:cNvSpPr/>
+          <p:nvPr/>
+        </p:nvSpPr>
+        <p:spPr>
+          <a:xfrm>
+            <a:off x="8449857" y="3512184"/>
+            <a:ext cx="742502" cy="566872"/>
+          </a:xfrm>
+          <a:prstGeom prst="rightArrow">
+            <a:avLst/>
+          </a:prstGeom>
+        </p:spPr>
+        <p:style>
+          <a:lnRef idx="2">
+            <a:schemeClr val="accent1">
+              <a:shade val="50000"/>
+            </a:schemeClr>
+          </a:lnRef>
+          <a:fillRef idx="1">
+            <a:schemeClr val="accent1"/>
+          </a:fillRef>
+          <a:effectRef idx="0">
+            <a:schemeClr val="accent1"/>
+          </a:effectRef>
+          <a:fontRef idx="minor">
+            <a:schemeClr val="lt1"/>
+          </a:fontRef>
+        </p:style>
+        <p:txBody>
+          <a:bodyPr rtlCol="0" anchor="ctr"/>
+          <a:lstStyle/>
+          <a:p>
+            <a:pPr algn="ctr"/>
+            <a:endParaRPr lang="en-US"/>
+          </a:p>
+        </p:txBody>
+      </p:sp>
     </p:spTree>
     <p:extLst>
       <p:ext uri="{BB962C8B-B14F-4D97-AF65-F5344CB8AC3E}">
-        <p14:creationId xmlns:p14="http://schemas.microsoft.com/office/powerpoint/2010/main" val="1503373367"/>
+        <p14:creationId xmlns:p14="http://schemas.microsoft.com/office/powerpoint/2010/main" val="1118278611"/>
       </p:ext>
     </p:extLst>
   </p:cSld>
   <p:clrMapOvr>
     <a:masterClrMapping/>
   </p:clrMapOvr>
+  <mc:AlternateContent xmlns:mc="http://schemas.openxmlformats.org/markup-compatibility/2006" xmlns:p159="http://schemas.microsoft.com/office/powerpoint/2015/09/main">
+    <mc:Choice Requires="p159">
+      <p:transition xmlns:p14="http://schemas.microsoft.com/office/powerpoint/2010/main" spd="slow" p14:dur="3000">
+        <p159:morph option="byObject"/>
+      </p:transition>
+    </mc:Choice>
+    <mc:Fallback xmlns="">
+      <p:transition spd="slow">
+        <p:fade/>
+      </p:transition>
+    </mc:Fallback>
+  </mc:AlternateContent>
 </p:sld>
 </file>
 
@@ -8286,17 +8760,17 @@
           <a:p>
             <a:r>
               <a:rPr lang="en-US" dirty="0"/>
-              <a:t>Components</a:t>
+              <a:t>Components - Sensors</a:t>
             </a:r>
           </a:p>
         </p:txBody>
       </p:sp>
       <p:pic>
         <p:nvPicPr>
-          <p:cNvPr id="8" name="Content Placeholder 7">
-            <a:extLst>
-              <a:ext uri="{FF2B5EF4-FFF2-40B4-BE49-F238E27FC236}">
-                <a16:creationId xmlns:a16="http://schemas.microsoft.com/office/drawing/2014/main" id="{73F6A426-ABEE-40BB-A500-E274E39AD261}"/>
+          <p:cNvPr id="11" name="Content Placeholder 10">
+            <a:extLst>
+              <a:ext uri="{FF2B5EF4-FFF2-40B4-BE49-F238E27FC236}">
+                <a16:creationId xmlns:a16="http://schemas.microsoft.com/office/drawing/2014/main" id="{B56F2E39-8105-42AD-A3F2-0AC373FDB380}"/>
               </a:ext>
             </a:extLst>
           </p:cNvPr>
@@ -8315,17 +8789,17 @@
         </p:blipFill>
         <p:spPr>
           <a:xfrm>
-            <a:off x="1798858" y="3305929"/>
-            <a:ext cx="2667372" cy="1428949"/>
+            <a:off x="7813405" y="3478162"/>
+            <a:ext cx="3768995" cy="1440325"/>
           </a:xfrm>
         </p:spPr>
       </p:pic>
       <p:pic>
         <p:nvPicPr>
-          <p:cNvPr id="6" name="Picture 5">
-            <a:extLst>
-              <a:ext uri="{FF2B5EF4-FFF2-40B4-BE49-F238E27FC236}">
-                <a16:creationId xmlns:a16="http://schemas.microsoft.com/office/drawing/2014/main" id="{5D842DF2-7374-4011-AD8B-3BA570ED7872}"/>
+          <p:cNvPr id="9" name="Picture 8">
+            <a:extLst>
+              <a:ext uri="{FF2B5EF4-FFF2-40B4-BE49-F238E27FC236}">
+                <a16:creationId xmlns:a16="http://schemas.microsoft.com/office/drawing/2014/main" id="{5343402C-93DE-49E1-A565-0BBE1982102D}"/>
               </a:ext>
             </a:extLst>
           </p:cNvPr>
@@ -8342,8 +8816,8 @@
         </p:blipFill>
         <p:spPr>
           <a:xfrm>
-            <a:off x="6534287" y="3076699"/>
-            <a:ext cx="4887043" cy="1887410"/>
+            <a:off x="2096387" y="3607092"/>
+            <a:ext cx="1941658" cy="1182463"/>
           </a:xfrm>
           <a:prstGeom prst="rect">
             <a:avLst/>
@@ -8353,7 +8827,7 @@
     </p:spTree>
     <p:extLst>
       <p:ext uri="{BB962C8B-B14F-4D97-AF65-F5344CB8AC3E}">
-        <p14:creationId xmlns:p14="http://schemas.microsoft.com/office/powerpoint/2010/main" val="3236639979"/>
+        <p14:creationId xmlns:p14="http://schemas.microsoft.com/office/powerpoint/2010/main" val="1503373367"/>
       </p:ext>
     </p:extLst>
   </p:cSld>
@@ -8385,6 +8859,123 @@
           <p:cNvPr id="2" name="Title 1">
             <a:extLst>
               <a:ext uri="{FF2B5EF4-FFF2-40B4-BE49-F238E27FC236}">
+                <a16:creationId xmlns:a16="http://schemas.microsoft.com/office/drawing/2014/main" id="{BD1DFA79-B8EE-412D-AB84-A7F0397399C7}"/>
+              </a:ext>
+            </a:extLst>
+          </p:cNvPr>
+          <p:cNvSpPr>
+            <a:spLocks noGrp="1"/>
+          </p:cNvSpPr>
+          <p:nvPr>
+            <p:ph type="title"/>
+          </p:nvPr>
+        </p:nvSpPr>
+        <p:spPr/>
+        <p:txBody>
+          <a:bodyPr/>
+          <a:lstStyle/>
+          <a:p>
+            <a:r>
+              <a:rPr lang="en-US" dirty="0"/>
+              <a:t>Components</a:t>
+            </a:r>
+          </a:p>
+        </p:txBody>
+      </p:sp>
+      <p:pic>
+        <p:nvPicPr>
+          <p:cNvPr id="8" name="Content Placeholder 7">
+            <a:extLst>
+              <a:ext uri="{FF2B5EF4-FFF2-40B4-BE49-F238E27FC236}">
+                <a16:creationId xmlns:a16="http://schemas.microsoft.com/office/drawing/2014/main" id="{73F6A426-ABEE-40BB-A500-E274E39AD261}"/>
+              </a:ext>
+            </a:extLst>
+          </p:cNvPr>
+          <p:cNvPicPr>
+            <a:picLocks noGrp="1" noChangeAspect="1"/>
+          </p:cNvPicPr>
+          <p:nvPr>
+            <p:ph idx="1"/>
+          </p:nvPr>
+        </p:nvPicPr>
+        <p:blipFill>
+          <a:blip r:embed="rId2"/>
+          <a:stretch>
+            <a:fillRect/>
+          </a:stretch>
+        </p:blipFill>
+        <p:spPr>
+          <a:xfrm>
+            <a:off x="1798858" y="3305929"/>
+            <a:ext cx="2667372" cy="1428949"/>
+          </a:xfrm>
+        </p:spPr>
+      </p:pic>
+      <p:pic>
+        <p:nvPicPr>
+          <p:cNvPr id="6" name="Picture 5">
+            <a:extLst>
+              <a:ext uri="{FF2B5EF4-FFF2-40B4-BE49-F238E27FC236}">
+                <a16:creationId xmlns:a16="http://schemas.microsoft.com/office/drawing/2014/main" id="{5D842DF2-7374-4011-AD8B-3BA570ED7872}"/>
+              </a:ext>
+            </a:extLst>
+          </p:cNvPr>
+          <p:cNvPicPr>
+            <a:picLocks noChangeAspect="1"/>
+          </p:cNvPicPr>
+          <p:nvPr/>
+        </p:nvPicPr>
+        <p:blipFill>
+          <a:blip r:embed="rId3"/>
+          <a:stretch>
+            <a:fillRect/>
+          </a:stretch>
+        </p:blipFill>
+        <p:spPr>
+          <a:xfrm>
+            <a:off x="6534287" y="3076699"/>
+            <a:ext cx="4887043" cy="1887410"/>
+          </a:xfrm>
+          <a:prstGeom prst="rect">
+            <a:avLst/>
+          </a:prstGeom>
+        </p:spPr>
+      </p:pic>
+    </p:spTree>
+    <p:extLst>
+      <p:ext uri="{BB962C8B-B14F-4D97-AF65-F5344CB8AC3E}">
+        <p14:creationId xmlns:p14="http://schemas.microsoft.com/office/powerpoint/2010/main" val="3236639979"/>
+      </p:ext>
+    </p:extLst>
+  </p:cSld>
+  <p:clrMapOvr>
+    <a:masterClrMapping/>
+  </p:clrMapOvr>
+</p:sld>
+</file>
+
+<file path=ppt/slides/slide14.xml><?xml version="1.0" encoding="utf-8"?>
+<p:sld xmlns:a="http://schemas.openxmlformats.org/drawingml/2006/main" xmlns:r="http://schemas.openxmlformats.org/officeDocument/2006/relationships" xmlns:p="http://schemas.openxmlformats.org/presentationml/2006/main">
+  <p:cSld>
+    <p:spTree>
+      <p:nvGrpSpPr>
+        <p:cNvPr id="1" name=""/>
+        <p:cNvGrpSpPr/>
+        <p:nvPr/>
+      </p:nvGrpSpPr>
+      <p:grpSpPr>
+        <a:xfrm>
+          <a:off x="0" y="0"/>
+          <a:ext cx="0" cy="0"/>
+          <a:chOff x="0" y="0"/>
+          <a:chExt cx="0" cy="0"/>
+        </a:xfrm>
+      </p:grpSpPr>
+      <p:sp>
+        <p:nvSpPr>
+          <p:cNvPr id="2" name="Title 1">
+            <a:extLst>
+              <a:ext uri="{FF2B5EF4-FFF2-40B4-BE49-F238E27FC236}">
                 <a16:creationId xmlns:a16="http://schemas.microsoft.com/office/drawing/2014/main" id="{531F8B0F-255E-495C-872C-6408AA751A0F}"/>
               </a:ext>
             </a:extLst>
@@ -8481,7 +9072,7 @@
 </p:sld>
 </file>
 
-<file path=ppt/slides/slide14.xml><?xml version="1.0" encoding="utf-8"?>
+<file path=ppt/slides/slide15.xml><?xml version="1.0" encoding="utf-8"?>
 <p:sld xmlns:a="http://schemas.openxmlformats.org/drawingml/2006/main" xmlns:r="http://schemas.openxmlformats.org/officeDocument/2006/relationships" xmlns:p="http://schemas.openxmlformats.org/presentationml/2006/main">
   <p:cSld>
     <p:spTree>
@@ -9161,8 +9752,624 @@
 </p:sld>
 </file>
 
+<file path=ppt/slides/slide16.xml><?xml version="1.0" encoding="utf-8"?>
+<p:sld xmlns:a="http://schemas.openxmlformats.org/drawingml/2006/main" xmlns:r="http://schemas.openxmlformats.org/officeDocument/2006/relationships" xmlns:p="http://schemas.openxmlformats.org/presentationml/2006/main">
+  <p:cSld>
+    <p:spTree>
+      <p:nvGrpSpPr>
+        <p:cNvPr id="1" name=""/>
+        <p:cNvGrpSpPr/>
+        <p:nvPr/>
+      </p:nvGrpSpPr>
+      <p:grpSpPr>
+        <a:xfrm>
+          <a:off x="0" y="0"/>
+          <a:ext cx="0" cy="0"/>
+          <a:chOff x="0" y="0"/>
+          <a:chExt cx="0" cy="0"/>
+        </a:xfrm>
+      </p:grpSpPr>
+      <p:sp>
+        <p:nvSpPr>
+          <p:cNvPr id="2" name="Title 1">
+            <a:extLst>
+              <a:ext uri="{FF2B5EF4-FFF2-40B4-BE49-F238E27FC236}">
+                <a16:creationId xmlns:a16="http://schemas.microsoft.com/office/drawing/2014/main" id="{CC7FF7A9-B1FE-80AC-4CB1-3A980D1BF640}"/>
+              </a:ext>
+            </a:extLst>
+          </p:cNvPr>
+          <p:cNvSpPr>
+            <a:spLocks noGrp="1"/>
+          </p:cNvSpPr>
+          <p:nvPr>
+            <p:ph type="title"/>
+          </p:nvPr>
+        </p:nvSpPr>
+        <p:spPr/>
+        <p:txBody>
+          <a:bodyPr/>
+          <a:lstStyle/>
+          <a:p>
+            <a:r>
+              <a:rPr lang="it-IT" dirty="0"/>
+              <a:t>Data store </a:t>
+            </a:r>
+            <a:r>
+              <a:rPr lang="it-IT" dirty="0" err="1"/>
+              <a:t>nodes</a:t>
+            </a:r>
+            <a:endParaRPr lang="de-DE" dirty="0"/>
+          </a:p>
+        </p:txBody>
+      </p:sp>
+      <p:pic>
+        <p:nvPicPr>
+          <p:cNvPr id="6" name="Content Placeholder 5">
+            <a:extLst>
+              <a:ext uri="{FF2B5EF4-FFF2-40B4-BE49-F238E27FC236}">
+                <a16:creationId xmlns:a16="http://schemas.microsoft.com/office/drawing/2014/main" id="{44E22A47-E013-A4C1-E803-9052ECA24AE0}"/>
+              </a:ext>
+            </a:extLst>
+          </p:cNvPr>
+          <p:cNvPicPr>
+            <a:picLocks noGrp="1" noChangeAspect="1"/>
+          </p:cNvPicPr>
+          <p:nvPr>
+            <p:ph idx="1"/>
+          </p:nvPr>
+        </p:nvPicPr>
+        <p:blipFill>
+          <a:blip r:embed="rId2"/>
+          <a:stretch>
+            <a:fillRect/>
+          </a:stretch>
+        </p:blipFill>
+        <p:spPr>
+          <a:xfrm>
+            <a:off x="1328793" y="3307546"/>
+            <a:ext cx="2686425" cy="1667108"/>
+          </a:xfrm>
+        </p:spPr>
+      </p:pic>
+      <p:pic>
+        <p:nvPicPr>
+          <p:cNvPr id="4" name="Picture 3">
+            <a:extLst>
+              <a:ext uri="{FF2B5EF4-FFF2-40B4-BE49-F238E27FC236}">
+                <a16:creationId xmlns:a16="http://schemas.microsoft.com/office/drawing/2014/main" id="{FB567B69-D5BE-F95F-7ED0-2961DE0E15D9}"/>
+              </a:ext>
+            </a:extLst>
+          </p:cNvPr>
+          <p:cNvPicPr>
+            <a:picLocks noChangeAspect="1"/>
+          </p:cNvPicPr>
+          <p:nvPr/>
+        </p:nvPicPr>
+        <p:blipFill>
+          <a:blip r:embed="rId3"/>
+          <a:stretch>
+            <a:fillRect/>
+          </a:stretch>
+        </p:blipFill>
+        <p:spPr>
+          <a:xfrm>
+            <a:off x="4731057" y="2456197"/>
+            <a:ext cx="6891453" cy="3254297"/>
+          </a:xfrm>
+          <a:prstGeom prst="rect">
+            <a:avLst/>
+          </a:prstGeom>
+        </p:spPr>
+      </p:pic>
+    </p:spTree>
+    <p:extLst>
+      <p:ext uri="{BB962C8B-B14F-4D97-AF65-F5344CB8AC3E}">
+        <p14:creationId xmlns:p14="http://schemas.microsoft.com/office/powerpoint/2010/main" val="3315574123"/>
+      </p:ext>
+    </p:extLst>
+  </p:cSld>
+  <p:clrMapOvr>
+    <a:masterClrMapping/>
+  </p:clrMapOvr>
+</p:sld>
+</file>
+
+<file path=ppt/slides/slide17.xml><?xml version="1.0" encoding="utf-8"?>
+<p:sld xmlns:a="http://schemas.openxmlformats.org/drawingml/2006/main" xmlns:r="http://schemas.openxmlformats.org/officeDocument/2006/relationships" xmlns:p="http://schemas.openxmlformats.org/presentationml/2006/main">
+  <p:cSld>
+    <p:spTree>
+      <p:nvGrpSpPr>
+        <p:cNvPr id="1" name=""/>
+        <p:cNvGrpSpPr/>
+        <p:nvPr/>
+      </p:nvGrpSpPr>
+      <p:grpSpPr>
+        <a:xfrm>
+          <a:off x="0" y="0"/>
+          <a:ext cx="0" cy="0"/>
+          <a:chOff x="0" y="0"/>
+          <a:chExt cx="0" cy="0"/>
+        </a:xfrm>
+      </p:grpSpPr>
+      <p:sp>
+        <p:nvSpPr>
+          <p:cNvPr id="2" name="Title 1">
+            <a:extLst>
+              <a:ext uri="{FF2B5EF4-FFF2-40B4-BE49-F238E27FC236}">
+                <a16:creationId xmlns:a16="http://schemas.microsoft.com/office/drawing/2014/main" id="{CC7FF7A9-B1FE-80AC-4CB1-3A980D1BF640}"/>
+              </a:ext>
+            </a:extLst>
+          </p:cNvPr>
+          <p:cNvSpPr>
+            <a:spLocks noGrp="1"/>
+          </p:cNvSpPr>
+          <p:nvPr>
+            <p:ph type="title"/>
+          </p:nvPr>
+        </p:nvSpPr>
+        <p:spPr/>
+        <p:txBody>
+          <a:bodyPr>
+            <a:normAutofit/>
+          </a:bodyPr>
+          <a:lstStyle/>
+          <a:p>
+            <a:r>
+              <a:rPr lang="it-IT" dirty="0"/>
+              <a:t>Optional Input Pins</a:t>
+            </a:r>
+            <a:endParaRPr lang="de-DE" dirty="0"/>
+          </a:p>
+        </p:txBody>
+      </p:sp>
+      <p:pic>
+        <p:nvPicPr>
+          <p:cNvPr id="5" name="Picture 4">
+            <a:extLst>
+              <a:ext uri="{FF2B5EF4-FFF2-40B4-BE49-F238E27FC236}">
+                <a16:creationId xmlns:a16="http://schemas.microsoft.com/office/drawing/2014/main" id="{21E6FA8B-956C-B53A-FEDF-982FDF53069A}"/>
+              </a:ext>
+            </a:extLst>
+          </p:cNvPr>
+          <p:cNvPicPr>
+            <a:picLocks noChangeAspect="1"/>
+          </p:cNvPicPr>
+          <p:nvPr/>
+        </p:nvPicPr>
+        <p:blipFill>
+          <a:blip r:embed="rId2"/>
+          <a:stretch>
+            <a:fillRect/>
+          </a:stretch>
+        </p:blipFill>
+        <p:spPr>
+          <a:xfrm>
+            <a:off x="4812658" y="4358770"/>
+            <a:ext cx="7379342" cy="2499230"/>
+          </a:xfrm>
+          <a:prstGeom prst="rect">
+            <a:avLst/>
+          </a:prstGeom>
+        </p:spPr>
+      </p:pic>
+      <p:sp>
+        <p:nvSpPr>
+          <p:cNvPr id="8" name="Content Placeholder 7">
+            <a:extLst>
+              <a:ext uri="{FF2B5EF4-FFF2-40B4-BE49-F238E27FC236}">
+                <a16:creationId xmlns:a16="http://schemas.microsoft.com/office/drawing/2014/main" id="{6F3989E3-C438-9200-7E26-4FAAF6097662}"/>
+              </a:ext>
+            </a:extLst>
+          </p:cNvPr>
+          <p:cNvSpPr>
+            <a:spLocks noGrp="1"/>
+          </p:cNvSpPr>
+          <p:nvPr>
+            <p:ph idx="1"/>
+          </p:nvPr>
+        </p:nvSpPr>
+        <p:spPr/>
+        <p:txBody>
+          <a:bodyPr/>
+          <a:lstStyle/>
+          <a:p>
+            <a:r>
+              <a:rPr lang="it-IT" dirty="0"/>
+              <a:t>Good for making </a:t>
+            </a:r>
+            <a:r>
+              <a:rPr lang="it-IT" dirty="0" err="1"/>
+              <a:t>components</a:t>
+            </a:r>
+            <a:r>
+              <a:rPr lang="it-IT" dirty="0"/>
+              <a:t> with</a:t>
+            </a:r>
+          </a:p>
+          <a:p>
+            <a:r>
+              <a:rPr lang="it-IT" dirty="0"/>
+              <a:t> feedback loop work for the first </a:t>
+            </a:r>
+            <a:r>
+              <a:rPr lang="it-IT" dirty="0" err="1"/>
+              <a:t>iteration</a:t>
+            </a:r>
+            <a:endParaRPr lang="de-DE" dirty="0"/>
+          </a:p>
+        </p:txBody>
+      </p:sp>
+      <p:pic>
+        <p:nvPicPr>
+          <p:cNvPr id="10" name="Picture 9">
+            <a:extLst>
+              <a:ext uri="{FF2B5EF4-FFF2-40B4-BE49-F238E27FC236}">
+                <a16:creationId xmlns:a16="http://schemas.microsoft.com/office/drawing/2014/main" id="{71F19B41-3AEE-AC66-2E69-28283FA0D8AE}"/>
+              </a:ext>
+            </a:extLst>
+          </p:cNvPr>
+          <p:cNvPicPr>
+            <a:picLocks noChangeAspect="1"/>
+          </p:cNvPicPr>
+          <p:nvPr/>
+        </p:nvPicPr>
+        <p:blipFill>
+          <a:blip r:embed="rId3"/>
+          <a:stretch>
+            <a:fillRect/>
+          </a:stretch>
+        </p:blipFill>
+        <p:spPr>
+          <a:xfrm>
+            <a:off x="1479853" y="4035825"/>
+            <a:ext cx="1937467" cy="1174980"/>
+          </a:xfrm>
+          <a:prstGeom prst="rect">
+            <a:avLst/>
+          </a:prstGeom>
+        </p:spPr>
+      </p:pic>
+      <p:pic>
+        <p:nvPicPr>
+          <p:cNvPr id="14" name="Picture 13">
+            <a:extLst>
+              <a:ext uri="{FF2B5EF4-FFF2-40B4-BE49-F238E27FC236}">
+                <a16:creationId xmlns:a16="http://schemas.microsoft.com/office/drawing/2014/main" id="{0D059CE3-ED78-472D-F13F-CEBD55C7E611}"/>
+              </a:ext>
+            </a:extLst>
+          </p:cNvPr>
+          <p:cNvPicPr>
+            <a:picLocks noChangeAspect="1"/>
+          </p:cNvPicPr>
+          <p:nvPr/>
+        </p:nvPicPr>
+        <p:blipFill>
+          <a:blip r:embed="rId4"/>
+          <a:stretch>
+            <a:fillRect/>
+          </a:stretch>
+        </p:blipFill>
+        <p:spPr>
+          <a:xfrm>
+            <a:off x="8035200" y="1"/>
+            <a:ext cx="4156800" cy="1777244"/>
+          </a:xfrm>
+          <a:prstGeom prst="rect">
+            <a:avLst/>
+          </a:prstGeom>
+        </p:spPr>
+      </p:pic>
+      <p:pic>
+        <p:nvPicPr>
+          <p:cNvPr id="4" name="Picture 3">
+            <a:extLst>
+              <a:ext uri="{FF2B5EF4-FFF2-40B4-BE49-F238E27FC236}">
+                <a16:creationId xmlns:a16="http://schemas.microsoft.com/office/drawing/2014/main" id="{9B32F704-7824-D022-E9C5-1555D2782DF7}"/>
+              </a:ext>
+            </a:extLst>
+          </p:cNvPr>
+          <p:cNvPicPr>
+            <a:picLocks noChangeAspect="1"/>
+          </p:cNvPicPr>
+          <p:nvPr/>
+        </p:nvPicPr>
+        <p:blipFill>
+          <a:blip r:embed="rId5"/>
+          <a:stretch>
+            <a:fillRect/>
+          </a:stretch>
+        </p:blipFill>
+        <p:spPr>
+          <a:xfrm>
+            <a:off x="5786218" y="1777244"/>
+            <a:ext cx="6405782" cy="2581525"/>
+          </a:xfrm>
+          <a:prstGeom prst="rect">
+            <a:avLst/>
+          </a:prstGeom>
+        </p:spPr>
+      </p:pic>
+    </p:spTree>
+    <p:extLst>
+      <p:ext uri="{BB962C8B-B14F-4D97-AF65-F5344CB8AC3E}">
+        <p14:creationId xmlns:p14="http://schemas.microsoft.com/office/powerpoint/2010/main" val="973525487"/>
+      </p:ext>
+    </p:extLst>
+  </p:cSld>
+  <p:clrMapOvr>
+    <a:masterClrMapping/>
+  </p:clrMapOvr>
+</p:sld>
+</file>
+
+<file path=ppt/slides/slide18.xml><?xml version="1.0" encoding="utf-8"?>
+<p:sld xmlns:a="http://schemas.openxmlformats.org/drawingml/2006/main" xmlns:r="http://schemas.openxmlformats.org/officeDocument/2006/relationships" xmlns:p="http://schemas.openxmlformats.org/presentationml/2006/main">
+  <p:cSld>
+    <p:spTree>
+      <p:nvGrpSpPr>
+        <p:cNvPr id="1" name=""/>
+        <p:cNvGrpSpPr/>
+        <p:nvPr/>
+      </p:nvGrpSpPr>
+      <p:grpSpPr>
+        <a:xfrm>
+          <a:off x="0" y="0"/>
+          <a:ext cx="0" cy="0"/>
+          <a:chOff x="0" y="0"/>
+          <a:chExt cx="0" cy="0"/>
+        </a:xfrm>
+      </p:grpSpPr>
+      <p:sp>
+        <p:nvSpPr>
+          <p:cNvPr id="2" name="Title 1">
+            <a:extLst>
+              <a:ext uri="{FF2B5EF4-FFF2-40B4-BE49-F238E27FC236}">
+                <a16:creationId xmlns:a16="http://schemas.microsoft.com/office/drawing/2014/main" id="{6DDF34D7-E681-DD41-2443-409A17270F86}"/>
+              </a:ext>
+            </a:extLst>
+          </p:cNvPr>
+          <p:cNvSpPr>
+            <a:spLocks noGrp="1"/>
+          </p:cNvSpPr>
+          <p:nvPr>
+            <p:ph type="title"/>
+          </p:nvPr>
+        </p:nvSpPr>
+        <p:spPr/>
+        <p:txBody>
+          <a:bodyPr/>
+          <a:lstStyle/>
+          <a:p>
+            <a:r>
+              <a:rPr lang="it-IT" dirty="0"/>
+              <a:t>Merge / Duplicate Pins</a:t>
+            </a:r>
+            <a:endParaRPr lang="de-DE" dirty="0"/>
+          </a:p>
+        </p:txBody>
+      </p:sp>
+      <p:sp>
+        <p:nvSpPr>
+          <p:cNvPr id="3" name="Content Placeholder 2">
+            <a:extLst>
+              <a:ext uri="{FF2B5EF4-FFF2-40B4-BE49-F238E27FC236}">
+                <a16:creationId xmlns:a16="http://schemas.microsoft.com/office/drawing/2014/main" id="{FB4BB6C9-8A44-513D-54AF-09001F7A5584}"/>
+              </a:ext>
+            </a:extLst>
+          </p:cNvPr>
+          <p:cNvSpPr>
+            <a:spLocks noGrp="1"/>
+          </p:cNvSpPr>
+          <p:nvPr>
+            <p:ph idx="1"/>
+          </p:nvPr>
+        </p:nvSpPr>
+        <p:spPr/>
+        <p:txBody>
+          <a:bodyPr/>
+          <a:lstStyle/>
+          <a:p>
+            <a:endParaRPr lang="de-DE"/>
+          </a:p>
+        </p:txBody>
+      </p:sp>
+    </p:spTree>
+    <p:extLst>
+      <p:ext uri="{BB962C8B-B14F-4D97-AF65-F5344CB8AC3E}">
+        <p14:creationId xmlns:p14="http://schemas.microsoft.com/office/powerpoint/2010/main" val="1107918687"/>
+      </p:ext>
+    </p:extLst>
+  </p:cSld>
+  <p:clrMapOvr>
+    <a:masterClrMapping/>
+  </p:clrMapOvr>
+</p:sld>
+</file>
+
+<file path=ppt/slides/slide19.xml><?xml version="1.0" encoding="utf-8"?>
+<p:sld xmlns:a="http://schemas.openxmlformats.org/drawingml/2006/main" xmlns:r="http://schemas.openxmlformats.org/officeDocument/2006/relationships" xmlns:p="http://schemas.openxmlformats.org/presentationml/2006/main">
+  <p:cSld>
+    <p:spTree>
+      <p:nvGrpSpPr>
+        <p:cNvPr id="1" name=""/>
+        <p:cNvGrpSpPr/>
+        <p:nvPr/>
+      </p:nvGrpSpPr>
+      <p:grpSpPr>
+        <a:xfrm>
+          <a:off x="0" y="0"/>
+          <a:ext cx="0" cy="0"/>
+          <a:chOff x="0" y="0"/>
+          <a:chExt cx="0" cy="0"/>
+        </a:xfrm>
+      </p:grpSpPr>
+      <p:sp>
+        <p:nvSpPr>
+          <p:cNvPr id="2" name="Title 1">
+            <a:extLst>
+              <a:ext uri="{FF2B5EF4-FFF2-40B4-BE49-F238E27FC236}">
+                <a16:creationId xmlns:a16="http://schemas.microsoft.com/office/drawing/2014/main" id="{AFD990D6-C684-EDD9-AE9F-233EA716610D}"/>
+              </a:ext>
+            </a:extLst>
+          </p:cNvPr>
+          <p:cNvSpPr>
+            <a:spLocks noGrp="1"/>
+          </p:cNvSpPr>
+          <p:nvPr>
+            <p:ph type="title"/>
+          </p:nvPr>
+        </p:nvSpPr>
+        <p:spPr/>
+        <p:txBody>
+          <a:bodyPr/>
+          <a:lstStyle/>
+          <a:p>
+            <a:r>
+              <a:rPr lang="it-IT" dirty="0" err="1"/>
+              <a:t>Collect</a:t>
+            </a:r>
+            <a:r>
+              <a:rPr lang="it-IT" dirty="0"/>
+              <a:t>/</a:t>
+            </a:r>
+            <a:r>
+              <a:rPr lang="it-IT" dirty="0" err="1"/>
+              <a:t>Amplify</a:t>
+            </a:r>
+            <a:endParaRPr lang="de-DE" dirty="0"/>
+          </a:p>
+        </p:txBody>
+      </p:sp>
+      <p:sp>
+        <p:nvSpPr>
+          <p:cNvPr id="3" name="Content Placeholder 2">
+            <a:extLst>
+              <a:ext uri="{FF2B5EF4-FFF2-40B4-BE49-F238E27FC236}">
+                <a16:creationId xmlns:a16="http://schemas.microsoft.com/office/drawing/2014/main" id="{A2C980F1-2831-F35A-E4DA-808F7827B277}"/>
+              </a:ext>
+            </a:extLst>
+          </p:cNvPr>
+          <p:cNvSpPr>
+            <a:spLocks noGrp="1"/>
+          </p:cNvSpPr>
+          <p:nvPr>
+            <p:ph idx="1"/>
+          </p:nvPr>
+        </p:nvSpPr>
+        <p:spPr/>
+        <p:txBody>
+          <a:bodyPr/>
+          <a:lstStyle/>
+          <a:p>
+            <a:endParaRPr lang="de-DE"/>
+          </a:p>
+        </p:txBody>
+      </p:sp>
+      <p:pic>
+        <p:nvPicPr>
+          <p:cNvPr id="5" name="Picture 4">
+            <a:extLst>
+              <a:ext uri="{FF2B5EF4-FFF2-40B4-BE49-F238E27FC236}">
+                <a16:creationId xmlns:a16="http://schemas.microsoft.com/office/drawing/2014/main" id="{2A7C2A56-44FB-7FBB-285B-557668297B1B}"/>
+              </a:ext>
+            </a:extLst>
+          </p:cNvPr>
+          <p:cNvPicPr>
+            <a:picLocks noChangeAspect="1"/>
+          </p:cNvPicPr>
+          <p:nvPr/>
+        </p:nvPicPr>
+        <p:blipFill>
+          <a:blip r:embed="rId2"/>
+          <a:stretch>
+            <a:fillRect/>
+          </a:stretch>
+        </p:blipFill>
+        <p:spPr>
+          <a:xfrm>
+            <a:off x="0" y="1883347"/>
+            <a:ext cx="5179072" cy="2183686"/>
+          </a:xfrm>
+          <a:prstGeom prst="rect">
+            <a:avLst/>
+          </a:prstGeom>
+        </p:spPr>
+      </p:pic>
+      <p:pic>
+        <p:nvPicPr>
+          <p:cNvPr id="7" name="Picture 6">
+            <a:extLst>
+              <a:ext uri="{FF2B5EF4-FFF2-40B4-BE49-F238E27FC236}">
+                <a16:creationId xmlns:a16="http://schemas.microsoft.com/office/drawing/2014/main" id="{01FE860E-E43D-24A5-9638-35512EFB646D}"/>
+              </a:ext>
+            </a:extLst>
+          </p:cNvPr>
+          <p:cNvPicPr>
+            <a:picLocks noChangeAspect="1"/>
+          </p:cNvPicPr>
+          <p:nvPr/>
+        </p:nvPicPr>
+        <p:blipFill>
+          <a:blip r:embed="rId3"/>
+          <a:stretch>
+            <a:fillRect/>
+          </a:stretch>
+        </p:blipFill>
+        <p:spPr>
+          <a:xfrm>
+            <a:off x="0" y="4289890"/>
+            <a:ext cx="5179072" cy="2465462"/>
+          </a:xfrm>
+          <a:prstGeom prst="rect">
+            <a:avLst/>
+          </a:prstGeom>
+        </p:spPr>
+      </p:pic>
+      <p:pic>
+        <p:nvPicPr>
+          <p:cNvPr id="9" name="Picture 8">
+            <a:extLst>
+              <a:ext uri="{FF2B5EF4-FFF2-40B4-BE49-F238E27FC236}">
+                <a16:creationId xmlns:a16="http://schemas.microsoft.com/office/drawing/2014/main" id="{4BF012EE-9032-C398-6343-E0019555B8E0}"/>
+              </a:ext>
+            </a:extLst>
+          </p:cNvPr>
+          <p:cNvPicPr>
+            <a:picLocks noChangeAspect="1"/>
+          </p:cNvPicPr>
+          <p:nvPr/>
+        </p:nvPicPr>
+        <p:blipFill>
+          <a:blip r:embed="rId4"/>
+          <a:stretch>
+            <a:fillRect/>
+          </a:stretch>
+        </p:blipFill>
+        <p:spPr>
+          <a:xfrm>
+            <a:off x="6209465" y="2576162"/>
+            <a:ext cx="5982535" cy="2981741"/>
+          </a:xfrm>
+          <a:prstGeom prst="rect">
+            <a:avLst/>
+          </a:prstGeom>
+        </p:spPr>
+      </p:pic>
+    </p:spTree>
+    <p:extLst>
+      <p:ext uri="{BB962C8B-B14F-4D97-AF65-F5344CB8AC3E}">
+        <p14:creationId xmlns:p14="http://schemas.microsoft.com/office/powerpoint/2010/main" val="1448877274"/>
+      </p:ext>
+    </p:extLst>
+  </p:cSld>
+  <p:clrMapOvr>
+    <a:masterClrMapping/>
+  </p:clrMapOvr>
+</p:sld>
+</file>
+
 <file path=ppt/slides/slide2.xml><?xml version="1.0" encoding="utf-8"?>
-<p:sld xmlns:a="http://schemas.openxmlformats.org/drawingml/2006/main" xmlns:r="http://schemas.openxmlformats.org/officeDocument/2006/relationships" xmlns:p="http://schemas.openxmlformats.org/presentationml/2006/main">
+<p:sld xmlns:a="http://schemas.openxmlformats.org/drawingml/2006/main" xmlns:r="http://schemas.openxmlformats.org/officeDocument/2006/relationships" xmlns:p="http://schemas.openxmlformats.org/presentationml/2006/main" show="0">
   <p:cSld>
     <p:spTree>
       <p:nvGrpSpPr>
@@ -9750,8 +10957,1652 @@
 </p:sld>
 </file>
 
+<file path=ppt/slides/slide20.xml><?xml version="1.0" encoding="utf-8"?>
+<p:sld xmlns:a="http://schemas.openxmlformats.org/drawingml/2006/main" xmlns:r="http://schemas.openxmlformats.org/officeDocument/2006/relationships" xmlns:p="http://schemas.openxmlformats.org/presentationml/2006/main">
+  <p:cSld>
+    <p:spTree>
+      <p:nvGrpSpPr>
+        <p:cNvPr id="1" name=""/>
+        <p:cNvGrpSpPr/>
+        <p:nvPr/>
+      </p:nvGrpSpPr>
+      <p:grpSpPr>
+        <a:xfrm>
+          <a:off x="0" y="0"/>
+          <a:ext cx="0" cy="0"/>
+          <a:chOff x="0" y="0"/>
+          <a:chExt cx="0" cy="0"/>
+        </a:xfrm>
+      </p:grpSpPr>
+      <p:sp>
+        <p:nvSpPr>
+          <p:cNvPr id="3" name="Title 2">
+            <a:extLst>
+              <a:ext uri="{FF2B5EF4-FFF2-40B4-BE49-F238E27FC236}">
+                <a16:creationId xmlns:a16="http://schemas.microsoft.com/office/drawing/2014/main" id="{BD636149-1105-401E-B791-F0C177AC7571}"/>
+              </a:ext>
+            </a:extLst>
+          </p:cNvPr>
+          <p:cNvSpPr>
+            <a:spLocks noGrp="1"/>
+          </p:cNvSpPr>
+          <p:nvPr>
+            <p:ph type="title"/>
+          </p:nvPr>
+        </p:nvSpPr>
+        <p:spPr/>
+        <p:txBody>
+          <a:bodyPr/>
+          <a:lstStyle/>
+          <a:p>
+            <a:r>
+              <a:rPr lang="en-US" dirty="0"/>
+              <a:t>Data Transformations</a:t>
+            </a:r>
+          </a:p>
+        </p:txBody>
+      </p:sp>
+      <p:sp>
+        <p:nvSpPr>
+          <p:cNvPr id="4" name="Content Placeholder 3">
+            <a:extLst>
+              <a:ext uri="{FF2B5EF4-FFF2-40B4-BE49-F238E27FC236}">
+                <a16:creationId xmlns:a16="http://schemas.microsoft.com/office/drawing/2014/main" id="{73FFE932-F633-4241-8000-3AE87506B50E}"/>
+              </a:ext>
+            </a:extLst>
+          </p:cNvPr>
+          <p:cNvSpPr>
+            <a:spLocks noGrp="1"/>
+          </p:cNvSpPr>
+          <p:nvPr>
+            <p:ph idx="1"/>
+          </p:nvPr>
+        </p:nvSpPr>
+        <p:spPr/>
+        <p:txBody>
+          <a:bodyPr numCol="2"/>
+          <a:lstStyle/>
+          <a:p>
+            <a:pPr marL="457200" indent="-457200">
+              <a:buFont typeface="+mj-lt"/>
+              <a:buAutoNum type="arabicPeriod"/>
+            </a:pPr>
+            <a:r>
+              <a:rPr lang="en-US" dirty="0"/>
+              <a:t>Forward </a:t>
+            </a:r>
+            <a:br>
+              <a:rPr lang="en-US" dirty="0"/>
+            </a:br>
+            <a:r>
+              <a:rPr lang="en-US" i="1" dirty="0"/>
+              <a:t>A simple connection between </a:t>
+            </a:r>
+            <a:r>
+              <a:rPr lang="en-US" i="1" dirty="0" err="1"/>
+              <a:t>inp</a:t>
+            </a:r>
+            <a:r>
+              <a:rPr lang="en-US" i="1" dirty="0"/>
+              <a:t>./out.</a:t>
+            </a:r>
+          </a:p>
+          <a:p>
+            <a:pPr marL="457200" indent="-457200">
+              <a:buFont typeface="+mj-lt"/>
+              <a:buAutoNum type="arabicPeriod"/>
+            </a:pPr>
+            <a:r>
+              <a:rPr lang="en-US" dirty="0"/>
+              <a:t>Edit</a:t>
+            </a:r>
+            <a:br>
+              <a:rPr lang="en-US" dirty="0"/>
+            </a:br>
+            <a:r>
+              <a:rPr lang="en-US" i="1" dirty="0"/>
+              <a:t>A simple connection, where the token content gets changed</a:t>
+            </a:r>
+          </a:p>
+          <a:p>
+            <a:pPr marL="457200" indent="-457200">
+              <a:buFont typeface="+mj-lt"/>
+              <a:buAutoNum type="arabicPeriod"/>
+            </a:pPr>
+            <a:r>
+              <a:rPr lang="en-US" dirty="0"/>
+              <a:t>Duplicate/Fork</a:t>
+            </a:r>
+            <a:br>
+              <a:rPr lang="en-US" dirty="0"/>
+            </a:br>
+            <a:r>
+              <a:rPr lang="en-US" i="1" dirty="0"/>
+              <a:t>Duplicate the received token to multiple outputs</a:t>
+            </a:r>
+          </a:p>
+          <a:p>
+            <a:pPr marL="457200" indent="-457200">
+              <a:buFont typeface="+mj-lt"/>
+              <a:buAutoNum type="arabicPeriod"/>
+            </a:pPr>
+            <a:r>
+              <a:rPr lang="en-US" dirty="0"/>
+              <a:t>Drop</a:t>
+            </a:r>
+            <a:br>
+              <a:rPr lang="en-US" dirty="0"/>
+            </a:br>
+            <a:r>
+              <a:rPr lang="en-US" i="1" dirty="0"/>
+              <a:t>Ignore the token received in this input pin</a:t>
+            </a:r>
+          </a:p>
+          <a:p>
+            <a:pPr marL="457200" indent="-457200">
+              <a:buFont typeface="+mj-lt"/>
+              <a:buAutoNum type="arabicPeriod"/>
+            </a:pPr>
+            <a:r>
+              <a:rPr lang="en-US" dirty="0"/>
+              <a:t>Merge</a:t>
+            </a:r>
+            <a:br>
+              <a:rPr lang="en-US" dirty="0"/>
+            </a:br>
+            <a:r>
+              <a:rPr lang="en-US" i="1" dirty="0" err="1"/>
+              <a:t>Merge</a:t>
+            </a:r>
+            <a:r>
+              <a:rPr lang="en-US" i="1" dirty="0"/>
+              <a:t> multiple inputs tokens to one</a:t>
+            </a:r>
+          </a:p>
+          <a:p>
+            <a:pPr marL="457200" indent="-457200">
+              <a:buFont typeface="+mj-lt"/>
+              <a:buAutoNum type="arabicPeriod"/>
+            </a:pPr>
+            <a:r>
+              <a:rPr lang="en-US" dirty="0"/>
+              <a:t>Creation (Time/Signal based)</a:t>
+            </a:r>
+            <a:br>
+              <a:rPr lang="en-US" dirty="0"/>
+            </a:br>
+            <a:r>
+              <a:rPr lang="en-US" i="1" dirty="0"/>
+              <a:t>Create a new token of any type, initialize its attributes</a:t>
+            </a:r>
+          </a:p>
+          <a:p>
+            <a:pPr marL="457200" indent="-457200">
+              <a:buFont typeface="+mj-lt"/>
+              <a:buAutoNum type="arabicPeriod"/>
+            </a:pPr>
+            <a:r>
+              <a:rPr lang="en-US" dirty="0"/>
+              <a:t>Collect</a:t>
+            </a:r>
+            <a:br>
+              <a:rPr lang="en-US" dirty="0"/>
+            </a:br>
+            <a:r>
+              <a:rPr lang="en-US" i="1" dirty="0"/>
+              <a:t># Tokens generate 1 output token</a:t>
+            </a:r>
+          </a:p>
+        </p:txBody>
+      </p:sp>
+    </p:spTree>
+    <p:extLst>
+      <p:ext uri="{BB962C8B-B14F-4D97-AF65-F5344CB8AC3E}">
+        <p14:creationId xmlns:p14="http://schemas.microsoft.com/office/powerpoint/2010/main" val="3207530497"/>
+      </p:ext>
+    </p:extLst>
+  </p:cSld>
+  <p:clrMapOvr>
+    <a:masterClrMapping/>
+  </p:clrMapOvr>
+</p:sld>
+</file>
+
+<file path=ppt/slides/slide21.xml><?xml version="1.0" encoding="utf-8"?>
+<p:sld xmlns:a="http://schemas.openxmlformats.org/drawingml/2006/main" xmlns:r="http://schemas.openxmlformats.org/officeDocument/2006/relationships" xmlns:p="http://schemas.openxmlformats.org/presentationml/2006/main">
+  <p:cSld>
+    <p:bg>
+      <p:bgPr>
+        <a:solidFill>
+          <a:schemeClr val="bg2"/>
+        </a:solidFill>
+        <a:effectLst/>
+      </p:bgPr>
+    </p:bg>
+    <p:spTree>
+      <p:nvGrpSpPr>
+        <p:cNvPr id="1" name=""/>
+        <p:cNvGrpSpPr/>
+        <p:nvPr/>
+      </p:nvGrpSpPr>
+      <p:grpSpPr>
+        <a:xfrm>
+          <a:off x="0" y="0"/>
+          <a:ext cx="0" cy="0"/>
+          <a:chOff x="0" y="0"/>
+          <a:chExt cx="0" cy="0"/>
+        </a:xfrm>
+      </p:grpSpPr>
+      <p:sp useBgFill="1">
+        <p:nvSpPr>
+          <p:cNvPr id="19" name="Background Fill">
+            <a:extLst>
+              <a:ext uri="{FF2B5EF4-FFF2-40B4-BE49-F238E27FC236}">
+                <a16:creationId xmlns:a16="http://schemas.microsoft.com/office/drawing/2014/main" id="{B937640E-EF7A-4A6C-A950-D12B7D5C923E}"/>
+              </a:ext>
+              <a:ext uri="{C183D7F6-B498-43B3-948B-1728B52AA6E4}">
+                <adec:decorative xmlns:adec="http://schemas.microsoft.com/office/drawing/2017/decorative" val="1"/>
+              </a:ext>
+            </a:extLst>
+          </p:cNvPr>
+          <p:cNvSpPr>
+            <a:spLocks noGrp="1" noRot="1" noChangeAspect="1" noMove="1" noResize="1" noEditPoints="1" noAdjustHandles="1" noChangeArrowheads="1" noChangeShapeType="1" noTextEdit="1"/>
+          </p:cNvSpPr>
+          <p:nvPr>
+            <p:extLst>
+              <p:ext uri="{386F3935-93C4-4BCD-93E2-E3B085C9AB24}">
+                <p16:designElem xmlns:p16="http://schemas.microsoft.com/office/powerpoint/2015/main" val="1"/>
+              </p:ext>
+            </p:extLst>
+          </p:nvPr>
+        </p:nvSpPr>
+        <p:spPr>
+          <a:xfrm>
+            <a:off x="0" y="0"/>
+            <a:ext cx="12188952" cy="6858000"/>
+          </a:xfrm>
+          <a:prstGeom prst="rect">
+            <a:avLst/>
+          </a:prstGeom>
+          <a:ln>
+            <a:noFill/>
+          </a:ln>
+        </p:spPr>
+        <p:style>
+          <a:lnRef idx="2">
+            <a:schemeClr val="accent1">
+              <a:shade val="50000"/>
+            </a:schemeClr>
+          </a:lnRef>
+          <a:fillRef idx="1">
+            <a:schemeClr val="accent1"/>
+          </a:fillRef>
+          <a:effectRef idx="0">
+            <a:schemeClr val="accent1"/>
+          </a:effectRef>
+          <a:fontRef idx="minor">
+            <a:schemeClr val="lt1"/>
+          </a:fontRef>
+        </p:style>
+        <p:txBody>
+          <a:bodyPr rtlCol="0" anchor="ctr"/>
+          <a:lstStyle/>
+          <a:p>
+            <a:pPr algn="ctr"/>
+            <a:endParaRPr lang="en-US"/>
+          </a:p>
+        </p:txBody>
+      </p:sp>
+      <p:sp>
+        <p:nvSpPr>
+          <p:cNvPr id="21" name="Rectangle 20">
+            <a:extLst>
+              <a:ext uri="{FF2B5EF4-FFF2-40B4-BE49-F238E27FC236}">
+                <a16:creationId xmlns:a16="http://schemas.microsoft.com/office/drawing/2014/main" id="{4E64E4A9-D8D0-4AE7-99BD-EFE51D6EB122}"/>
+              </a:ext>
+              <a:ext uri="{C183D7F6-B498-43B3-948B-1728B52AA6E4}">
+                <adec:decorative xmlns:adec="http://schemas.microsoft.com/office/drawing/2017/decorative" val="1"/>
+              </a:ext>
+            </a:extLst>
+          </p:cNvPr>
+          <p:cNvSpPr>
+            <a:spLocks noGrp="1" noRot="1" noChangeAspect="1" noMove="1" noResize="1" noEditPoints="1" noAdjustHandles="1" noChangeArrowheads="1" noChangeShapeType="1" noTextEdit="1"/>
+          </p:cNvSpPr>
+          <p:nvPr>
+            <p:extLst>
+              <p:ext uri="{386F3935-93C4-4BCD-93E2-E3B085C9AB24}">
+                <p16:designElem xmlns:p16="http://schemas.microsoft.com/office/powerpoint/2015/main" val="1"/>
+              </p:ext>
+            </p:extLst>
+          </p:nvPr>
+        </p:nvSpPr>
+        <p:spPr>
+          <a:xfrm>
+            <a:off x="0" y="0"/>
+            <a:ext cx="12192001" cy="6858000"/>
+          </a:xfrm>
+          <a:prstGeom prst="rect">
+            <a:avLst/>
+          </a:prstGeom>
+          <a:solidFill>
+            <a:srgbClr val="AEAEAE">
+              <a:alpha val="10000"/>
+            </a:srgbClr>
+          </a:solidFill>
+          <a:ln>
+            <a:noFill/>
+          </a:ln>
+        </p:spPr>
+        <p:style>
+          <a:lnRef idx="2">
+            <a:schemeClr val="accent1">
+              <a:shade val="50000"/>
+            </a:schemeClr>
+          </a:lnRef>
+          <a:fillRef idx="1">
+            <a:schemeClr val="accent1"/>
+          </a:fillRef>
+          <a:effectRef idx="0">
+            <a:schemeClr val="accent1"/>
+          </a:effectRef>
+          <a:fontRef idx="minor">
+            <a:schemeClr val="lt1"/>
+          </a:fontRef>
+        </p:style>
+        <p:txBody>
+          <a:bodyPr rtlCol="0" anchor="ctr"/>
+          <a:lstStyle/>
+          <a:p>
+            <a:pPr algn="ctr"/>
+            <a:endParaRPr lang="en-US" dirty="0"/>
+          </a:p>
+        </p:txBody>
+      </p:sp>
+      <p:sp>
+        <p:nvSpPr>
+          <p:cNvPr id="23" name="Freeform: Shape 22">
+            <a:extLst>
+              <a:ext uri="{FF2B5EF4-FFF2-40B4-BE49-F238E27FC236}">
+                <a16:creationId xmlns:a16="http://schemas.microsoft.com/office/drawing/2014/main" id="{AFD62F46-8DC3-4EDF-BDEF-27C439C6F7BD}"/>
+              </a:ext>
+              <a:ext uri="{C183D7F6-B498-43B3-948B-1728B52AA6E4}">
+                <adec:decorative xmlns:adec="http://schemas.microsoft.com/office/drawing/2017/decorative" val="1"/>
+              </a:ext>
+            </a:extLst>
+          </p:cNvPr>
+          <p:cNvSpPr>
+            <a:spLocks noGrp="1" noRot="1" noChangeAspect="1" noMove="1" noResize="1" noEditPoints="1" noAdjustHandles="1" noChangeArrowheads="1" noChangeShapeType="1" noTextEdit="1"/>
+          </p:cNvSpPr>
+          <p:nvPr>
+            <p:extLst>
+              <p:ext uri="{386F3935-93C4-4BCD-93E2-E3B085C9AB24}">
+                <p16:designElem xmlns:p16="http://schemas.microsoft.com/office/powerpoint/2015/main" val="1"/>
+              </p:ext>
+            </p:extLst>
+          </p:nvPr>
+        </p:nvSpPr>
+        <p:spPr>
+          <a:xfrm>
+            <a:off x="0" y="-1"/>
+            <a:ext cx="6336253" cy="6858001"/>
+          </a:xfrm>
+          <a:custGeom>
+            <a:avLst/>
+            <a:gdLst>
+              <a:gd name="connsiteX0" fmla="*/ 5721063 w 6336253"/>
+              <a:gd name="connsiteY0" fmla="*/ 3536635 h 6858001"/>
+              <a:gd name="connsiteX1" fmla="*/ 6230651 w 6336253"/>
+              <a:gd name="connsiteY1" fmla="*/ 4046223 h 6858001"/>
+              <a:gd name="connsiteX2" fmla="*/ 5721063 w 6336253"/>
+              <a:gd name="connsiteY2" fmla="*/ 4555811 h 6858001"/>
+              <a:gd name="connsiteX3" fmla="*/ 5211475 w 6336253"/>
+              <a:gd name="connsiteY3" fmla="*/ 4046223 h 6858001"/>
+              <a:gd name="connsiteX4" fmla="*/ 5721063 w 6336253"/>
+              <a:gd name="connsiteY4" fmla="*/ 3536635 h 6858001"/>
+              <a:gd name="connsiteX5" fmla="*/ 5456902 w 6336253"/>
+              <a:gd name="connsiteY5" fmla="*/ 0 h 6858001"/>
+              <a:gd name="connsiteX6" fmla="*/ 6321710 w 6336253"/>
+              <a:gd name="connsiteY6" fmla="*/ 0 h 6858001"/>
+              <a:gd name="connsiteX7" fmla="*/ 6332019 w 6336253"/>
+              <a:gd name="connsiteY7" fmla="*/ 42969 h 6858001"/>
+              <a:gd name="connsiteX8" fmla="*/ 6320934 w 6336253"/>
+              <a:gd name="connsiteY8" fmla="*/ 219852 h 6858001"/>
+              <a:gd name="connsiteX9" fmla="*/ 5774313 w 6336253"/>
+              <a:gd name="connsiteY9" fmla="*/ 535443 h 6858001"/>
+              <a:gd name="connsiteX10" fmla="*/ 5444200 w 6336253"/>
+              <a:gd name="connsiteY10" fmla="*/ 78052 h 6858001"/>
+              <a:gd name="connsiteX11" fmla="*/ 609600 w 6336253"/>
+              <a:gd name="connsiteY11" fmla="*/ 0 h 6858001"/>
+              <a:gd name="connsiteX12" fmla="*/ 1171409 w 6336253"/>
+              <a:gd name="connsiteY12" fmla="*/ 0 h 6858001"/>
+              <a:gd name="connsiteX13" fmla="*/ 4838473 w 6336253"/>
+              <a:gd name="connsiteY13" fmla="*/ 0 h 6858001"/>
+              <a:gd name="connsiteX14" fmla="*/ 4830349 w 6336253"/>
+              <a:gd name="connsiteY14" fmla="*/ 184996 h 6858001"/>
+              <a:gd name="connsiteX15" fmla="*/ 4833376 w 6336253"/>
+              <a:gd name="connsiteY15" fmla="*/ 419995 h 6858001"/>
+              <a:gd name="connsiteX16" fmla="*/ 5281338 w 6336253"/>
+              <a:gd name="connsiteY16" fmla="*/ 1068099 h 6858001"/>
+              <a:gd name="connsiteX17" fmla="*/ 5729205 w 6336253"/>
+              <a:gd name="connsiteY17" fmla="*/ 2589405 h 6858001"/>
+              <a:gd name="connsiteX18" fmla="*/ 5283212 w 6336253"/>
+              <a:gd name="connsiteY18" fmla="*/ 3164269 h 6858001"/>
+              <a:gd name="connsiteX19" fmla="*/ 5124820 w 6336253"/>
+              <a:gd name="connsiteY19" fmla="*/ 4641255 h 6858001"/>
+              <a:gd name="connsiteX20" fmla="*/ 5736551 w 6336253"/>
+              <a:gd name="connsiteY20" fmla="*/ 5670858 h 6858001"/>
+              <a:gd name="connsiteX21" fmla="*/ 6022123 w 6336253"/>
+              <a:gd name="connsiteY21" fmla="*/ 6707670 h 6858001"/>
+              <a:gd name="connsiteX22" fmla="*/ 6024496 w 6336253"/>
+              <a:gd name="connsiteY22" fmla="*/ 6858000 h 6858001"/>
+              <a:gd name="connsiteX23" fmla="*/ 2242268 w 6336253"/>
+              <a:gd name="connsiteY23" fmla="*/ 6858000 h 6858001"/>
+              <a:gd name="connsiteX24" fmla="*/ 2242268 w 6336253"/>
+              <a:gd name="connsiteY24" fmla="*/ 6858001 h 6858001"/>
+              <a:gd name="connsiteX25" fmla="*/ 0 w 6336253"/>
+              <a:gd name="connsiteY25" fmla="*/ 6858001 h 6858001"/>
+              <a:gd name="connsiteX26" fmla="*/ 0 w 6336253"/>
+              <a:gd name="connsiteY26" fmla="*/ 1 h 6858001"/>
+              <a:gd name="connsiteX27" fmla="*/ 609600 w 6336253"/>
+              <a:gd name="connsiteY27" fmla="*/ 1 h 6858001"/>
+            </a:gdLst>
+            <a:ahLst/>
+            <a:cxnLst>
+              <a:cxn ang="0">
+                <a:pos x="connsiteX0" y="connsiteY0"/>
+              </a:cxn>
+              <a:cxn ang="0">
+                <a:pos x="connsiteX1" y="connsiteY1"/>
+              </a:cxn>
+              <a:cxn ang="0">
+                <a:pos x="connsiteX2" y="connsiteY2"/>
+              </a:cxn>
+              <a:cxn ang="0">
+                <a:pos x="connsiteX3" y="connsiteY3"/>
+              </a:cxn>
+              <a:cxn ang="0">
+                <a:pos x="connsiteX4" y="connsiteY4"/>
+              </a:cxn>
+              <a:cxn ang="0">
+                <a:pos x="connsiteX5" y="connsiteY5"/>
+              </a:cxn>
+              <a:cxn ang="0">
+                <a:pos x="connsiteX6" y="connsiteY6"/>
+              </a:cxn>
+              <a:cxn ang="0">
+                <a:pos x="connsiteX7" y="connsiteY7"/>
+              </a:cxn>
+              <a:cxn ang="0">
+                <a:pos x="connsiteX8" y="connsiteY8"/>
+              </a:cxn>
+              <a:cxn ang="0">
+                <a:pos x="connsiteX9" y="connsiteY9"/>
+              </a:cxn>
+              <a:cxn ang="0">
+                <a:pos x="connsiteX10" y="connsiteY10"/>
+              </a:cxn>
+              <a:cxn ang="0">
+                <a:pos x="connsiteX11" y="connsiteY11"/>
+              </a:cxn>
+              <a:cxn ang="0">
+                <a:pos x="connsiteX12" y="connsiteY12"/>
+              </a:cxn>
+              <a:cxn ang="0">
+                <a:pos x="connsiteX13" y="connsiteY13"/>
+              </a:cxn>
+              <a:cxn ang="0">
+                <a:pos x="connsiteX14" y="connsiteY14"/>
+              </a:cxn>
+              <a:cxn ang="0">
+                <a:pos x="connsiteX15" y="connsiteY15"/>
+              </a:cxn>
+              <a:cxn ang="0">
+                <a:pos x="connsiteX16" y="connsiteY16"/>
+              </a:cxn>
+              <a:cxn ang="0">
+                <a:pos x="connsiteX17" y="connsiteY17"/>
+              </a:cxn>
+              <a:cxn ang="0">
+                <a:pos x="connsiteX18" y="connsiteY18"/>
+              </a:cxn>
+              <a:cxn ang="0">
+                <a:pos x="connsiteX19" y="connsiteY19"/>
+              </a:cxn>
+              <a:cxn ang="0">
+                <a:pos x="connsiteX20" y="connsiteY20"/>
+              </a:cxn>
+              <a:cxn ang="0">
+                <a:pos x="connsiteX21" y="connsiteY21"/>
+              </a:cxn>
+              <a:cxn ang="0">
+                <a:pos x="connsiteX22" y="connsiteY22"/>
+              </a:cxn>
+              <a:cxn ang="0">
+                <a:pos x="connsiteX23" y="connsiteY23"/>
+              </a:cxn>
+              <a:cxn ang="0">
+                <a:pos x="connsiteX24" y="connsiteY24"/>
+              </a:cxn>
+              <a:cxn ang="0">
+                <a:pos x="connsiteX25" y="connsiteY25"/>
+              </a:cxn>
+              <a:cxn ang="0">
+                <a:pos x="connsiteX26" y="connsiteY26"/>
+              </a:cxn>
+              <a:cxn ang="0">
+                <a:pos x="connsiteX27" y="connsiteY27"/>
+              </a:cxn>
+            </a:cxnLst>
+            <a:rect l="l" t="t" r="r" b="b"/>
+            <a:pathLst>
+              <a:path w="6336253" h="6858001">
+                <a:moveTo>
+                  <a:pt x="5721063" y="3536635"/>
+                </a:moveTo>
+                <a:cubicBezTo>
+                  <a:pt x="6002501" y="3536635"/>
+                  <a:pt x="6230651" y="3764785"/>
+                  <a:pt x="6230651" y="4046223"/>
+                </a:cubicBezTo>
+                <a:cubicBezTo>
+                  <a:pt x="6230651" y="4327661"/>
+                  <a:pt x="6002501" y="4555811"/>
+                  <a:pt x="5721063" y="4555811"/>
+                </a:cubicBezTo>
+                <a:cubicBezTo>
+                  <a:pt x="5439625" y="4555811"/>
+                  <a:pt x="5211475" y="4327661"/>
+                  <a:pt x="5211475" y="4046223"/>
+                </a:cubicBezTo>
+                <a:cubicBezTo>
+                  <a:pt x="5211475" y="3764785"/>
+                  <a:pt x="5439625" y="3536635"/>
+                  <a:pt x="5721063" y="3536635"/>
+                </a:cubicBezTo>
+                <a:close/>
+                <a:moveTo>
+                  <a:pt x="5456902" y="0"/>
+                </a:moveTo>
+                <a:lnTo>
+                  <a:pt x="6321710" y="0"/>
+                </a:lnTo>
+                <a:lnTo>
+                  <a:pt x="6332019" y="42969"/>
+                </a:lnTo>
+                <a:cubicBezTo>
+                  <a:pt x="6340015" y="100391"/>
+                  <a:pt x="6336884" y="160329"/>
+                  <a:pt x="6320934" y="219852"/>
+                </a:cubicBezTo>
+                <a:cubicBezTo>
+                  <a:pt x="6257137" y="457945"/>
+                  <a:pt x="6012407" y="599240"/>
+                  <a:pt x="5774313" y="535443"/>
+                </a:cubicBezTo>
+                <a:cubicBezTo>
+                  <a:pt x="5565982" y="479621"/>
+                  <a:pt x="5431761" y="285271"/>
+                  <a:pt x="5444200" y="78052"/>
+                </a:cubicBezTo>
+                <a:close/>
+                <a:moveTo>
+                  <a:pt x="609600" y="0"/>
+                </a:moveTo>
+                <a:lnTo>
+                  <a:pt x="1171409" y="0"/>
+                </a:lnTo>
+                <a:lnTo>
+                  <a:pt x="4838473" y="0"/>
+                </a:lnTo>
+                <a:lnTo>
+                  <a:pt x="4830349" y="184996"/>
+                </a:lnTo>
+                <a:cubicBezTo>
+                  <a:pt x="4828991" y="263520"/>
+                  <a:pt x="4829864" y="341910"/>
+                  <a:pt x="4833376" y="419995"/>
+                </a:cubicBezTo>
+                <a:cubicBezTo>
+                  <a:pt x="4846565" y="709488"/>
+                  <a:pt x="5075226" y="891535"/>
+                  <a:pt x="5281338" y="1068099"/>
+                </a:cubicBezTo>
+                <a:cubicBezTo>
+                  <a:pt x="5795128" y="1508061"/>
+                  <a:pt x="5969974" y="2032158"/>
+                  <a:pt x="5729205" y="2589405"/>
+                </a:cubicBezTo>
+                <a:cubicBezTo>
+                  <a:pt x="5635831" y="2805523"/>
+                  <a:pt x="5454276" y="2993264"/>
+                  <a:pt x="5283212" y="3164269"/>
+                </a:cubicBezTo>
+                <a:cubicBezTo>
+                  <a:pt x="4824418" y="3622744"/>
+                  <a:pt x="4843217" y="4154456"/>
+                  <a:pt x="5124820" y="4641255"/>
+                </a:cubicBezTo>
+                <a:cubicBezTo>
+                  <a:pt x="5325440" y="4986832"/>
+                  <a:pt x="5565996" y="5311556"/>
+                  <a:pt x="5736551" y="5670858"/>
+                </a:cubicBezTo>
+                <a:cubicBezTo>
+                  <a:pt x="5902602" y="6019042"/>
+                  <a:pt x="6001121" y="6366409"/>
+                  <a:pt x="6022123" y="6707670"/>
+                </a:cubicBezTo>
+                <a:lnTo>
+                  <a:pt x="6024496" y="6858000"/>
+                </a:lnTo>
+                <a:lnTo>
+                  <a:pt x="2242268" y="6858000"/>
+                </a:lnTo>
+                <a:lnTo>
+                  <a:pt x="2242268" y="6858001"/>
+                </a:lnTo>
+                <a:lnTo>
+                  <a:pt x="0" y="6858001"/>
+                </a:lnTo>
+                <a:lnTo>
+                  <a:pt x="0" y="1"/>
+                </a:lnTo>
+                <a:lnTo>
+                  <a:pt x="609600" y="1"/>
+                </a:lnTo>
+                <a:close/>
+              </a:path>
+            </a:pathLst>
+          </a:custGeom>
+          <a:solidFill>
+            <a:schemeClr val="bg1"/>
+          </a:solidFill>
+          <a:ln>
+            <a:noFill/>
+          </a:ln>
+        </p:spPr>
+        <p:style>
+          <a:lnRef idx="2">
+            <a:schemeClr val="accent1">
+              <a:shade val="50000"/>
+            </a:schemeClr>
+          </a:lnRef>
+          <a:fillRef idx="1">
+            <a:schemeClr val="accent1"/>
+          </a:fillRef>
+          <a:effectRef idx="0">
+            <a:schemeClr val="accent1"/>
+          </a:effectRef>
+          <a:fontRef idx="minor">
+            <a:schemeClr val="lt1"/>
+          </a:fontRef>
+        </p:style>
+        <p:txBody>
+          <a:bodyPr wrap="square" rtlCol="0" anchor="ctr">
+            <a:noAutofit/>
+          </a:bodyPr>
+          <a:lstStyle/>
+          <a:p>
+            <a:pPr algn="ctr"/>
+            <a:endParaRPr lang="en-US"/>
+          </a:p>
+        </p:txBody>
+      </p:sp>
+      <p:sp>
+        <p:nvSpPr>
+          <p:cNvPr id="3" name="Title 2">
+            <a:extLst>
+              <a:ext uri="{FF2B5EF4-FFF2-40B4-BE49-F238E27FC236}">
+                <a16:creationId xmlns:a16="http://schemas.microsoft.com/office/drawing/2014/main" id="{BD636149-1105-401E-B791-F0C177AC7571}"/>
+              </a:ext>
+            </a:extLst>
+          </p:cNvPr>
+          <p:cNvSpPr>
+            <a:spLocks noGrp="1"/>
+          </p:cNvSpPr>
+          <p:nvPr>
+            <p:ph type="title"/>
+          </p:nvPr>
+        </p:nvSpPr>
+        <p:spPr>
+          <a:xfrm>
+            <a:off x="6456458" y="552782"/>
+            <a:ext cx="5125941" cy="1936746"/>
+          </a:xfrm>
+        </p:spPr>
+        <p:txBody>
+          <a:bodyPr>
+            <a:normAutofit/>
+          </a:bodyPr>
+          <a:lstStyle/>
+          <a:p>
+            <a:r>
+              <a:rPr lang="en-US" dirty="0"/>
+              <a:t>Data Transformations</a:t>
+            </a:r>
+          </a:p>
+        </p:txBody>
+      </p:sp>
+      <p:sp>
+        <p:nvSpPr>
+          <p:cNvPr id="4" name="Content Placeholder 3">
+            <a:extLst>
+              <a:ext uri="{FF2B5EF4-FFF2-40B4-BE49-F238E27FC236}">
+                <a16:creationId xmlns:a16="http://schemas.microsoft.com/office/drawing/2014/main" id="{73FFE932-F633-4241-8000-3AE87506B50E}"/>
+              </a:ext>
+            </a:extLst>
+          </p:cNvPr>
+          <p:cNvSpPr>
+            <a:spLocks noGrp="1"/>
+          </p:cNvSpPr>
+          <p:nvPr>
+            <p:ph idx="1"/>
+          </p:nvPr>
+        </p:nvSpPr>
+        <p:spPr>
+          <a:xfrm>
+            <a:off x="6456458" y="2735229"/>
+            <a:ext cx="5125941" cy="3484596"/>
+          </a:xfrm>
+        </p:spPr>
+        <p:txBody>
+          <a:bodyPr numCol="1">
+            <a:normAutofit/>
+          </a:bodyPr>
+          <a:lstStyle/>
+          <a:p>
+            <a:pPr marL="457200" indent="-457200">
+              <a:buFont typeface="+mj-lt"/>
+              <a:buAutoNum type="arabicPeriod"/>
+            </a:pPr>
+            <a:r>
+              <a:rPr lang="en-US" dirty="0"/>
+              <a:t>Forward </a:t>
+            </a:r>
+          </a:p>
+          <a:p>
+            <a:pPr marL="457200" indent="-457200">
+              <a:buFont typeface="+mj-lt"/>
+              <a:buAutoNum type="arabicPeriod"/>
+            </a:pPr>
+            <a:r>
+              <a:rPr lang="en-US" dirty="0"/>
+              <a:t>Edit</a:t>
+            </a:r>
+          </a:p>
+          <a:p>
+            <a:pPr marL="457200" indent="-457200">
+              <a:buFont typeface="+mj-lt"/>
+              <a:buAutoNum type="arabicPeriod"/>
+            </a:pPr>
+            <a:r>
+              <a:rPr lang="en-US" dirty="0"/>
+              <a:t>Duplicate/Fork</a:t>
+            </a:r>
+            <a:endParaRPr lang="en-US" i="1" dirty="0"/>
+          </a:p>
+          <a:p>
+            <a:pPr marL="457200" indent="-457200">
+              <a:buFont typeface="+mj-lt"/>
+              <a:buAutoNum type="arabicPeriod"/>
+            </a:pPr>
+            <a:r>
+              <a:rPr lang="en-US" dirty="0"/>
+              <a:t>Drop</a:t>
+            </a:r>
+          </a:p>
+          <a:p>
+            <a:pPr marL="457200" indent="-457200">
+              <a:buFont typeface="+mj-lt"/>
+              <a:buAutoNum type="arabicPeriod"/>
+            </a:pPr>
+            <a:r>
+              <a:rPr lang="en-US" dirty="0"/>
+              <a:t>Merge</a:t>
+            </a:r>
+          </a:p>
+          <a:p>
+            <a:pPr marL="457200" indent="-457200">
+              <a:buFont typeface="+mj-lt"/>
+              <a:buAutoNum type="arabicPeriod"/>
+            </a:pPr>
+            <a:r>
+              <a:rPr lang="en-US" dirty="0"/>
+              <a:t>Creation (Time/Signal based)</a:t>
+            </a:r>
+          </a:p>
+          <a:p>
+            <a:pPr marL="457200" indent="-457200">
+              <a:buFont typeface="+mj-lt"/>
+              <a:buAutoNum type="arabicPeriod"/>
+            </a:pPr>
+            <a:r>
+              <a:rPr lang="en-US" dirty="0"/>
+              <a:t>Collect</a:t>
+            </a:r>
+            <a:endParaRPr lang="en-US" i="1" dirty="0"/>
+          </a:p>
+        </p:txBody>
+      </p:sp>
+      <p:pic>
+        <p:nvPicPr>
+          <p:cNvPr id="5" name="Picture 4">
+            <a:extLst>
+              <a:ext uri="{FF2B5EF4-FFF2-40B4-BE49-F238E27FC236}">
+                <a16:creationId xmlns:a16="http://schemas.microsoft.com/office/drawing/2014/main" id="{8EE6EEE9-61D7-4615-8AB4-891F9D94FEE8}"/>
+              </a:ext>
+            </a:extLst>
+          </p:cNvPr>
+          <p:cNvPicPr>
+            <a:picLocks noChangeAspect="1"/>
+          </p:cNvPicPr>
+          <p:nvPr/>
+        </p:nvPicPr>
+        <p:blipFill>
+          <a:blip r:embed="rId2"/>
+          <a:stretch>
+            <a:fillRect/>
+          </a:stretch>
+        </p:blipFill>
+        <p:spPr>
+          <a:xfrm>
+            <a:off x="103163" y="1563665"/>
+            <a:ext cx="5608320" cy="4656160"/>
+          </a:xfrm>
+          <a:prstGeom prst="rect">
+            <a:avLst/>
+          </a:prstGeom>
+        </p:spPr>
+      </p:pic>
+      <p:sp>
+        <p:nvSpPr>
+          <p:cNvPr id="6" name="Rectangle 5">
+            <a:extLst>
+              <a:ext uri="{FF2B5EF4-FFF2-40B4-BE49-F238E27FC236}">
+                <a16:creationId xmlns:a16="http://schemas.microsoft.com/office/drawing/2014/main" id="{95ABDC3B-5B51-4E24-AFF9-E7CFBC87BC67}"/>
+              </a:ext>
+            </a:extLst>
+          </p:cNvPr>
+          <p:cNvSpPr/>
+          <p:nvPr/>
+        </p:nvSpPr>
+        <p:spPr>
+          <a:xfrm>
+            <a:off x="1759240" y="1209722"/>
+            <a:ext cx="516487" cy="707886"/>
+          </a:xfrm>
+          <a:prstGeom prst="rect">
+            <a:avLst/>
+          </a:prstGeom>
+          <a:noFill/>
+        </p:spPr>
+        <p:txBody>
+          <a:bodyPr wrap="none" lIns="91440" tIns="45720" rIns="91440" bIns="45720">
+            <a:spAutoFit/>
+          </a:bodyPr>
+          <a:lstStyle/>
+          <a:p>
+            <a:pPr algn="ctr"/>
+            <a:r>
+              <a:rPr lang="en-US" sz="4000" b="1" cap="none" spc="0" dirty="0">
+                <a:ln w="12700">
+                  <a:solidFill>
+                    <a:schemeClr val="accent3">
+                      <a:lumMod val="50000"/>
+                    </a:schemeClr>
+                  </a:solidFill>
+                  <a:prstDash val="solid"/>
+                </a:ln>
+                <a:pattFill prst="narHorz">
+                  <a:fgClr>
+                    <a:schemeClr val="accent3"/>
+                  </a:fgClr>
+                  <a:bgClr>
+                    <a:schemeClr val="accent3">
+                      <a:lumMod val="40000"/>
+                      <a:lumOff val="60000"/>
+                    </a:schemeClr>
+                  </a:bgClr>
+                </a:pattFill>
+                <a:effectLst>
+                  <a:innerShdw blurRad="177800">
+                    <a:schemeClr val="accent3">
+                      <a:lumMod val="50000"/>
+                    </a:schemeClr>
+                  </a:innerShdw>
+                </a:effectLst>
+              </a:rPr>
+              <a:t>1</a:t>
+            </a:r>
+          </a:p>
+        </p:txBody>
+      </p:sp>
+      <p:sp>
+        <p:nvSpPr>
+          <p:cNvPr id="13" name="Rectangle 12">
+            <a:extLst>
+              <a:ext uri="{FF2B5EF4-FFF2-40B4-BE49-F238E27FC236}">
+                <a16:creationId xmlns:a16="http://schemas.microsoft.com/office/drawing/2014/main" id="{56E63937-A646-42C6-940E-2EF98C1D8483}"/>
+              </a:ext>
+            </a:extLst>
+          </p:cNvPr>
+          <p:cNvSpPr/>
+          <p:nvPr/>
+        </p:nvSpPr>
+        <p:spPr>
+          <a:xfrm>
+            <a:off x="3773517" y="1167212"/>
+            <a:ext cx="522900" cy="707886"/>
+          </a:xfrm>
+          <a:prstGeom prst="rect">
+            <a:avLst/>
+          </a:prstGeom>
+          <a:noFill/>
+        </p:spPr>
+        <p:txBody>
+          <a:bodyPr wrap="none" lIns="91440" tIns="45720" rIns="91440" bIns="45720">
+            <a:spAutoFit/>
+          </a:bodyPr>
+          <a:lstStyle/>
+          <a:p>
+            <a:pPr algn="ctr"/>
+            <a:r>
+              <a:rPr lang="en-US" sz="4000" b="1" spc="50" dirty="0">
+                <a:ln w="9525" cmpd="sng">
+                  <a:solidFill>
+                    <a:schemeClr val="accent1"/>
+                  </a:solidFill>
+                  <a:prstDash val="solid"/>
+                </a:ln>
+                <a:solidFill>
+                  <a:srgbClr val="70AD47">
+                    <a:tint val="1000"/>
+                  </a:srgbClr>
+                </a:solidFill>
+                <a:effectLst>
+                  <a:glow rad="38100">
+                    <a:schemeClr val="accent1">
+                      <a:alpha val="40000"/>
+                    </a:schemeClr>
+                  </a:glow>
+                </a:effectLst>
+              </a:rPr>
+              <a:t>2</a:t>
+            </a:r>
+          </a:p>
+        </p:txBody>
+      </p:sp>
+      <p:sp>
+        <p:nvSpPr>
+          <p:cNvPr id="15" name="Rectangle 14">
+            <a:extLst>
+              <a:ext uri="{FF2B5EF4-FFF2-40B4-BE49-F238E27FC236}">
+                <a16:creationId xmlns:a16="http://schemas.microsoft.com/office/drawing/2014/main" id="{4625EC13-A455-4DA7-AD76-EB54B3EB3D6D}"/>
+              </a:ext>
+            </a:extLst>
+          </p:cNvPr>
+          <p:cNvSpPr/>
+          <p:nvPr/>
+        </p:nvSpPr>
+        <p:spPr>
+          <a:xfrm>
+            <a:off x="924667" y="3183859"/>
+            <a:ext cx="516488" cy="707886"/>
+          </a:xfrm>
+          <a:prstGeom prst="rect">
+            <a:avLst/>
+          </a:prstGeom>
+          <a:noFill/>
+        </p:spPr>
+        <p:txBody>
+          <a:bodyPr wrap="none" lIns="91440" tIns="45720" rIns="91440" bIns="45720">
+            <a:spAutoFit/>
+          </a:bodyPr>
+          <a:lstStyle/>
+          <a:p>
+            <a:pPr algn="ctr"/>
+            <a:r>
+              <a:rPr lang="en-US" sz="4000" b="1" cap="none" spc="0" dirty="0">
+                <a:ln w="12700">
+                  <a:solidFill>
+                    <a:schemeClr val="accent3">
+                      <a:lumMod val="50000"/>
+                    </a:schemeClr>
+                  </a:solidFill>
+                  <a:prstDash val="solid"/>
+                </a:ln>
+                <a:pattFill prst="narHorz">
+                  <a:fgClr>
+                    <a:schemeClr val="accent3"/>
+                  </a:fgClr>
+                  <a:bgClr>
+                    <a:schemeClr val="accent3">
+                      <a:lumMod val="40000"/>
+                      <a:lumOff val="60000"/>
+                    </a:schemeClr>
+                  </a:bgClr>
+                </a:pattFill>
+                <a:effectLst>
+                  <a:innerShdw blurRad="177800">
+                    <a:schemeClr val="accent3">
+                      <a:lumMod val="50000"/>
+                    </a:schemeClr>
+                  </a:innerShdw>
+                </a:effectLst>
+              </a:rPr>
+              <a:t>3</a:t>
+            </a:r>
+          </a:p>
+        </p:txBody>
+      </p:sp>
+      <p:sp>
+        <p:nvSpPr>
+          <p:cNvPr id="16" name="Rectangle 15">
+            <a:extLst>
+              <a:ext uri="{FF2B5EF4-FFF2-40B4-BE49-F238E27FC236}">
+                <a16:creationId xmlns:a16="http://schemas.microsoft.com/office/drawing/2014/main" id="{B7DF7043-4CC6-4F9D-83E9-97C12EBCBAD8}"/>
+              </a:ext>
+            </a:extLst>
+          </p:cNvPr>
+          <p:cNvSpPr/>
+          <p:nvPr/>
+        </p:nvSpPr>
+        <p:spPr>
+          <a:xfrm>
+            <a:off x="924667" y="2299002"/>
+            <a:ext cx="516488" cy="707886"/>
+          </a:xfrm>
+          <a:prstGeom prst="rect">
+            <a:avLst/>
+          </a:prstGeom>
+          <a:noFill/>
+        </p:spPr>
+        <p:txBody>
+          <a:bodyPr wrap="none" lIns="91440" tIns="45720" rIns="91440" bIns="45720">
+            <a:spAutoFit/>
+          </a:bodyPr>
+          <a:lstStyle/>
+          <a:p>
+            <a:pPr algn="ctr"/>
+            <a:r>
+              <a:rPr lang="en-US" sz="4000" b="1" cap="none" spc="0" dirty="0">
+                <a:ln w="12700">
+                  <a:solidFill>
+                    <a:schemeClr val="accent3">
+                      <a:lumMod val="50000"/>
+                    </a:schemeClr>
+                  </a:solidFill>
+                  <a:prstDash val="solid"/>
+                </a:ln>
+                <a:pattFill prst="narHorz">
+                  <a:fgClr>
+                    <a:schemeClr val="accent3"/>
+                  </a:fgClr>
+                  <a:bgClr>
+                    <a:schemeClr val="accent3">
+                      <a:lumMod val="40000"/>
+                      <a:lumOff val="60000"/>
+                    </a:schemeClr>
+                  </a:bgClr>
+                </a:pattFill>
+                <a:effectLst>
+                  <a:innerShdw blurRad="177800">
+                    <a:schemeClr val="accent3">
+                      <a:lumMod val="50000"/>
+                    </a:schemeClr>
+                  </a:innerShdw>
+                </a:effectLst>
+              </a:rPr>
+              <a:t>4</a:t>
+            </a:r>
+          </a:p>
+        </p:txBody>
+      </p:sp>
+      <p:sp>
+        <p:nvSpPr>
+          <p:cNvPr id="17" name="Rectangle 16">
+            <a:extLst>
+              <a:ext uri="{FF2B5EF4-FFF2-40B4-BE49-F238E27FC236}">
+                <a16:creationId xmlns:a16="http://schemas.microsoft.com/office/drawing/2014/main" id="{AAB87446-42A7-428B-BD4B-B27F53D28679}"/>
+              </a:ext>
+            </a:extLst>
+          </p:cNvPr>
+          <p:cNvSpPr/>
+          <p:nvPr/>
+        </p:nvSpPr>
+        <p:spPr>
+          <a:xfrm>
+            <a:off x="3934441" y="4123584"/>
+            <a:ext cx="516488" cy="707886"/>
+          </a:xfrm>
+          <a:prstGeom prst="rect">
+            <a:avLst/>
+          </a:prstGeom>
+          <a:noFill/>
+        </p:spPr>
+        <p:txBody>
+          <a:bodyPr wrap="none" lIns="91440" tIns="45720" rIns="91440" bIns="45720">
+            <a:spAutoFit/>
+          </a:bodyPr>
+          <a:lstStyle/>
+          <a:p>
+            <a:pPr algn="ctr"/>
+            <a:r>
+              <a:rPr lang="en-US" sz="4000" b="1" cap="none" spc="0" dirty="0">
+                <a:ln w="12700">
+                  <a:solidFill>
+                    <a:schemeClr val="accent3">
+                      <a:lumMod val="50000"/>
+                    </a:schemeClr>
+                  </a:solidFill>
+                  <a:prstDash val="solid"/>
+                </a:ln>
+                <a:pattFill prst="narHorz">
+                  <a:fgClr>
+                    <a:schemeClr val="accent3"/>
+                  </a:fgClr>
+                  <a:bgClr>
+                    <a:schemeClr val="accent3">
+                      <a:lumMod val="40000"/>
+                      <a:lumOff val="60000"/>
+                    </a:schemeClr>
+                  </a:bgClr>
+                </a:pattFill>
+                <a:effectLst>
+                  <a:innerShdw blurRad="177800">
+                    <a:schemeClr val="accent3">
+                      <a:lumMod val="50000"/>
+                    </a:schemeClr>
+                  </a:innerShdw>
+                </a:effectLst>
+              </a:rPr>
+              <a:t>5</a:t>
+            </a:r>
+          </a:p>
+        </p:txBody>
+      </p:sp>
+      <p:sp>
+        <p:nvSpPr>
+          <p:cNvPr id="18" name="Rectangle 17">
+            <a:extLst>
+              <a:ext uri="{FF2B5EF4-FFF2-40B4-BE49-F238E27FC236}">
+                <a16:creationId xmlns:a16="http://schemas.microsoft.com/office/drawing/2014/main" id="{2023D7BF-89BD-437B-BB7C-952B1E85ACB0}"/>
+              </a:ext>
+            </a:extLst>
+          </p:cNvPr>
+          <p:cNvSpPr/>
+          <p:nvPr/>
+        </p:nvSpPr>
+        <p:spPr>
+          <a:xfrm>
+            <a:off x="3403436" y="2475973"/>
+            <a:ext cx="516488" cy="707886"/>
+          </a:xfrm>
+          <a:prstGeom prst="rect">
+            <a:avLst/>
+          </a:prstGeom>
+          <a:noFill/>
+        </p:spPr>
+        <p:txBody>
+          <a:bodyPr wrap="none" lIns="91440" tIns="45720" rIns="91440" bIns="45720">
+            <a:spAutoFit/>
+          </a:bodyPr>
+          <a:lstStyle/>
+          <a:p>
+            <a:pPr algn="ctr"/>
+            <a:r>
+              <a:rPr lang="en-US" sz="4000" b="1" cap="none" spc="0" dirty="0">
+                <a:ln w="12700">
+                  <a:solidFill>
+                    <a:schemeClr val="accent3">
+                      <a:lumMod val="50000"/>
+                    </a:schemeClr>
+                  </a:solidFill>
+                  <a:prstDash val="solid"/>
+                </a:ln>
+                <a:pattFill prst="narHorz">
+                  <a:fgClr>
+                    <a:schemeClr val="accent3"/>
+                  </a:fgClr>
+                  <a:bgClr>
+                    <a:schemeClr val="accent3">
+                      <a:lumMod val="40000"/>
+                      <a:lumOff val="60000"/>
+                    </a:schemeClr>
+                  </a:bgClr>
+                </a:pattFill>
+                <a:effectLst>
+                  <a:innerShdw blurRad="177800">
+                    <a:schemeClr val="accent3">
+                      <a:lumMod val="50000"/>
+                    </a:schemeClr>
+                  </a:innerShdw>
+                </a:effectLst>
+              </a:rPr>
+              <a:t>6</a:t>
+            </a:r>
+          </a:p>
+        </p:txBody>
+      </p:sp>
+      <p:sp>
+        <p:nvSpPr>
+          <p:cNvPr id="20" name="Rectangle 19">
+            <a:extLst>
+              <a:ext uri="{FF2B5EF4-FFF2-40B4-BE49-F238E27FC236}">
+                <a16:creationId xmlns:a16="http://schemas.microsoft.com/office/drawing/2014/main" id="{C902859C-F126-49A5-B435-0BBE352F6DD4}"/>
+              </a:ext>
+            </a:extLst>
+          </p:cNvPr>
+          <p:cNvSpPr/>
+          <p:nvPr/>
+        </p:nvSpPr>
+        <p:spPr>
+          <a:xfrm>
+            <a:off x="2390835" y="5294335"/>
+            <a:ext cx="516488" cy="707886"/>
+          </a:xfrm>
+          <a:prstGeom prst="rect">
+            <a:avLst/>
+          </a:prstGeom>
+          <a:noFill/>
+        </p:spPr>
+        <p:txBody>
+          <a:bodyPr wrap="none" lIns="91440" tIns="45720" rIns="91440" bIns="45720">
+            <a:spAutoFit/>
+          </a:bodyPr>
+          <a:lstStyle/>
+          <a:p>
+            <a:pPr algn="ctr"/>
+            <a:r>
+              <a:rPr lang="en-US" sz="4000" b="1" cap="none" spc="0" dirty="0">
+                <a:ln w="12700">
+                  <a:solidFill>
+                    <a:schemeClr val="accent3">
+                      <a:lumMod val="50000"/>
+                    </a:schemeClr>
+                  </a:solidFill>
+                  <a:prstDash val="solid"/>
+                </a:ln>
+                <a:pattFill prst="narHorz">
+                  <a:fgClr>
+                    <a:schemeClr val="accent3"/>
+                  </a:fgClr>
+                  <a:bgClr>
+                    <a:schemeClr val="accent3">
+                      <a:lumMod val="40000"/>
+                      <a:lumOff val="60000"/>
+                    </a:schemeClr>
+                  </a:bgClr>
+                </a:pattFill>
+                <a:effectLst>
+                  <a:innerShdw blurRad="177800">
+                    <a:schemeClr val="accent3">
+                      <a:lumMod val="50000"/>
+                    </a:schemeClr>
+                  </a:innerShdw>
+                </a:effectLst>
+              </a:rPr>
+              <a:t>6</a:t>
+            </a:r>
+          </a:p>
+        </p:txBody>
+      </p:sp>
+      <p:sp>
+        <p:nvSpPr>
+          <p:cNvPr id="22" name="Rectangle 21">
+            <a:extLst>
+              <a:ext uri="{FF2B5EF4-FFF2-40B4-BE49-F238E27FC236}">
+                <a16:creationId xmlns:a16="http://schemas.microsoft.com/office/drawing/2014/main" id="{B8F9C481-FEA0-4C0B-ADB4-3FC58C74061E}"/>
+              </a:ext>
+            </a:extLst>
+          </p:cNvPr>
+          <p:cNvSpPr/>
+          <p:nvPr/>
+        </p:nvSpPr>
+        <p:spPr>
+          <a:xfrm>
+            <a:off x="411508" y="1181539"/>
+            <a:ext cx="522900" cy="707886"/>
+          </a:xfrm>
+          <a:prstGeom prst="rect">
+            <a:avLst/>
+          </a:prstGeom>
+          <a:noFill/>
+        </p:spPr>
+        <p:txBody>
+          <a:bodyPr wrap="none" lIns="91440" tIns="45720" rIns="91440" bIns="45720">
+            <a:spAutoFit/>
+          </a:bodyPr>
+          <a:lstStyle/>
+          <a:p>
+            <a:pPr algn="ctr"/>
+            <a:r>
+              <a:rPr lang="en-US" sz="4000" b="1" spc="50" dirty="0">
+                <a:ln w="9525" cmpd="sng">
+                  <a:solidFill>
+                    <a:schemeClr val="accent1"/>
+                  </a:solidFill>
+                  <a:prstDash val="solid"/>
+                </a:ln>
+                <a:solidFill>
+                  <a:srgbClr val="70AD47">
+                    <a:tint val="1000"/>
+                  </a:srgbClr>
+                </a:solidFill>
+                <a:effectLst>
+                  <a:glow rad="38100">
+                    <a:schemeClr val="accent1">
+                      <a:alpha val="40000"/>
+                    </a:schemeClr>
+                  </a:glow>
+                </a:effectLst>
+              </a:rPr>
+              <a:t>7</a:t>
+            </a:r>
+          </a:p>
+        </p:txBody>
+      </p:sp>
+    </p:spTree>
+    <p:extLst>
+      <p:ext uri="{BB962C8B-B14F-4D97-AF65-F5344CB8AC3E}">
+        <p14:creationId xmlns:p14="http://schemas.microsoft.com/office/powerpoint/2010/main" val="995543080"/>
+      </p:ext>
+    </p:extLst>
+  </p:cSld>
+  <p:clrMapOvr>
+    <a:masterClrMapping/>
+  </p:clrMapOvr>
+</p:sld>
+</file>
+
+<file path=ppt/slides/slide22.xml><?xml version="1.0" encoding="utf-8"?>
+<p:sld xmlns:a="http://schemas.openxmlformats.org/drawingml/2006/main" xmlns:r="http://schemas.openxmlformats.org/officeDocument/2006/relationships" xmlns:p="http://schemas.openxmlformats.org/presentationml/2006/main">
+  <p:cSld>
+    <p:spTree>
+      <p:nvGrpSpPr>
+        <p:cNvPr id="1" name=""/>
+        <p:cNvGrpSpPr/>
+        <p:nvPr/>
+      </p:nvGrpSpPr>
+      <p:grpSpPr>
+        <a:xfrm>
+          <a:off x="0" y="0"/>
+          <a:ext cx="0" cy="0"/>
+          <a:chOff x="0" y="0"/>
+          <a:chExt cx="0" cy="0"/>
+        </a:xfrm>
+      </p:grpSpPr>
+      <p:sp>
+        <p:nvSpPr>
+          <p:cNvPr id="2" name="Title 1">
+            <a:extLst>
+              <a:ext uri="{FF2B5EF4-FFF2-40B4-BE49-F238E27FC236}">
+                <a16:creationId xmlns:a16="http://schemas.microsoft.com/office/drawing/2014/main" id="{531F8B0F-255E-495C-872C-6408AA751A0F}"/>
+              </a:ext>
+            </a:extLst>
+          </p:cNvPr>
+          <p:cNvSpPr>
+            <a:spLocks noGrp="1"/>
+          </p:cNvSpPr>
+          <p:nvPr>
+            <p:ph type="title"/>
+          </p:nvPr>
+        </p:nvSpPr>
+        <p:spPr/>
+        <p:txBody>
+          <a:bodyPr>
+            <a:normAutofit/>
+          </a:bodyPr>
+          <a:lstStyle/>
+          <a:p>
+            <a:r>
+              <a:rPr lang="en-US" sz="4000" dirty="0"/>
+              <a:t>Types Definition</a:t>
+            </a:r>
+          </a:p>
+        </p:txBody>
+      </p:sp>
+      <p:pic>
+        <p:nvPicPr>
+          <p:cNvPr id="6" name="Picture 5">
+            <a:extLst>
+              <a:ext uri="{FF2B5EF4-FFF2-40B4-BE49-F238E27FC236}">
+                <a16:creationId xmlns:a16="http://schemas.microsoft.com/office/drawing/2014/main" id="{26504DA4-A6F0-4908-A945-E03894F1E571}"/>
+              </a:ext>
+            </a:extLst>
+          </p:cNvPr>
+          <p:cNvPicPr>
+            <a:picLocks noChangeAspect="1"/>
+          </p:cNvPicPr>
+          <p:nvPr/>
+        </p:nvPicPr>
+        <p:blipFill>
+          <a:blip r:embed="rId2"/>
+          <a:stretch>
+            <a:fillRect/>
+          </a:stretch>
+        </p:blipFill>
+        <p:spPr>
+          <a:xfrm>
+            <a:off x="9525" y="3066521"/>
+            <a:ext cx="5906324" cy="3791479"/>
+          </a:xfrm>
+          <a:prstGeom prst="rect">
+            <a:avLst/>
+          </a:prstGeom>
+        </p:spPr>
+      </p:pic>
+      <p:pic>
+        <p:nvPicPr>
+          <p:cNvPr id="8" name="Picture 7">
+            <a:extLst>
+              <a:ext uri="{FF2B5EF4-FFF2-40B4-BE49-F238E27FC236}">
+                <a16:creationId xmlns:a16="http://schemas.microsoft.com/office/drawing/2014/main" id="{1180E34E-8787-48B9-AF54-9C30854AAC16}"/>
+              </a:ext>
+            </a:extLst>
+          </p:cNvPr>
+          <p:cNvPicPr>
+            <a:picLocks noChangeAspect="1"/>
+          </p:cNvPicPr>
+          <p:nvPr/>
+        </p:nvPicPr>
+        <p:blipFill>
+          <a:blip r:embed="rId3"/>
+          <a:stretch>
+            <a:fillRect/>
+          </a:stretch>
+        </p:blipFill>
+        <p:spPr>
+          <a:xfrm>
+            <a:off x="4597103" y="788448"/>
+            <a:ext cx="7594898" cy="2716752"/>
+          </a:xfrm>
+          <a:prstGeom prst="rect">
+            <a:avLst/>
+          </a:prstGeom>
+        </p:spPr>
+      </p:pic>
+      <p:pic>
+        <p:nvPicPr>
+          <p:cNvPr id="12" name="Picture 11">
+            <a:extLst>
+              <a:ext uri="{FF2B5EF4-FFF2-40B4-BE49-F238E27FC236}">
+                <a16:creationId xmlns:a16="http://schemas.microsoft.com/office/drawing/2014/main" id="{BDE83C17-E06C-43C0-A2F2-D7C8625DE104}"/>
+              </a:ext>
+            </a:extLst>
+          </p:cNvPr>
+          <p:cNvPicPr>
+            <a:picLocks noChangeAspect="1"/>
+          </p:cNvPicPr>
+          <p:nvPr/>
+        </p:nvPicPr>
+        <p:blipFill>
+          <a:blip r:embed="rId4"/>
+          <a:stretch>
+            <a:fillRect/>
+          </a:stretch>
+        </p:blipFill>
+        <p:spPr>
+          <a:xfrm>
+            <a:off x="7576911" y="4019372"/>
+            <a:ext cx="3248478" cy="2553056"/>
+          </a:xfrm>
+          <a:prstGeom prst="rect">
+            <a:avLst/>
+          </a:prstGeom>
+        </p:spPr>
+      </p:pic>
+    </p:spTree>
+    <p:extLst>
+      <p:ext uri="{BB962C8B-B14F-4D97-AF65-F5344CB8AC3E}">
+        <p14:creationId xmlns:p14="http://schemas.microsoft.com/office/powerpoint/2010/main" val="1972629271"/>
+      </p:ext>
+    </p:extLst>
+  </p:cSld>
+  <p:clrMapOvr>
+    <a:masterClrMapping/>
+  </p:clrMapOvr>
+  <p:timing>
+    <p:tnLst>
+      <p:par>
+        <p:cTn id="1" dur="indefinite" restart="never" nodeType="tmRoot">
+          <p:childTnLst>
+            <p:seq concurrent="1" nextAc="seek">
+              <p:cTn id="2" dur="indefinite" nodeType="mainSeq">
+                <p:childTnLst>
+                  <p:par>
+                    <p:cTn id="3" fill="hold">
+                      <p:stCondLst>
+                        <p:cond delay="indefinite"/>
+                      </p:stCondLst>
+                      <p:childTnLst>
+                        <p:par>
+                          <p:cTn id="4" fill="hold">
+                            <p:stCondLst>
+                              <p:cond delay="0"/>
+                            </p:stCondLst>
+                            <p:childTnLst>
+                              <p:par>
+                                <p:cTn id="5" presetID="10" presetClass="entr" presetSubtype="0" fill="hold" nodeType="clickEffect">
+                                  <p:stCondLst>
+                                    <p:cond delay="0"/>
+                                  </p:stCondLst>
+                                  <p:childTnLst>
+                                    <p:set>
+                                      <p:cBhvr>
+                                        <p:cTn id="6" dur="1" fill="hold">
+                                          <p:stCondLst>
+                                            <p:cond delay="0"/>
+                                          </p:stCondLst>
+                                        </p:cTn>
+                                        <p:tgtEl>
+                                          <p:spTgt spid="8"/>
+                                        </p:tgtEl>
+                                        <p:attrNameLst>
+                                          <p:attrName>style.visibility</p:attrName>
+                                        </p:attrNameLst>
+                                      </p:cBhvr>
+                                      <p:to>
+                                        <p:strVal val="visible"/>
+                                      </p:to>
+                                    </p:set>
+                                    <p:animEffect transition="in" filter="fade">
+                                      <p:cBhvr>
+                                        <p:cTn id="7" dur="500"/>
+                                        <p:tgtEl>
+                                          <p:spTgt spid="8"/>
+                                        </p:tgtEl>
+                                      </p:cBhvr>
+                                    </p:animEffect>
+                                  </p:childTnLst>
+                                </p:cTn>
+                              </p:par>
+                            </p:childTnLst>
+                          </p:cTn>
+                        </p:par>
+                      </p:childTnLst>
+                    </p:cTn>
+                  </p:par>
+                  <p:par>
+                    <p:cTn id="8" fill="hold">
+                      <p:stCondLst>
+                        <p:cond delay="indefinite"/>
+                      </p:stCondLst>
+                      <p:childTnLst>
+                        <p:par>
+                          <p:cTn id="9" fill="hold">
+                            <p:stCondLst>
+                              <p:cond delay="0"/>
+                            </p:stCondLst>
+                            <p:childTnLst>
+                              <p:par>
+                                <p:cTn id="10" presetID="10" presetClass="entr" presetSubtype="0" fill="hold" nodeType="clickEffect">
+                                  <p:stCondLst>
+                                    <p:cond delay="0"/>
+                                  </p:stCondLst>
+                                  <p:childTnLst>
+                                    <p:set>
+                                      <p:cBhvr>
+                                        <p:cTn id="11" dur="1" fill="hold">
+                                          <p:stCondLst>
+                                            <p:cond delay="0"/>
+                                          </p:stCondLst>
+                                        </p:cTn>
+                                        <p:tgtEl>
+                                          <p:spTgt spid="12"/>
+                                        </p:tgtEl>
+                                        <p:attrNameLst>
+                                          <p:attrName>style.visibility</p:attrName>
+                                        </p:attrNameLst>
+                                      </p:cBhvr>
+                                      <p:to>
+                                        <p:strVal val="visible"/>
+                                      </p:to>
+                                    </p:set>
+                                    <p:animEffect transition="in" filter="fade">
+                                      <p:cBhvr>
+                                        <p:cTn id="12" dur="500"/>
+                                        <p:tgtEl>
+                                          <p:spTgt spid="12"/>
+                                        </p:tgtEl>
+                                      </p:cBhvr>
+                                    </p:animEffect>
+                                  </p:childTnLst>
+                                </p:cTn>
+                              </p:par>
+                            </p:childTnLst>
+                          </p:cTn>
+                        </p:par>
+                      </p:childTnLst>
+                    </p:cTn>
+                  </p:par>
+                </p:childTnLst>
+              </p:cTn>
+              <p:prevCondLst>
+                <p:cond evt="onPrev" delay="0">
+                  <p:tgtEl>
+                    <p:sldTgt/>
+                  </p:tgtEl>
+                </p:cond>
+              </p:prevCondLst>
+              <p:nextCondLst>
+                <p:cond evt="onNext" delay="0">
+                  <p:tgtEl>
+                    <p:sldTgt/>
+                  </p:tgtEl>
+                </p:cond>
+              </p:nextCondLst>
+            </p:seq>
+          </p:childTnLst>
+        </p:cTn>
+      </p:par>
+    </p:tnLst>
+  </p:timing>
+</p:sld>
+</file>
+
 <file path=ppt/slides/slide3.xml><?xml version="1.0" encoding="utf-8"?>
-<p:sld xmlns:a="http://schemas.openxmlformats.org/drawingml/2006/main" xmlns:r="http://schemas.openxmlformats.org/officeDocument/2006/relationships" xmlns:p="http://schemas.openxmlformats.org/presentationml/2006/main">
+<p:sld xmlns:a="http://schemas.openxmlformats.org/drawingml/2006/main" xmlns:r="http://schemas.openxmlformats.org/officeDocument/2006/relationships" xmlns:p="http://schemas.openxmlformats.org/presentationml/2006/main" show="0">
   <p:cSld>
     <p:spTree>
       <p:nvGrpSpPr>
@@ -10174,7 +13025,7 @@
 </file>
 
 <file path=ppt/slides/slide4.xml><?xml version="1.0" encoding="utf-8"?>
-<p:sld xmlns:a="http://schemas.openxmlformats.org/drawingml/2006/main" xmlns:r="http://schemas.openxmlformats.org/officeDocument/2006/relationships" xmlns:p="http://schemas.openxmlformats.org/presentationml/2006/main">
+<p:sld xmlns:a="http://schemas.openxmlformats.org/drawingml/2006/main" xmlns:r="http://schemas.openxmlformats.org/officeDocument/2006/relationships" xmlns:p="http://schemas.openxmlformats.org/presentationml/2006/main" show="0">
   <p:cSld>
     <p:spTree>
       <p:nvGrpSpPr>
@@ -10283,7 +13134,7 @@
 </file>
 
 <file path=ppt/slides/slide5.xml><?xml version="1.0" encoding="utf-8"?>
-<p:sld xmlns:a="http://schemas.openxmlformats.org/drawingml/2006/main" xmlns:r="http://schemas.openxmlformats.org/officeDocument/2006/relationships" xmlns:p="http://schemas.openxmlformats.org/presentationml/2006/main">
+<p:sld xmlns:a="http://schemas.openxmlformats.org/drawingml/2006/main" xmlns:r="http://schemas.openxmlformats.org/officeDocument/2006/relationships" xmlns:p="http://schemas.openxmlformats.org/presentationml/2006/main" show="0">
   <p:cSld>
     <p:spTree>
       <p:nvGrpSpPr>
@@ -10924,7 +13775,7 @@
 </file>
 
 <file path=ppt/slides/slide6.xml><?xml version="1.0" encoding="utf-8"?>
-<p:sld xmlns:a="http://schemas.openxmlformats.org/drawingml/2006/main" xmlns:r="http://schemas.openxmlformats.org/officeDocument/2006/relationships" xmlns:p="http://schemas.openxmlformats.org/presentationml/2006/main">
+<p:sld xmlns:a="http://schemas.openxmlformats.org/drawingml/2006/main" xmlns:r="http://schemas.openxmlformats.org/officeDocument/2006/relationships" xmlns:p="http://schemas.openxmlformats.org/presentationml/2006/main" show="0">
   <p:cSld>
     <p:spTree>
       <p:nvGrpSpPr>
@@ -12135,64 +14986,10 @@
       </p:grpSpPr>
       <p:sp>
         <p:nvSpPr>
-          <p:cNvPr id="10" name="!!s1b">
-            <a:extLst>
-              <a:ext uri="{FF2B5EF4-FFF2-40B4-BE49-F238E27FC236}">
-                <a16:creationId xmlns:a16="http://schemas.microsoft.com/office/drawing/2014/main" id="{98CC0FDF-032D-4D65-A528-5863D0E0BFD7}"/>
-              </a:ext>
-            </a:extLst>
-          </p:cNvPr>
-          <p:cNvSpPr/>
-          <p:nvPr/>
-        </p:nvSpPr>
-        <p:spPr>
-          <a:xfrm>
-            <a:off x="6900162" y="3602964"/>
-            <a:ext cx="225380" cy="408904"/>
-          </a:xfrm>
-          <a:prstGeom prst="rect">
-            <a:avLst/>
-          </a:prstGeom>
-          <a:solidFill>
-            <a:schemeClr val="bg1"/>
-          </a:solidFill>
-          <a:ln w="38100">
-            <a:solidFill>
-              <a:srgbClr val="E69500"/>
-            </a:solidFill>
-          </a:ln>
-        </p:spPr>
-        <p:style>
-          <a:lnRef idx="2">
-            <a:schemeClr val="accent1">
-              <a:shade val="50000"/>
-            </a:schemeClr>
-          </a:lnRef>
-          <a:fillRef idx="1">
-            <a:schemeClr val="accent1"/>
-          </a:fillRef>
-          <a:effectRef idx="0">
-            <a:schemeClr val="accent1"/>
-          </a:effectRef>
-          <a:fontRef idx="minor">
-            <a:schemeClr val="lt1"/>
-          </a:fontRef>
-        </p:style>
-        <p:txBody>
-          <a:bodyPr rtlCol="0" anchor="ctr"/>
-          <a:lstStyle/>
-          <a:p>
-            <a:pPr algn="ctr"/>
-            <a:endParaRPr lang="en-US"/>
-          </a:p>
-        </p:txBody>
-      </p:sp>
-      <p:sp>
-        <p:nvSpPr>
           <p:cNvPr id="2" name="Title 1">
             <a:extLst>
               <a:ext uri="{FF2B5EF4-FFF2-40B4-BE49-F238E27FC236}">
-                <a16:creationId xmlns:a16="http://schemas.microsoft.com/office/drawing/2014/main" id="{F35E7FA5-D38D-4528-95E6-AAD9DA2D2ACA}"/>
+                <a16:creationId xmlns:a16="http://schemas.microsoft.com/office/drawing/2014/main" id="{73BBD010-B5CA-4E57-BDE2-E32BF0C741D4}"/>
               </a:ext>
             </a:extLst>
           </p:cNvPr>
@@ -12208,758 +15005,145 @@
           <a:bodyPr/>
           <a:lstStyle/>
           <a:p>
-            <a:endParaRPr lang="en-US"/>
-          </a:p>
-        </p:txBody>
-      </p:sp>
-      <p:sp>
-        <p:nvSpPr>
-          <p:cNvPr id="7" name="!!s1">
-            <a:extLst>
-              <a:ext uri="{FF2B5EF4-FFF2-40B4-BE49-F238E27FC236}">
-                <a16:creationId xmlns:a16="http://schemas.microsoft.com/office/drawing/2014/main" id="{BB749C50-622C-4C68-82C3-2C0487DADA78}"/>
-              </a:ext>
-            </a:extLst>
-          </p:cNvPr>
-          <p:cNvSpPr/>
+            <a:r>
+              <a:rPr lang="en-US" dirty="0"/>
+              <a:t>Semantic for splitting/merging pins</a:t>
+            </a:r>
+          </a:p>
+        </p:txBody>
+      </p:sp>
+      <p:sp>
+        <p:nvSpPr>
+          <p:cNvPr id="3" name="Content Placeholder 2">
+            <a:extLst>
+              <a:ext uri="{FF2B5EF4-FFF2-40B4-BE49-F238E27FC236}">
+                <a16:creationId xmlns:a16="http://schemas.microsoft.com/office/drawing/2014/main" id="{BD5B4784-5051-402A-8543-863D94F3C25D}"/>
+              </a:ext>
+            </a:extLst>
+          </p:cNvPr>
+          <p:cNvSpPr>
+            <a:spLocks noGrp="1"/>
+          </p:cNvSpPr>
+          <p:nvPr>
+            <p:ph idx="1"/>
+          </p:nvPr>
+        </p:nvSpPr>
+        <p:spPr/>
+        <p:txBody>
+          <a:bodyPr anchor="ctr"/>
+          <a:lstStyle/>
+          <a:p>
+            <a:pPr marL="342900" indent="-342900">
+              <a:buFont typeface="Arial" panose="020B0604020202020204" pitchFamily="34" charset="0"/>
+              <a:buChar char="•"/>
+            </a:pPr>
+            <a:r>
+              <a:rPr lang="en-US" dirty="0"/>
+              <a:t>FCFS (simple PN Place)</a:t>
+            </a:r>
+          </a:p>
+          <a:p>
+            <a:pPr marL="342900" indent="-342900">
+              <a:buFont typeface="Arial" panose="020B0604020202020204" pitchFamily="34" charset="0"/>
+              <a:buChar char="•"/>
+            </a:pPr>
+            <a:r>
+              <a:rPr lang="en-US" dirty="0"/>
+              <a:t>Duplicate (output)</a:t>
+            </a:r>
+          </a:p>
+          <a:p>
+            <a:pPr marL="342900" indent="-342900">
+              <a:buFont typeface="Arial" panose="020B0604020202020204" pitchFamily="34" charset="0"/>
+              <a:buChar char="•"/>
+            </a:pPr>
+            <a:r>
+              <a:rPr lang="en-US" dirty="0"/>
+              <a:t>Merge (input)</a:t>
+            </a:r>
+          </a:p>
+          <a:p>
+            <a:pPr marL="342900" indent="-342900">
+              <a:buFont typeface="Arial" panose="020B0604020202020204" pitchFamily="34" charset="0"/>
+              <a:buChar char="•"/>
+            </a:pPr>
+            <a:r>
+              <a:rPr lang="en-US" dirty="0"/>
+              <a:t>Merge &amp; Duplicate (input and output)</a:t>
+            </a:r>
+          </a:p>
+        </p:txBody>
+      </p:sp>
+      <p:pic>
+        <p:nvPicPr>
+          <p:cNvPr id="5" name="Picture 4">
+            <a:extLst>
+              <a:ext uri="{FF2B5EF4-FFF2-40B4-BE49-F238E27FC236}">
+                <a16:creationId xmlns:a16="http://schemas.microsoft.com/office/drawing/2014/main" id="{DBAE1345-3D73-4424-8851-CDAE9F2266AC}"/>
+              </a:ext>
+            </a:extLst>
+          </p:cNvPr>
+          <p:cNvPicPr>
+            <a:picLocks noChangeAspect="1"/>
+          </p:cNvPicPr>
           <p:nvPr/>
-        </p:nvSpPr>
-        <p:spPr>
-          <a:xfrm>
-            <a:off x="5992201" y="3602964"/>
-            <a:ext cx="408904" cy="408904"/>
-          </a:xfrm>
-          <a:prstGeom prst="ellipse">
-            <a:avLst/>
-          </a:prstGeom>
-          <a:solidFill>
-            <a:schemeClr val="bg1"/>
-          </a:solidFill>
-          <a:ln w="38100">
-            <a:solidFill>
-              <a:srgbClr val="E69500"/>
-            </a:solidFill>
-          </a:ln>
-        </p:spPr>
-        <p:style>
-          <a:lnRef idx="2">
-            <a:schemeClr val="accent1">
-              <a:shade val="50000"/>
-            </a:schemeClr>
-          </a:lnRef>
-          <a:fillRef idx="1">
-            <a:schemeClr val="accent1"/>
-          </a:fillRef>
-          <a:effectRef idx="0">
-            <a:schemeClr val="accent1"/>
-          </a:effectRef>
-          <a:fontRef idx="minor">
-            <a:schemeClr val="lt1"/>
-          </a:fontRef>
-        </p:style>
-        <p:txBody>
-          <a:bodyPr rtlCol="0" anchor="ctr"/>
-          <a:lstStyle/>
-          <a:p>
-            <a:pPr algn="ctr"/>
-            <a:endParaRPr lang="en-US"/>
-          </a:p>
-        </p:txBody>
-      </p:sp>
-      <p:sp>
-        <p:nvSpPr>
-          <p:cNvPr id="8" name="!!s1a">
-            <a:extLst>
-              <a:ext uri="{FF2B5EF4-FFF2-40B4-BE49-F238E27FC236}">
-                <a16:creationId xmlns:a16="http://schemas.microsoft.com/office/drawing/2014/main" id="{31A077AC-B90C-4AB1-BB8B-7C3259645A18}"/>
-              </a:ext>
-            </a:extLst>
-          </p:cNvPr>
-          <p:cNvSpPr/>
-          <p:nvPr/>
-        </p:nvSpPr>
-        <p:spPr>
-          <a:xfrm>
-            <a:off x="5379608" y="3602965"/>
-            <a:ext cx="113536" cy="408904"/>
+        </p:nvPicPr>
+        <p:blipFill>
+          <a:blip r:embed="rId2"/>
+          <a:stretch>
+            <a:fillRect/>
+          </a:stretch>
+        </p:blipFill>
+        <p:spPr>
+          <a:xfrm>
+            <a:off x="6457071" y="1922816"/>
+            <a:ext cx="5125329" cy="4410594"/>
           </a:xfrm>
           <a:prstGeom prst="rect">
             <a:avLst/>
           </a:prstGeom>
-          <a:solidFill>
-            <a:srgbClr val="E69500"/>
-          </a:solidFill>
-          <a:ln>
-            <a:solidFill>
-              <a:srgbClr val="A96C00"/>
-            </a:solidFill>
-          </a:ln>
-        </p:spPr>
-        <p:style>
-          <a:lnRef idx="2">
-            <a:schemeClr val="accent1">
-              <a:shade val="50000"/>
-            </a:schemeClr>
-          </a:lnRef>
-          <a:fillRef idx="1">
-            <a:schemeClr val="accent1"/>
-          </a:fillRef>
-          <a:effectRef idx="0">
-            <a:schemeClr val="accent1"/>
-          </a:effectRef>
-          <a:fontRef idx="minor">
-            <a:schemeClr val="lt1"/>
-          </a:fontRef>
-        </p:style>
-        <p:txBody>
-          <a:bodyPr rtlCol="0" anchor="ctr"/>
-          <a:lstStyle/>
-          <a:p>
-            <a:pPr algn="ctr"/>
-            <a:endParaRPr lang="en-US" dirty="0"/>
-          </a:p>
-        </p:txBody>
-      </p:sp>
-      <p:cxnSp>
-        <p:nvCxnSpPr>
-          <p:cNvPr id="13" name="!!s1">
-            <a:extLst>
-              <a:ext uri="{FF2B5EF4-FFF2-40B4-BE49-F238E27FC236}">
-                <a16:creationId xmlns:a16="http://schemas.microsoft.com/office/drawing/2014/main" id="{BDE36FC5-A906-4FDE-B294-5FDF461B018F}"/>
-              </a:ext>
-            </a:extLst>
-          </p:cNvPr>
-          <p:cNvCxnSpPr>
-            <a:cxnSpLocks/>
-            <a:stCxn id="8" idx="3"/>
-            <a:endCxn id="7" idx="2"/>
-          </p:cNvCxnSpPr>
+        </p:spPr>
+      </p:pic>
+      <p:pic>
+        <p:nvPicPr>
+          <p:cNvPr id="7" name="Picture 6">
+            <a:extLst>
+              <a:ext uri="{FF2B5EF4-FFF2-40B4-BE49-F238E27FC236}">
+                <a16:creationId xmlns:a16="http://schemas.microsoft.com/office/drawing/2014/main" id="{D4174284-A877-4B52-8866-87BC69231624}"/>
+              </a:ext>
+            </a:extLst>
+          </p:cNvPr>
+          <p:cNvPicPr>
+            <a:picLocks noChangeAspect="1"/>
+          </p:cNvPicPr>
           <p:nvPr/>
-        </p:nvCxnSpPr>
-        <p:spPr>
-          <a:xfrm flipV="1">
-            <a:off x="5493144" y="3807416"/>
-            <a:ext cx="499057" cy="1"/>
-          </a:xfrm>
-          <a:prstGeom prst="straightConnector1">
-            <a:avLst/>
-          </a:prstGeom>
-          <a:ln>
-            <a:tailEnd type="triangle"/>
-          </a:ln>
-        </p:spPr>
-        <p:style>
-          <a:lnRef idx="3">
-            <a:schemeClr val="dk1"/>
-          </a:lnRef>
-          <a:fillRef idx="0">
-            <a:schemeClr val="dk1"/>
-          </a:fillRef>
-          <a:effectRef idx="2">
-            <a:schemeClr val="dk1"/>
-          </a:effectRef>
-          <a:fontRef idx="minor">
-            <a:schemeClr val="tx1"/>
-          </a:fontRef>
-        </p:style>
-      </p:cxnSp>
-      <p:cxnSp>
-        <p:nvCxnSpPr>
-          <p:cNvPr id="14" name="!!s1">
-            <a:extLst>
-              <a:ext uri="{FF2B5EF4-FFF2-40B4-BE49-F238E27FC236}">
-                <a16:creationId xmlns:a16="http://schemas.microsoft.com/office/drawing/2014/main" id="{CFB861F2-7F5A-43C9-8388-D3ADAD58BBC7}"/>
-              </a:ext>
-            </a:extLst>
-          </p:cNvPr>
-          <p:cNvCxnSpPr>
-            <a:cxnSpLocks/>
-            <a:stCxn id="7" idx="6"/>
-            <a:endCxn id="10" idx="1"/>
-          </p:cNvCxnSpPr>
-          <p:nvPr/>
-        </p:nvCxnSpPr>
-        <p:spPr>
-          <a:xfrm>
-            <a:off x="6401105" y="3807416"/>
-            <a:ext cx="499057" cy="0"/>
-          </a:xfrm>
-          <a:prstGeom prst="straightConnector1">
-            <a:avLst/>
-          </a:prstGeom>
-          <a:ln>
-            <a:tailEnd type="triangle"/>
-          </a:ln>
-        </p:spPr>
-        <p:style>
-          <a:lnRef idx="3">
-            <a:schemeClr val="dk1"/>
-          </a:lnRef>
-          <a:fillRef idx="0">
-            <a:schemeClr val="dk1"/>
-          </a:fillRef>
-          <a:effectRef idx="2">
-            <a:schemeClr val="dk1"/>
-          </a:effectRef>
-          <a:fontRef idx="minor">
-            <a:schemeClr val="tx1"/>
-          </a:fontRef>
-        </p:style>
-      </p:cxnSp>
-      <p:sp>
-        <p:nvSpPr>
-          <p:cNvPr id="27" name="!!text">
-            <a:extLst>
-              <a:ext uri="{FF2B5EF4-FFF2-40B4-BE49-F238E27FC236}">
-                <a16:creationId xmlns:a16="http://schemas.microsoft.com/office/drawing/2014/main" id="{ED4B6439-1057-4737-9272-6B1719435C43}"/>
-              </a:ext>
-            </a:extLst>
-          </p:cNvPr>
-          <p:cNvSpPr/>
-          <p:nvPr/>
-        </p:nvSpPr>
-        <p:spPr>
-          <a:xfrm>
-            <a:off x="830581" y="3307732"/>
-            <a:ext cx="2892138" cy="1754326"/>
+        </p:nvPicPr>
+        <p:blipFill>
+          <a:blip r:embed="rId3"/>
+          <a:stretch>
+            <a:fillRect/>
+          </a:stretch>
+        </p:blipFill>
+        <p:spPr>
+          <a:xfrm>
+            <a:off x="0" y="6448842"/>
+            <a:ext cx="9704702" cy="409158"/>
           </a:xfrm>
           <a:prstGeom prst="rect">
             <a:avLst/>
           </a:prstGeom>
-          <a:noFill/>
-        </p:spPr>
-        <p:txBody>
-          <a:bodyPr wrap="none" lIns="91440" tIns="45720" rIns="91440" bIns="45720">
-            <a:spAutoFit/>
-          </a:bodyPr>
-          <a:lstStyle/>
-          <a:p>
-            <a:pPr algn="ctr"/>
-            <a:r>
-              <a:rPr lang="en-US" sz="5400" b="0" cap="none" spc="0" dirty="0">
-                <a:ln w="0"/>
-                <a:solidFill>
-                  <a:schemeClr val="accent1"/>
-                </a:solidFill>
-                <a:effectLst>
-                  <a:outerShdw blurRad="38100" dist="25400" dir="5400000" algn="ctr" rotWithShape="0">
-                    <a:srgbClr val="6E747A">
-                      <a:alpha val="43000"/>
-                    </a:srgbClr>
-                  </a:outerShdw>
-                </a:effectLst>
-              </a:rPr>
-              <a:t>Colored</a:t>
-            </a:r>
-          </a:p>
-          <a:p>
-            <a:pPr algn="ctr"/>
-            <a:r>
-              <a:rPr lang="en-US" sz="5400" b="0" cap="none" spc="0" dirty="0">
-                <a:ln w="0"/>
-                <a:solidFill>
-                  <a:schemeClr val="accent1"/>
-                </a:solidFill>
-                <a:effectLst>
-                  <a:outerShdw blurRad="38100" dist="25400" dir="5400000" algn="ctr" rotWithShape="0">
-                    <a:srgbClr val="6E747A">
-                      <a:alpha val="43000"/>
-                    </a:srgbClr>
-                  </a:outerShdw>
-                </a:effectLst>
-              </a:rPr>
-              <a:t>Petri Net</a:t>
-            </a:r>
-          </a:p>
-        </p:txBody>
-      </p:sp>
-      <p:sp>
-        <p:nvSpPr>
-          <p:cNvPr id="36" name="!!in1">
-            <a:extLst>
-              <a:ext uri="{FF2B5EF4-FFF2-40B4-BE49-F238E27FC236}">
-                <a16:creationId xmlns:a16="http://schemas.microsoft.com/office/drawing/2014/main" id="{FC5B6D34-4E25-4034-9ACE-178D21EE1F7B}"/>
-              </a:ext>
-            </a:extLst>
-          </p:cNvPr>
-          <p:cNvSpPr/>
-          <p:nvPr/>
-        </p:nvSpPr>
-        <p:spPr>
-          <a:xfrm>
-            <a:off x="4649821" y="3224548"/>
-            <a:ext cx="408904" cy="408904"/>
-          </a:xfrm>
-          <a:prstGeom prst="ellipse">
-            <a:avLst/>
-          </a:prstGeom>
-          <a:solidFill>
-            <a:schemeClr val="bg1"/>
-          </a:solidFill>
-          <a:ln w="38100">
-            <a:solidFill>
-              <a:schemeClr val="tx1"/>
-            </a:solidFill>
-          </a:ln>
-        </p:spPr>
-        <p:style>
-          <a:lnRef idx="2">
-            <a:schemeClr val="accent1">
-              <a:shade val="50000"/>
-            </a:schemeClr>
-          </a:lnRef>
-          <a:fillRef idx="1">
-            <a:schemeClr val="accent1"/>
-          </a:fillRef>
-          <a:effectRef idx="0">
-            <a:schemeClr val="accent1"/>
-          </a:effectRef>
-          <a:fontRef idx="minor">
-            <a:schemeClr val="lt1"/>
-          </a:fontRef>
-        </p:style>
-        <p:txBody>
-          <a:bodyPr rtlCol="0" anchor="ctr"/>
-          <a:lstStyle/>
-          <a:p>
-            <a:pPr algn="ctr"/>
-            <a:endParaRPr lang="en-US"/>
-          </a:p>
-        </p:txBody>
-      </p:sp>
-      <p:sp>
-        <p:nvSpPr>
-          <p:cNvPr id="37" name="!!in2">
-            <a:extLst>
-              <a:ext uri="{FF2B5EF4-FFF2-40B4-BE49-F238E27FC236}">
-                <a16:creationId xmlns:a16="http://schemas.microsoft.com/office/drawing/2014/main" id="{49CE31FF-0128-4E53-AF67-3BAFB34BAF2D}"/>
-              </a:ext>
-            </a:extLst>
-          </p:cNvPr>
-          <p:cNvSpPr/>
-          <p:nvPr/>
-        </p:nvSpPr>
-        <p:spPr>
-          <a:xfrm>
-            <a:off x="4666441" y="4031748"/>
-            <a:ext cx="408904" cy="408904"/>
-          </a:xfrm>
-          <a:prstGeom prst="ellipse">
-            <a:avLst/>
-          </a:prstGeom>
-          <a:solidFill>
-            <a:schemeClr val="bg1"/>
-          </a:solidFill>
-          <a:ln w="38100">
-            <a:solidFill>
-              <a:schemeClr val="tx1"/>
-            </a:solidFill>
-          </a:ln>
-        </p:spPr>
-        <p:style>
-          <a:lnRef idx="2">
-            <a:schemeClr val="accent1">
-              <a:shade val="50000"/>
-            </a:schemeClr>
-          </a:lnRef>
-          <a:fillRef idx="1">
-            <a:schemeClr val="accent1"/>
-          </a:fillRef>
-          <a:effectRef idx="0">
-            <a:schemeClr val="accent1"/>
-          </a:effectRef>
-          <a:fontRef idx="minor">
-            <a:schemeClr val="lt1"/>
-          </a:fontRef>
-        </p:style>
-        <p:txBody>
-          <a:bodyPr rtlCol="0" anchor="ctr"/>
-          <a:lstStyle/>
-          <a:p>
-            <a:pPr algn="ctr"/>
-            <a:endParaRPr lang="en-US"/>
-          </a:p>
-        </p:txBody>
-      </p:sp>
-      <p:cxnSp>
-        <p:nvCxnSpPr>
-          <p:cNvPr id="39" name="Straight Arrow Connector 38">
-            <a:extLst>
-              <a:ext uri="{FF2B5EF4-FFF2-40B4-BE49-F238E27FC236}">
-                <a16:creationId xmlns:a16="http://schemas.microsoft.com/office/drawing/2014/main" id="{B96935BB-DFEC-4236-9F1A-89107A43F8F4}"/>
-              </a:ext>
-            </a:extLst>
-          </p:cNvPr>
-          <p:cNvCxnSpPr>
-            <a:stCxn id="36" idx="6"/>
-            <a:endCxn id="8" idx="1"/>
-          </p:cNvCxnSpPr>
-          <p:nvPr/>
-        </p:nvCxnSpPr>
-        <p:spPr>
-          <a:xfrm>
-            <a:off x="5058725" y="3429000"/>
-            <a:ext cx="320883" cy="378417"/>
-          </a:xfrm>
-          <a:prstGeom prst="straightConnector1">
-            <a:avLst/>
-          </a:prstGeom>
-          <a:ln>
-            <a:tailEnd type="triangle"/>
-          </a:ln>
-        </p:spPr>
-        <p:style>
-          <a:lnRef idx="3">
-            <a:schemeClr val="dk1"/>
-          </a:lnRef>
-          <a:fillRef idx="0">
-            <a:schemeClr val="dk1"/>
-          </a:fillRef>
-          <a:effectRef idx="2">
-            <a:schemeClr val="dk1"/>
-          </a:effectRef>
-          <a:fontRef idx="minor">
-            <a:schemeClr val="tx1"/>
-          </a:fontRef>
-        </p:style>
-      </p:cxnSp>
-      <p:cxnSp>
-        <p:nvCxnSpPr>
-          <p:cNvPr id="41" name="Straight Arrow Connector 40">
-            <a:extLst>
-              <a:ext uri="{FF2B5EF4-FFF2-40B4-BE49-F238E27FC236}">
-                <a16:creationId xmlns:a16="http://schemas.microsoft.com/office/drawing/2014/main" id="{5B621BCD-770B-43DE-9BBA-466401CA2DBE}"/>
-              </a:ext>
-            </a:extLst>
-          </p:cNvPr>
-          <p:cNvCxnSpPr>
-            <a:stCxn id="37" idx="6"/>
-            <a:endCxn id="8" idx="1"/>
-          </p:cNvCxnSpPr>
-          <p:nvPr/>
-        </p:nvCxnSpPr>
-        <p:spPr>
-          <a:xfrm flipV="1">
-            <a:off x="5075345" y="3807417"/>
-            <a:ext cx="304263" cy="428783"/>
-          </a:xfrm>
-          <a:prstGeom prst="straightConnector1">
-            <a:avLst/>
-          </a:prstGeom>
-          <a:ln>
-            <a:tailEnd type="triangle"/>
-          </a:ln>
-        </p:spPr>
-        <p:style>
-          <a:lnRef idx="3">
-            <a:schemeClr val="dk1"/>
-          </a:lnRef>
-          <a:fillRef idx="0">
-            <a:schemeClr val="dk1"/>
-          </a:fillRef>
-          <a:effectRef idx="2">
-            <a:schemeClr val="dk1"/>
-          </a:effectRef>
-          <a:fontRef idx="minor">
-            <a:schemeClr val="tx1"/>
-          </a:fontRef>
-        </p:style>
-      </p:cxnSp>
-      <p:sp>
-        <p:nvSpPr>
-          <p:cNvPr id="22" name="!!o1">
-            <a:extLst>
-              <a:ext uri="{FF2B5EF4-FFF2-40B4-BE49-F238E27FC236}">
-                <a16:creationId xmlns:a16="http://schemas.microsoft.com/office/drawing/2014/main" id="{6F590E24-11E6-439C-BCB3-B7A53C8DD12A}"/>
-              </a:ext>
-            </a:extLst>
-          </p:cNvPr>
-          <p:cNvSpPr/>
-          <p:nvPr/>
-        </p:nvSpPr>
-        <p:spPr>
-          <a:xfrm>
-            <a:off x="7617924" y="3103280"/>
-            <a:ext cx="408904" cy="408904"/>
-          </a:xfrm>
-          <a:prstGeom prst="ellipse">
-            <a:avLst/>
-          </a:prstGeom>
-          <a:solidFill>
-            <a:schemeClr val="bg1">
-              <a:lumMod val="75000"/>
-            </a:schemeClr>
-          </a:solidFill>
-        </p:spPr>
-        <p:style>
-          <a:lnRef idx="1">
-            <a:schemeClr val="dk1"/>
-          </a:lnRef>
-          <a:fillRef idx="2">
-            <a:schemeClr val="dk1"/>
-          </a:fillRef>
-          <a:effectRef idx="1">
-            <a:schemeClr val="dk1"/>
-          </a:effectRef>
-          <a:fontRef idx="minor">
-            <a:schemeClr val="dk1"/>
-          </a:fontRef>
-        </p:style>
-        <p:txBody>
-          <a:bodyPr rtlCol="0" anchor="ctr"/>
-          <a:lstStyle/>
-          <a:p>
-            <a:pPr algn="ctr"/>
-            <a:endParaRPr lang="en-US"/>
-          </a:p>
-        </p:txBody>
-      </p:sp>
-      <p:cxnSp>
-        <p:nvCxnSpPr>
-          <p:cNvPr id="23" name="!!op">
-            <a:extLst>
-              <a:ext uri="{FF2B5EF4-FFF2-40B4-BE49-F238E27FC236}">
-                <a16:creationId xmlns:a16="http://schemas.microsoft.com/office/drawing/2014/main" id="{A18178A9-A622-44E4-BF34-F7E9C059B21A}"/>
-              </a:ext>
-            </a:extLst>
-          </p:cNvPr>
-          <p:cNvCxnSpPr>
-            <a:cxnSpLocks/>
-            <a:endCxn id="22" idx="2"/>
-          </p:cNvCxnSpPr>
-          <p:nvPr/>
-        </p:nvCxnSpPr>
-        <p:spPr>
-          <a:xfrm flipV="1">
-            <a:off x="7125542" y="3307732"/>
-            <a:ext cx="492382" cy="499684"/>
-          </a:xfrm>
-          <a:prstGeom prst="straightConnector1">
-            <a:avLst/>
-          </a:prstGeom>
-          <a:ln>
-            <a:tailEnd type="triangle"/>
-          </a:ln>
-        </p:spPr>
-        <p:style>
-          <a:lnRef idx="3">
-            <a:schemeClr val="dk1"/>
-          </a:lnRef>
-          <a:fillRef idx="0">
-            <a:schemeClr val="dk1"/>
-          </a:fillRef>
-          <a:effectRef idx="2">
-            <a:schemeClr val="dk1"/>
-          </a:effectRef>
-          <a:fontRef idx="minor">
-            <a:schemeClr val="tx1"/>
-          </a:fontRef>
-        </p:style>
-      </p:cxnSp>
-      <p:sp>
-        <p:nvSpPr>
-          <p:cNvPr id="24" name="!!o2">
-            <a:extLst>
-              <a:ext uri="{FF2B5EF4-FFF2-40B4-BE49-F238E27FC236}">
-                <a16:creationId xmlns:a16="http://schemas.microsoft.com/office/drawing/2014/main" id="{1E803548-452D-4D00-BAC3-ED186E62D30F}"/>
-              </a:ext>
-            </a:extLst>
-          </p:cNvPr>
-          <p:cNvSpPr/>
-          <p:nvPr/>
-        </p:nvSpPr>
-        <p:spPr>
-          <a:xfrm>
-            <a:off x="7615386" y="3601843"/>
-            <a:ext cx="408904" cy="408904"/>
-          </a:xfrm>
-          <a:prstGeom prst="ellipse">
-            <a:avLst/>
-          </a:prstGeom>
-          <a:solidFill>
-            <a:schemeClr val="bg1">
-              <a:lumMod val="75000"/>
-            </a:schemeClr>
-          </a:solidFill>
-        </p:spPr>
-        <p:style>
-          <a:lnRef idx="1">
-            <a:schemeClr val="dk1"/>
-          </a:lnRef>
-          <a:fillRef idx="2">
-            <a:schemeClr val="dk1"/>
-          </a:fillRef>
-          <a:effectRef idx="1">
-            <a:schemeClr val="dk1"/>
-          </a:effectRef>
-          <a:fontRef idx="minor">
-            <a:schemeClr val="dk1"/>
-          </a:fontRef>
-        </p:style>
-        <p:txBody>
-          <a:bodyPr rtlCol="0" anchor="ctr"/>
-          <a:lstStyle/>
-          <a:p>
-            <a:pPr algn="ctr"/>
-            <a:endParaRPr lang="en-US"/>
-          </a:p>
-        </p:txBody>
-      </p:sp>
-      <p:sp>
-        <p:nvSpPr>
-          <p:cNvPr id="25" name="!!o3">
-            <a:extLst>
-              <a:ext uri="{FF2B5EF4-FFF2-40B4-BE49-F238E27FC236}">
-                <a16:creationId xmlns:a16="http://schemas.microsoft.com/office/drawing/2014/main" id="{8BFC60F4-2B87-493B-B54E-9E2461F643CA}"/>
-              </a:ext>
-            </a:extLst>
-          </p:cNvPr>
-          <p:cNvSpPr/>
-          <p:nvPr/>
-        </p:nvSpPr>
-        <p:spPr>
-          <a:xfrm>
-            <a:off x="7615386" y="4079056"/>
-            <a:ext cx="408904" cy="408904"/>
-          </a:xfrm>
-          <a:prstGeom prst="ellipse">
-            <a:avLst/>
-          </a:prstGeom>
-          <a:solidFill>
-            <a:schemeClr val="bg1">
-              <a:lumMod val="75000"/>
-            </a:schemeClr>
-          </a:solidFill>
-        </p:spPr>
-        <p:style>
-          <a:lnRef idx="1">
-            <a:schemeClr val="dk1"/>
-          </a:lnRef>
-          <a:fillRef idx="2">
-            <a:schemeClr val="dk1"/>
-          </a:fillRef>
-          <a:effectRef idx="1">
-            <a:schemeClr val="dk1"/>
-          </a:effectRef>
-          <a:fontRef idx="minor">
-            <a:schemeClr val="dk1"/>
-          </a:fontRef>
-        </p:style>
-        <p:txBody>
-          <a:bodyPr rtlCol="0" anchor="ctr"/>
-          <a:lstStyle/>
-          <a:p>
-            <a:pPr algn="ctr"/>
-            <a:endParaRPr lang="en-US"/>
-          </a:p>
-        </p:txBody>
-      </p:sp>
-      <p:cxnSp>
-        <p:nvCxnSpPr>
-          <p:cNvPr id="26" name="!!op">
-            <a:extLst>
-              <a:ext uri="{FF2B5EF4-FFF2-40B4-BE49-F238E27FC236}">
-                <a16:creationId xmlns:a16="http://schemas.microsoft.com/office/drawing/2014/main" id="{0C971D13-861A-4206-AC19-B5DC8F06A9A9}"/>
-              </a:ext>
-            </a:extLst>
-          </p:cNvPr>
-          <p:cNvCxnSpPr>
-            <a:cxnSpLocks/>
-            <a:endCxn id="24" idx="2"/>
-          </p:cNvCxnSpPr>
-          <p:nvPr/>
-        </p:nvCxnSpPr>
-        <p:spPr>
-          <a:xfrm flipV="1">
-            <a:off x="7125542" y="3806295"/>
-            <a:ext cx="489844" cy="1121"/>
-          </a:xfrm>
-          <a:prstGeom prst="straightConnector1">
-            <a:avLst/>
-          </a:prstGeom>
-          <a:ln>
-            <a:tailEnd type="triangle"/>
-          </a:ln>
-        </p:spPr>
-        <p:style>
-          <a:lnRef idx="3">
-            <a:schemeClr val="dk1"/>
-          </a:lnRef>
-          <a:fillRef idx="0">
-            <a:schemeClr val="dk1"/>
-          </a:fillRef>
-          <a:effectRef idx="2">
-            <a:schemeClr val="dk1"/>
-          </a:effectRef>
-          <a:fontRef idx="minor">
-            <a:schemeClr val="tx1"/>
-          </a:fontRef>
-        </p:style>
-      </p:cxnSp>
-      <p:cxnSp>
-        <p:nvCxnSpPr>
-          <p:cNvPr id="30" name="!!op">
-            <a:extLst>
-              <a:ext uri="{FF2B5EF4-FFF2-40B4-BE49-F238E27FC236}">
-                <a16:creationId xmlns:a16="http://schemas.microsoft.com/office/drawing/2014/main" id="{798E1F46-819B-4771-AF68-2AE613F1458A}"/>
-              </a:ext>
-            </a:extLst>
-          </p:cNvPr>
-          <p:cNvCxnSpPr>
-            <a:cxnSpLocks/>
-            <a:endCxn id="25" idx="2"/>
-          </p:cNvCxnSpPr>
-          <p:nvPr/>
-        </p:nvCxnSpPr>
-        <p:spPr>
-          <a:xfrm>
-            <a:off x="7125542" y="3807416"/>
-            <a:ext cx="489844" cy="476092"/>
-          </a:xfrm>
-          <a:prstGeom prst="straightConnector1">
-            <a:avLst/>
-          </a:prstGeom>
-          <a:ln>
-            <a:tailEnd type="triangle"/>
-          </a:ln>
-        </p:spPr>
-        <p:style>
-          <a:lnRef idx="3">
-            <a:schemeClr val="dk1"/>
-          </a:lnRef>
-          <a:fillRef idx="0">
-            <a:schemeClr val="dk1"/>
-          </a:fillRef>
-          <a:effectRef idx="2">
-            <a:schemeClr val="dk1"/>
-          </a:effectRef>
-          <a:fontRef idx="minor">
-            <a:schemeClr val="tx1"/>
-          </a:fontRef>
-        </p:style>
-      </p:cxnSp>
+        </p:spPr>
+      </p:pic>
     </p:spTree>
     <p:extLst>
       <p:ext uri="{BB962C8B-B14F-4D97-AF65-F5344CB8AC3E}">
-        <p14:creationId xmlns:p14="http://schemas.microsoft.com/office/powerpoint/2010/main" val="2878374758"/>
+        <p14:creationId xmlns:p14="http://schemas.microsoft.com/office/powerpoint/2010/main" val="2299183732"/>
       </p:ext>
     </p:extLst>
   </p:cSld>
   <p:clrMapOvr>
     <a:masterClrMapping/>
   </p:clrMapOvr>
-  <mc:AlternateContent xmlns:mc="http://schemas.openxmlformats.org/markup-compatibility/2006" xmlns:p159="http://schemas.microsoft.com/office/powerpoint/2015/09/main">
-    <mc:Choice Requires="p159">
-      <p:transition xmlns:p14="http://schemas.microsoft.com/office/powerpoint/2010/main" spd="slow" p14:dur="3000">
-        <p159:morph option="byObject"/>
-      </p:transition>
-    </mc:Choice>
-    <mc:Fallback xmlns="">
-      <p:transition spd="slow">
-        <p:fade/>
-      </p:transition>
-    </mc:Fallback>
-  </mc:AlternateContent>
 </p:sld>
 </file>
 
@@ -12982,10 +15166,10 @@
       </p:grpSpPr>
       <p:sp>
         <p:nvSpPr>
-          <p:cNvPr id="13" name="!!s1a">
-            <a:extLst>
-              <a:ext uri="{FF2B5EF4-FFF2-40B4-BE49-F238E27FC236}">
-                <a16:creationId xmlns:a16="http://schemas.microsoft.com/office/drawing/2014/main" id="{232A0163-7C30-4167-BFE7-A822D3CBE06C}"/>
+          <p:cNvPr id="10" name="!!s1b">
+            <a:extLst>
+              <a:ext uri="{FF2B5EF4-FFF2-40B4-BE49-F238E27FC236}">
+                <a16:creationId xmlns:a16="http://schemas.microsoft.com/office/drawing/2014/main" id="{98CC0FDF-032D-4D65-A528-5863D0E0BFD7}"/>
               </a:ext>
             </a:extLst>
           </p:cNvPr>
@@ -12994,27 +15178,32 @@
         </p:nvSpPr>
         <p:spPr>
           <a:xfrm>
-            <a:off x="5514131" y="3302838"/>
-            <a:ext cx="733157" cy="1242812"/>
+            <a:off x="6900162" y="3602964"/>
+            <a:ext cx="225380" cy="408904"/>
           </a:xfrm>
           <a:prstGeom prst="rect">
             <a:avLst/>
           </a:prstGeom>
-          <a:ln>
-            <a:noFill/>
+          <a:solidFill>
+            <a:schemeClr val="bg1"/>
+          </a:solidFill>
+          <a:ln w="38100">
+            <a:solidFill>
+              <a:srgbClr val="E69500"/>
+            </a:solidFill>
           </a:ln>
         </p:spPr>
         <p:style>
           <a:lnRef idx="2">
-            <a:schemeClr val="accent4">
+            <a:schemeClr val="accent1">
               <a:shade val="50000"/>
             </a:schemeClr>
           </a:lnRef>
           <a:fillRef idx="1">
-            <a:schemeClr val="accent4"/>
+            <a:schemeClr val="accent1"/>
           </a:fillRef>
           <a:effectRef idx="0">
-            <a:schemeClr val="accent4"/>
+            <a:schemeClr val="accent1"/>
           </a:effectRef>
           <a:fontRef idx="minor">
             <a:schemeClr val="lt1"/>
@@ -13025,7 +15214,7 @@
           <a:lstStyle/>
           <a:p>
             <a:pPr algn="ctr"/>
-            <a:endParaRPr lang="en-US" dirty="0"/>
+            <a:endParaRPr lang="en-US"/>
           </a:p>
         </p:txBody>
       </p:sp>
@@ -13056,10 +15245,10 @@
       </p:sp>
       <p:sp>
         <p:nvSpPr>
-          <p:cNvPr id="14" name="!!s1b">
-            <a:extLst>
-              <a:ext uri="{FF2B5EF4-FFF2-40B4-BE49-F238E27FC236}">
-                <a16:creationId xmlns:a16="http://schemas.microsoft.com/office/drawing/2014/main" id="{F1F25819-96EA-4181-9FB6-CBD480FAE769}"/>
+          <p:cNvPr id="7" name="!!s1">
+            <a:extLst>
+              <a:ext uri="{FF2B5EF4-FFF2-40B4-BE49-F238E27FC236}">
+                <a16:creationId xmlns:a16="http://schemas.microsoft.com/office/drawing/2014/main" id="{BB749C50-622C-4C68-82C3-2C0487DADA78}"/>
               </a:ext>
             </a:extLst>
           </p:cNvPr>
@@ -13068,27 +15257,32 @@
         </p:nvSpPr>
         <p:spPr>
           <a:xfrm>
-            <a:off x="6854473" y="3302837"/>
-            <a:ext cx="733157" cy="1242812"/>
-          </a:xfrm>
-          <a:prstGeom prst="rect">
+            <a:off x="5992201" y="3602964"/>
+            <a:ext cx="408904" cy="408904"/>
+          </a:xfrm>
+          <a:prstGeom prst="ellipse">
             <a:avLst/>
           </a:prstGeom>
-          <a:ln>
-            <a:noFill/>
+          <a:solidFill>
+            <a:schemeClr val="bg1"/>
+          </a:solidFill>
+          <a:ln w="38100">
+            <a:solidFill>
+              <a:srgbClr val="E69500"/>
+            </a:solidFill>
           </a:ln>
         </p:spPr>
         <p:style>
           <a:lnRef idx="2">
-            <a:schemeClr val="accent4">
+            <a:schemeClr val="accent1">
               <a:shade val="50000"/>
             </a:schemeClr>
           </a:lnRef>
           <a:fillRef idx="1">
-            <a:schemeClr val="accent4"/>
+            <a:schemeClr val="accent1"/>
           </a:fillRef>
           <a:effectRef idx="0">
-            <a:schemeClr val="accent4"/>
+            <a:schemeClr val="accent1"/>
           </a:effectRef>
           <a:fontRef idx="minor">
             <a:schemeClr val="lt1"/>
@@ -13099,16 +15293,16 @@
           <a:lstStyle/>
           <a:p>
             <a:pPr algn="ctr"/>
-            <a:endParaRPr lang="en-US" dirty="0"/>
-          </a:p>
-        </p:txBody>
-      </p:sp>
-      <p:sp>
-        <p:nvSpPr>
-          <p:cNvPr id="4" name="!!s1">
-            <a:extLst>
-              <a:ext uri="{FF2B5EF4-FFF2-40B4-BE49-F238E27FC236}">
-                <a16:creationId xmlns:a16="http://schemas.microsoft.com/office/drawing/2014/main" id="{810355B5-CFD5-4CB9-B60B-8A2A0F9B235C}"/>
+            <a:endParaRPr lang="en-US"/>
+          </a:p>
+        </p:txBody>
+      </p:sp>
+      <p:sp>
+        <p:nvSpPr>
+          <p:cNvPr id="8" name="!!s1a">
+            <a:extLst>
+              <a:ext uri="{FF2B5EF4-FFF2-40B4-BE49-F238E27FC236}">
+                <a16:creationId xmlns:a16="http://schemas.microsoft.com/office/drawing/2014/main" id="{31A077AC-B90C-4AB1-BB8B-7C3259645A18}"/>
               </a:ext>
             </a:extLst>
           </p:cNvPr>
@@ -13117,24 +15311,32 @@
         </p:nvSpPr>
         <p:spPr>
           <a:xfrm>
-            <a:off x="5514132" y="3302838"/>
-            <a:ext cx="2073499" cy="1242812"/>
+            <a:off x="5379608" y="3602965"/>
+            <a:ext cx="113536" cy="408904"/>
           </a:xfrm>
           <a:prstGeom prst="rect">
             <a:avLst/>
           </a:prstGeom>
+          <a:solidFill>
+            <a:srgbClr val="E69500"/>
+          </a:solidFill>
+          <a:ln>
+            <a:solidFill>
+              <a:srgbClr val="A96C00"/>
+            </a:solidFill>
+          </a:ln>
         </p:spPr>
         <p:style>
           <a:lnRef idx="2">
-            <a:schemeClr val="accent4">
+            <a:schemeClr val="accent1">
               <a:shade val="50000"/>
             </a:schemeClr>
           </a:lnRef>
           <a:fillRef idx="1">
-            <a:schemeClr val="accent4"/>
+            <a:schemeClr val="accent1"/>
           </a:fillRef>
           <a:effectRef idx="0">
-            <a:schemeClr val="accent4"/>
+            <a:schemeClr val="accent1"/>
           </a:effectRef>
           <a:fontRef idx="minor">
             <a:schemeClr val="lt1"/>
@@ -13145,19 +15347,102 @@
           <a:lstStyle/>
           <a:p>
             <a:pPr algn="ctr"/>
-            <a:r>
-              <a:rPr lang="en-US" dirty="0"/>
-              <a:t>Component</a:t>
-            </a:r>
-          </a:p>
-        </p:txBody>
-      </p:sp>
-      <p:sp>
-        <p:nvSpPr>
-          <p:cNvPr id="5" name="!!o1">
-            <a:extLst>
-              <a:ext uri="{FF2B5EF4-FFF2-40B4-BE49-F238E27FC236}">
-                <a16:creationId xmlns:a16="http://schemas.microsoft.com/office/drawing/2014/main" id="{615D7B34-CA8D-40F3-ACE2-85FC8F2E0A61}"/>
+            <a:endParaRPr lang="en-US" dirty="0"/>
+          </a:p>
+        </p:txBody>
+      </p:sp>
+      <p:cxnSp>
+        <p:nvCxnSpPr>
+          <p:cNvPr id="13" name="!!s1">
+            <a:extLst>
+              <a:ext uri="{FF2B5EF4-FFF2-40B4-BE49-F238E27FC236}">
+                <a16:creationId xmlns:a16="http://schemas.microsoft.com/office/drawing/2014/main" id="{BDE36FC5-A906-4FDE-B294-5FDF461B018F}"/>
+              </a:ext>
+            </a:extLst>
+          </p:cNvPr>
+          <p:cNvCxnSpPr>
+            <a:cxnSpLocks/>
+            <a:stCxn id="8" idx="3"/>
+            <a:endCxn id="7" idx="2"/>
+          </p:cNvCxnSpPr>
+          <p:nvPr/>
+        </p:nvCxnSpPr>
+        <p:spPr>
+          <a:xfrm flipV="1">
+            <a:off x="5493144" y="3807416"/>
+            <a:ext cx="499057" cy="1"/>
+          </a:xfrm>
+          <a:prstGeom prst="straightConnector1">
+            <a:avLst/>
+          </a:prstGeom>
+          <a:ln>
+            <a:tailEnd type="triangle"/>
+          </a:ln>
+        </p:spPr>
+        <p:style>
+          <a:lnRef idx="3">
+            <a:schemeClr val="dk1"/>
+          </a:lnRef>
+          <a:fillRef idx="0">
+            <a:schemeClr val="dk1"/>
+          </a:fillRef>
+          <a:effectRef idx="2">
+            <a:schemeClr val="dk1"/>
+          </a:effectRef>
+          <a:fontRef idx="minor">
+            <a:schemeClr val="tx1"/>
+          </a:fontRef>
+        </p:style>
+      </p:cxnSp>
+      <p:cxnSp>
+        <p:nvCxnSpPr>
+          <p:cNvPr id="14" name="!!s1">
+            <a:extLst>
+              <a:ext uri="{FF2B5EF4-FFF2-40B4-BE49-F238E27FC236}">
+                <a16:creationId xmlns:a16="http://schemas.microsoft.com/office/drawing/2014/main" id="{CFB861F2-7F5A-43C9-8388-D3ADAD58BBC7}"/>
+              </a:ext>
+            </a:extLst>
+          </p:cNvPr>
+          <p:cNvCxnSpPr>
+            <a:cxnSpLocks/>
+            <a:stCxn id="7" idx="6"/>
+            <a:endCxn id="10" idx="1"/>
+          </p:cNvCxnSpPr>
+          <p:nvPr/>
+        </p:nvCxnSpPr>
+        <p:spPr>
+          <a:xfrm>
+            <a:off x="6401105" y="3807416"/>
+            <a:ext cx="499057" cy="0"/>
+          </a:xfrm>
+          <a:prstGeom prst="straightConnector1">
+            <a:avLst/>
+          </a:prstGeom>
+          <a:ln>
+            <a:tailEnd type="triangle"/>
+          </a:ln>
+        </p:spPr>
+        <p:style>
+          <a:lnRef idx="3">
+            <a:schemeClr val="dk1"/>
+          </a:lnRef>
+          <a:fillRef idx="0">
+            <a:schemeClr val="dk1"/>
+          </a:fillRef>
+          <a:effectRef idx="2">
+            <a:schemeClr val="dk1"/>
+          </a:effectRef>
+          <a:fontRef idx="minor">
+            <a:schemeClr val="tx1"/>
+          </a:fontRef>
+        </p:style>
+      </p:cxnSp>
+      <p:sp>
+        <p:nvSpPr>
+          <p:cNvPr id="27" name="!!text">
+            <a:extLst>
+              <a:ext uri="{FF2B5EF4-FFF2-40B4-BE49-F238E27FC236}">
+                <a16:creationId xmlns:a16="http://schemas.microsoft.com/office/drawing/2014/main" id="{ED4B6439-1057-4737-9272-6B1719435C43}"/>
               </a:ext>
             </a:extLst>
           </p:cNvPr>
@@ -13166,10 +15451,269 @@
         </p:nvSpPr>
         <p:spPr>
           <a:xfrm>
-            <a:off x="7388006" y="3315804"/>
-            <a:ext cx="399245" cy="367047"/>
+            <a:off x="830581" y="3307732"/>
+            <a:ext cx="2892138" cy="1754326"/>
           </a:xfrm>
           <a:prstGeom prst="rect">
+            <a:avLst/>
+          </a:prstGeom>
+          <a:noFill/>
+        </p:spPr>
+        <p:txBody>
+          <a:bodyPr wrap="none" lIns="91440" tIns="45720" rIns="91440" bIns="45720">
+            <a:spAutoFit/>
+          </a:bodyPr>
+          <a:lstStyle/>
+          <a:p>
+            <a:pPr algn="ctr"/>
+            <a:r>
+              <a:rPr lang="en-US" sz="5400" b="0" cap="none" spc="0" dirty="0">
+                <a:ln w="0"/>
+                <a:solidFill>
+                  <a:schemeClr val="accent1"/>
+                </a:solidFill>
+                <a:effectLst>
+                  <a:outerShdw blurRad="38100" dist="25400" dir="5400000" algn="ctr" rotWithShape="0">
+                    <a:srgbClr val="6E747A">
+                      <a:alpha val="43000"/>
+                    </a:srgbClr>
+                  </a:outerShdw>
+                </a:effectLst>
+              </a:rPr>
+              <a:t>Colored</a:t>
+            </a:r>
+          </a:p>
+          <a:p>
+            <a:pPr algn="ctr"/>
+            <a:r>
+              <a:rPr lang="en-US" sz="5400" b="0" cap="none" spc="0" dirty="0">
+                <a:ln w="0"/>
+                <a:solidFill>
+                  <a:schemeClr val="accent1"/>
+                </a:solidFill>
+                <a:effectLst>
+                  <a:outerShdw blurRad="38100" dist="25400" dir="5400000" algn="ctr" rotWithShape="0">
+                    <a:srgbClr val="6E747A">
+                      <a:alpha val="43000"/>
+                    </a:srgbClr>
+                  </a:outerShdw>
+                </a:effectLst>
+              </a:rPr>
+              <a:t>Petri Net</a:t>
+            </a:r>
+          </a:p>
+        </p:txBody>
+      </p:sp>
+      <p:sp>
+        <p:nvSpPr>
+          <p:cNvPr id="36" name="!!in1">
+            <a:extLst>
+              <a:ext uri="{FF2B5EF4-FFF2-40B4-BE49-F238E27FC236}">
+                <a16:creationId xmlns:a16="http://schemas.microsoft.com/office/drawing/2014/main" id="{FC5B6D34-4E25-4034-9ACE-178D21EE1F7B}"/>
+              </a:ext>
+            </a:extLst>
+          </p:cNvPr>
+          <p:cNvSpPr/>
+          <p:nvPr/>
+        </p:nvSpPr>
+        <p:spPr>
+          <a:xfrm>
+            <a:off x="4649821" y="3224548"/>
+            <a:ext cx="408904" cy="408904"/>
+          </a:xfrm>
+          <a:prstGeom prst="ellipse">
+            <a:avLst/>
+          </a:prstGeom>
+          <a:solidFill>
+            <a:schemeClr val="bg1"/>
+          </a:solidFill>
+          <a:ln w="38100">
+            <a:solidFill>
+              <a:schemeClr val="tx1"/>
+            </a:solidFill>
+          </a:ln>
+        </p:spPr>
+        <p:style>
+          <a:lnRef idx="2">
+            <a:schemeClr val="accent1">
+              <a:shade val="50000"/>
+            </a:schemeClr>
+          </a:lnRef>
+          <a:fillRef idx="1">
+            <a:schemeClr val="accent1"/>
+          </a:fillRef>
+          <a:effectRef idx="0">
+            <a:schemeClr val="accent1"/>
+          </a:effectRef>
+          <a:fontRef idx="minor">
+            <a:schemeClr val="lt1"/>
+          </a:fontRef>
+        </p:style>
+        <p:txBody>
+          <a:bodyPr rtlCol="0" anchor="ctr"/>
+          <a:lstStyle/>
+          <a:p>
+            <a:pPr algn="ctr"/>
+            <a:endParaRPr lang="en-US"/>
+          </a:p>
+        </p:txBody>
+      </p:sp>
+      <p:sp>
+        <p:nvSpPr>
+          <p:cNvPr id="37" name="!!in2">
+            <a:extLst>
+              <a:ext uri="{FF2B5EF4-FFF2-40B4-BE49-F238E27FC236}">
+                <a16:creationId xmlns:a16="http://schemas.microsoft.com/office/drawing/2014/main" id="{49CE31FF-0128-4E53-AF67-3BAFB34BAF2D}"/>
+              </a:ext>
+            </a:extLst>
+          </p:cNvPr>
+          <p:cNvSpPr/>
+          <p:nvPr/>
+        </p:nvSpPr>
+        <p:spPr>
+          <a:xfrm>
+            <a:off x="4666441" y="4031748"/>
+            <a:ext cx="408904" cy="408904"/>
+          </a:xfrm>
+          <a:prstGeom prst="ellipse">
+            <a:avLst/>
+          </a:prstGeom>
+          <a:solidFill>
+            <a:schemeClr val="bg1"/>
+          </a:solidFill>
+          <a:ln w="38100">
+            <a:solidFill>
+              <a:schemeClr val="tx1"/>
+            </a:solidFill>
+          </a:ln>
+        </p:spPr>
+        <p:style>
+          <a:lnRef idx="2">
+            <a:schemeClr val="accent1">
+              <a:shade val="50000"/>
+            </a:schemeClr>
+          </a:lnRef>
+          <a:fillRef idx="1">
+            <a:schemeClr val="accent1"/>
+          </a:fillRef>
+          <a:effectRef idx="0">
+            <a:schemeClr val="accent1"/>
+          </a:effectRef>
+          <a:fontRef idx="minor">
+            <a:schemeClr val="lt1"/>
+          </a:fontRef>
+        </p:style>
+        <p:txBody>
+          <a:bodyPr rtlCol="0" anchor="ctr"/>
+          <a:lstStyle/>
+          <a:p>
+            <a:pPr algn="ctr"/>
+            <a:endParaRPr lang="en-US"/>
+          </a:p>
+        </p:txBody>
+      </p:sp>
+      <p:cxnSp>
+        <p:nvCxnSpPr>
+          <p:cNvPr id="39" name="Straight Arrow Connector 38">
+            <a:extLst>
+              <a:ext uri="{FF2B5EF4-FFF2-40B4-BE49-F238E27FC236}">
+                <a16:creationId xmlns:a16="http://schemas.microsoft.com/office/drawing/2014/main" id="{B96935BB-DFEC-4236-9F1A-89107A43F8F4}"/>
+              </a:ext>
+            </a:extLst>
+          </p:cNvPr>
+          <p:cNvCxnSpPr>
+            <a:stCxn id="36" idx="6"/>
+            <a:endCxn id="8" idx="1"/>
+          </p:cNvCxnSpPr>
+          <p:nvPr/>
+        </p:nvCxnSpPr>
+        <p:spPr>
+          <a:xfrm>
+            <a:off x="5058725" y="3429000"/>
+            <a:ext cx="320883" cy="378417"/>
+          </a:xfrm>
+          <a:prstGeom prst="straightConnector1">
+            <a:avLst/>
+          </a:prstGeom>
+          <a:ln>
+            <a:tailEnd type="triangle"/>
+          </a:ln>
+        </p:spPr>
+        <p:style>
+          <a:lnRef idx="3">
+            <a:schemeClr val="dk1"/>
+          </a:lnRef>
+          <a:fillRef idx="0">
+            <a:schemeClr val="dk1"/>
+          </a:fillRef>
+          <a:effectRef idx="2">
+            <a:schemeClr val="dk1"/>
+          </a:effectRef>
+          <a:fontRef idx="minor">
+            <a:schemeClr val="tx1"/>
+          </a:fontRef>
+        </p:style>
+      </p:cxnSp>
+      <p:cxnSp>
+        <p:nvCxnSpPr>
+          <p:cNvPr id="41" name="Straight Arrow Connector 40">
+            <a:extLst>
+              <a:ext uri="{FF2B5EF4-FFF2-40B4-BE49-F238E27FC236}">
+                <a16:creationId xmlns:a16="http://schemas.microsoft.com/office/drawing/2014/main" id="{5B621BCD-770B-43DE-9BBA-466401CA2DBE}"/>
+              </a:ext>
+            </a:extLst>
+          </p:cNvPr>
+          <p:cNvCxnSpPr>
+            <a:stCxn id="37" idx="6"/>
+            <a:endCxn id="8" idx="1"/>
+          </p:cNvCxnSpPr>
+          <p:nvPr/>
+        </p:nvCxnSpPr>
+        <p:spPr>
+          <a:xfrm flipV="1">
+            <a:off x="5075345" y="3807417"/>
+            <a:ext cx="304263" cy="428783"/>
+          </a:xfrm>
+          <a:prstGeom prst="straightConnector1">
+            <a:avLst/>
+          </a:prstGeom>
+          <a:ln>
+            <a:tailEnd type="triangle"/>
+          </a:ln>
+        </p:spPr>
+        <p:style>
+          <a:lnRef idx="3">
+            <a:schemeClr val="dk1"/>
+          </a:lnRef>
+          <a:fillRef idx="0">
+            <a:schemeClr val="dk1"/>
+          </a:fillRef>
+          <a:effectRef idx="2">
+            <a:schemeClr val="dk1"/>
+          </a:effectRef>
+          <a:fontRef idx="minor">
+            <a:schemeClr val="tx1"/>
+          </a:fontRef>
+        </p:style>
+      </p:cxnSp>
+      <p:sp>
+        <p:nvSpPr>
+          <p:cNvPr id="22" name="!!o1">
+            <a:extLst>
+              <a:ext uri="{FF2B5EF4-FFF2-40B4-BE49-F238E27FC236}">
+                <a16:creationId xmlns:a16="http://schemas.microsoft.com/office/drawing/2014/main" id="{6F590E24-11E6-439C-BCB3-B7A53C8DD12A}"/>
+              </a:ext>
+            </a:extLst>
+          </p:cNvPr>
+          <p:cNvSpPr/>
+          <p:nvPr/>
+        </p:nvSpPr>
+        <p:spPr>
+          <a:xfrm>
+            <a:off x="7617924" y="3103280"/>
+            <a:ext cx="408904" cy="408904"/>
+          </a:xfrm>
+          <a:prstGeom prst="ellipse">
             <a:avLst/>
           </a:prstGeom>
           <a:solidFill>
@@ -13177,7 +15721,6 @@
               <a:lumMod val="75000"/>
             </a:schemeClr>
           </a:solidFill>
-          <a:ln/>
         </p:spPr>
         <p:style>
           <a:lnRef idx="1">
@@ -13198,19 +15741,58 @@
           <a:lstStyle/>
           <a:p>
             <a:pPr algn="ctr"/>
-            <a:r>
-              <a:rPr lang="en-US" dirty="0"/>
-              <a:t>O</a:t>
-            </a:r>
-          </a:p>
-        </p:txBody>
-      </p:sp>
-      <p:sp>
-        <p:nvSpPr>
-          <p:cNvPr id="8" name="!!text">
-            <a:extLst>
-              <a:ext uri="{FF2B5EF4-FFF2-40B4-BE49-F238E27FC236}">
-                <a16:creationId xmlns:a16="http://schemas.microsoft.com/office/drawing/2014/main" id="{701A1987-5DA4-4B28-A1C4-2390229B5EA5}"/>
+            <a:endParaRPr lang="en-US"/>
+          </a:p>
+        </p:txBody>
+      </p:sp>
+      <p:cxnSp>
+        <p:nvCxnSpPr>
+          <p:cNvPr id="23" name="!!op">
+            <a:extLst>
+              <a:ext uri="{FF2B5EF4-FFF2-40B4-BE49-F238E27FC236}">
+                <a16:creationId xmlns:a16="http://schemas.microsoft.com/office/drawing/2014/main" id="{A18178A9-A622-44E4-BF34-F7E9C059B21A}"/>
+              </a:ext>
+            </a:extLst>
+          </p:cNvPr>
+          <p:cNvCxnSpPr>
+            <a:cxnSpLocks/>
+            <a:endCxn id="22" idx="2"/>
+          </p:cNvCxnSpPr>
+          <p:nvPr/>
+        </p:nvCxnSpPr>
+        <p:spPr>
+          <a:xfrm flipV="1">
+            <a:off x="7125542" y="3307732"/>
+            <a:ext cx="492382" cy="499684"/>
+          </a:xfrm>
+          <a:prstGeom prst="straightConnector1">
+            <a:avLst/>
+          </a:prstGeom>
+          <a:ln>
+            <a:tailEnd type="triangle"/>
+          </a:ln>
+        </p:spPr>
+        <p:style>
+          <a:lnRef idx="3">
+            <a:schemeClr val="dk1"/>
+          </a:lnRef>
+          <a:fillRef idx="0">
+            <a:schemeClr val="dk1"/>
+          </a:fillRef>
+          <a:effectRef idx="2">
+            <a:schemeClr val="dk1"/>
+          </a:effectRef>
+          <a:fontRef idx="minor">
+            <a:schemeClr val="tx1"/>
+          </a:fontRef>
+        </p:style>
+      </p:cxnSp>
+      <p:sp>
+        <p:nvSpPr>
+          <p:cNvPr id="24" name="!!o2">
+            <a:extLst>
+              <a:ext uri="{FF2B5EF4-FFF2-40B4-BE49-F238E27FC236}">
+                <a16:creationId xmlns:a16="http://schemas.microsoft.com/office/drawing/2014/main" id="{1E803548-452D-4D00-BAC3-ED186E62D30F}"/>
               </a:ext>
             </a:extLst>
           </p:cNvPr>
@@ -13219,80 +15801,17 @@
         </p:nvSpPr>
         <p:spPr>
           <a:xfrm>
-            <a:off x="1095271" y="3338498"/>
-            <a:ext cx="2459328" cy="1938992"/>
-          </a:xfrm>
-          <a:prstGeom prst="rect">
-            <a:avLst/>
-          </a:prstGeom>
-          <a:noFill/>
-        </p:spPr>
-        <p:txBody>
-          <a:bodyPr wrap="none" lIns="91440" tIns="45720" rIns="91440" bIns="45720">
-            <a:spAutoFit/>
-          </a:bodyPr>
-          <a:lstStyle/>
-          <a:p>
-            <a:pPr algn="ctr"/>
-            <a:endParaRPr lang="en-US" sz="6000" dirty="0">
-              <a:ln w="0"/>
-              <a:solidFill>
-                <a:schemeClr val="accent1"/>
-              </a:solidFill>
-              <a:effectLst>
-                <a:outerShdw blurRad="38100" dist="25400" dir="5400000" algn="ctr" rotWithShape="0">
-                  <a:srgbClr val="6E747A">
-                    <a:alpha val="43000"/>
-                  </a:srgbClr>
-                </a:outerShdw>
-              </a:effectLst>
-            </a:endParaRPr>
-          </a:p>
-          <a:p>
-            <a:pPr algn="ctr"/>
-            <a:r>
-              <a:rPr lang="en-US" sz="6000" b="0" cap="none" spc="0" dirty="0">
-                <a:ln w="0"/>
-                <a:solidFill>
-                  <a:srgbClr val="003366"/>
-                </a:solidFill>
-                <a:effectLst>
-                  <a:outerShdw blurRad="38100" dist="25400" dir="5400000" algn="ctr" rotWithShape="0">
-                    <a:srgbClr val="6E747A">
-                      <a:alpha val="43000"/>
-                    </a:srgbClr>
-                  </a:outerShdw>
-                </a:effectLst>
-              </a:rPr>
-              <a:t>Model</a:t>
-            </a:r>
-          </a:p>
-        </p:txBody>
-      </p:sp>
-      <p:sp>
-        <p:nvSpPr>
-          <p:cNvPr id="10" name="!!in1">
-            <a:extLst>
-              <a:ext uri="{FF2B5EF4-FFF2-40B4-BE49-F238E27FC236}">
-                <a16:creationId xmlns:a16="http://schemas.microsoft.com/office/drawing/2014/main" id="{5218B61C-4A08-4265-930A-F625D92A42BC}"/>
-              </a:ext>
-            </a:extLst>
-          </p:cNvPr>
-          <p:cNvSpPr/>
-          <p:nvPr/>
-        </p:nvSpPr>
-        <p:spPr>
-          <a:xfrm>
-            <a:off x="5312676" y="3499328"/>
-            <a:ext cx="399245" cy="367047"/>
-          </a:xfrm>
-          <a:prstGeom prst="rect">
+            <a:off x="7615386" y="3601843"/>
+            <a:ext cx="408904" cy="408904"/>
+          </a:xfrm>
+          <a:prstGeom prst="ellipse">
             <a:avLst/>
           </a:prstGeom>
           <a:solidFill>
-            <a:schemeClr val="bg1"/>
+            <a:schemeClr val="bg1">
+              <a:lumMod val="75000"/>
+            </a:schemeClr>
           </a:solidFill>
-          <a:ln/>
         </p:spPr>
         <p:style>
           <a:lnRef idx="1">
@@ -13313,19 +15832,16 @@
           <a:lstStyle/>
           <a:p>
             <a:pPr algn="ctr"/>
-            <a:r>
-              <a:rPr lang="en-US" sz="1600" dirty="0"/>
-              <a:t>IN</a:t>
-            </a:r>
-          </a:p>
-        </p:txBody>
-      </p:sp>
-      <p:sp>
-        <p:nvSpPr>
-          <p:cNvPr id="12" name="!!in2">
-            <a:extLst>
-              <a:ext uri="{FF2B5EF4-FFF2-40B4-BE49-F238E27FC236}">
-                <a16:creationId xmlns:a16="http://schemas.microsoft.com/office/drawing/2014/main" id="{93C1DB8E-5F3D-4AAA-9DD7-0B277BE49923}"/>
+            <a:endParaRPr lang="en-US"/>
+          </a:p>
+        </p:txBody>
+      </p:sp>
+      <p:sp>
+        <p:nvSpPr>
+          <p:cNvPr id="25" name="!!o3">
+            <a:extLst>
+              <a:ext uri="{FF2B5EF4-FFF2-40B4-BE49-F238E27FC236}">
+                <a16:creationId xmlns:a16="http://schemas.microsoft.com/office/drawing/2014/main" id="{8BFC60F4-2B87-493B-B54E-9E2461F643CA}"/>
               </a:ext>
             </a:extLst>
           </p:cNvPr>
@@ -13334,16 +15850,17 @@
         </p:nvSpPr>
         <p:spPr>
           <a:xfrm>
-            <a:off x="5312676" y="4062865"/>
-            <a:ext cx="399245" cy="367047"/>
-          </a:xfrm>
-          <a:prstGeom prst="rect">
+            <a:off x="7615386" y="4079056"/>
+            <a:ext cx="408904" cy="408904"/>
+          </a:xfrm>
+          <a:prstGeom prst="ellipse">
             <a:avLst/>
           </a:prstGeom>
           <a:solidFill>
-            <a:schemeClr val="bg1"/>
+            <a:schemeClr val="bg1">
+              <a:lumMod val="75000"/>
+            </a:schemeClr>
           </a:solidFill>
-          <a:ln/>
         </p:spPr>
         <p:style>
           <a:lnRef idx="1">
@@ -13364,168 +15881,98 @@
           <a:lstStyle/>
           <a:p>
             <a:pPr algn="ctr"/>
-            <a:r>
-              <a:rPr lang="en-US" sz="1600" dirty="0"/>
-              <a:t>IN</a:t>
-            </a:r>
-          </a:p>
-        </p:txBody>
-      </p:sp>
-      <p:sp>
-        <p:nvSpPr>
-          <p:cNvPr id="16" name="!!o2">
-            <a:extLst>
-              <a:ext uri="{FF2B5EF4-FFF2-40B4-BE49-F238E27FC236}">
-                <a16:creationId xmlns:a16="http://schemas.microsoft.com/office/drawing/2014/main" id="{5AF28A16-9DD5-4FA0-818F-9A8A09E73014}"/>
-              </a:ext>
-            </a:extLst>
-          </p:cNvPr>
-          <p:cNvSpPr/>
+            <a:endParaRPr lang="en-US"/>
+          </a:p>
+        </p:txBody>
+      </p:sp>
+      <p:cxnSp>
+        <p:nvCxnSpPr>
+          <p:cNvPr id="26" name="!!op">
+            <a:extLst>
+              <a:ext uri="{FF2B5EF4-FFF2-40B4-BE49-F238E27FC236}">
+                <a16:creationId xmlns:a16="http://schemas.microsoft.com/office/drawing/2014/main" id="{0C971D13-861A-4206-AC19-B5DC8F06A9A9}"/>
+              </a:ext>
+            </a:extLst>
+          </p:cNvPr>
+          <p:cNvCxnSpPr>
+            <a:cxnSpLocks/>
+            <a:endCxn id="24" idx="2"/>
+          </p:cNvCxnSpPr>
           <p:nvPr/>
-        </p:nvSpPr>
-        <p:spPr>
-          <a:xfrm>
-            <a:off x="7388006" y="3743650"/>
-            <a:ext cx="399245" cy="367047"/>
-          </a:xfrm>
-          <a:prstGeom prst="rect">
+        </p:nvCxnSpPr>
+        <p:spPr>
+          <a:xfrm flipV="1">
+            <a:off x="7125542" y="3806295"/>
+            <a:ext cx="489844" cy="1121"/>
+          </a:xfrm>
+          <a:prstGeom prst="straightConnector1">
             <a:avLst/>
           </a:prstGeom>
-          <a:solidFill>
-            <a:schemeClr val="bg1">
-              <a:lumMod val="75000"/>
-            </a:schemeClr>
-          </a:solidFill>
-          <a:ln/>
+          <a:ln>
+            <a:tailEnd type="triangle"/>
+          </a:ln>
         </p:spPr>
         <p:style>
-          <a:lnRef idx="1">
+          <a:lnRef idx="3">
             <a:schemeClr val="dk1"/>
           </a:lnRef>
-          <a:fillRef idx="2">
+          <a:fillRef idx="0">
             <a:schemeClr val="dk1"/>
           </a:fillRef>
-          <a:effectRef idx="1">
+          <a:effectRef idx="2">
             <a:schemeClr val="dk1"/>
           </a:effectRef>
           <a:fontRef idx="minor">
-            <a:schemeClr val="dk1"/>
+            <a:schemeClr val="tx1"/>
           </a:fontRef>
         </p:style>
-        <p:txBody>
-          <a:bodyPr rtlCol="0" anchor="ctr"/>
-          <a:lstStyle/>
-          <a:p>
-            <a:pPr algn="ctr"/>
-            <a:r>
-              <a:rPr lang="en-US" dirty="0"/>
-              <a:t>O</a:t>
-            </a:r>
-          </a:p>
-        </p:txBody>
-      </p:sp>
-      <p:sp>
-        <p:nvSpPr>
-          <p:cNvPr id="17" name="!!o3">
-            <a:extLst>
-              <a:ext uri="{FF2B5EF4-FFF2-40B4-BE49-F238E27FC236}">
-                <a16:creationId xmlns:a16="http://schemas.microsoft.com/office/drawing/2014/main" id="{CBB91536-BE4D-4B0A-BCBF-540CB3937114}"/>
-              </a:ext>
-            </a:extLst>
-          </p:cNvPr>
-          <p:cNvSpPr/>
+      </p:cxnSp>
+      <p:cxnSp>
+        <p:nvCxnSpPr>
+          <p:cNvPr id="30" name="!!op">
+            <a:extLst>
+              <a:ext uri="{FF2B5EF4-FFF2-40B4-BE49-F238E27FC236}">
+                <a16:creationId xmlns:a16="http://schemas.microsoft.com/office/drawing/2014/main" id="{798E1F46-819B-4771-AF68-2AE613F1458A}"/>
+              </a:ext>
+            </a:extLst>
+          </p:cNvPr>
+          <p:cNvCxnSpPr>
+            <a:cxnSpLocks/>
+            <a:endCxn id="25" idx="2"/>
+          </p:cNvCxnSpPr>
           <p:nvPr/>
-        </p:nvSpPr>
-        <p:spPr>
-          <a:xfrm>
-            <a:off x="7388006" y="4171497"/>
-            <a:ext cx="399245" cy="367047"/>
-          </a:xfrm>
-          <a:prstGeom prst="rect">
+        </p:nvCxnSpPr>
+        <p:spPr>
+          <a:xfrm>
+            <a:off x="7125542" y="3807416"/>
+            <a:ext cx="489844" cy="476092"/>
+          </a:xfrm>
+          <a:prstGeom prst="straightConnector1">
             <a:avLst/>
           </a:prstGeom>
-          <a:solidFill>
-            <a:schemeClr val="bg1">
-              <a:lumMod val="75000"/>
-            </a:schemeClr>
-          </a:solidFill>
-          <a:ln/>
+          <a:ln>
+            <a:tailEnd type="triangle"/>
+          </a:ln>
         </p:spPr>
         <p:style>
-          <a:lnRef idx="1">
+          <a:lnRef idx="3">
             <a:schemeClr val="dk1"/>
           </a:lnRef>
-          <a:fillRef idx="2">
+          <a:fillRef idx="0">
             <a:schemeClr val="dk1"/>
           </a:fillRef>
-          <a:effectRef idx="1">
+          <a:effectRef idx="2">
             <a:schemeClr val="dk1"/>
           </a:effectRef>
           <a:fontRef idx="minor">
-            <a:schemeClr val="dk1"/>
+            <a:schemeClr val="tx1"/>
           </a:fontRef>
         </p:style>
-        <p:txBody>
-          <a:bodyPr rtlCol="0" anchor="ctr"/>
-          <a:lstStyle/>
-          <a:p>
-            <a:pPr algn="ctr"/>
-            <a:r>
-              <a:rPr lang="en-US" dirty="0"/>
-              <a:t>O</a:t>
-            </a:r>
-          </a:p>
-        </p:txBody>
-      </p:sp>
-      <p:pic>
-        <p:nvPicPr>
-          <p:cNvPr id="18" name="Picture 2" descr="E4SM-Projekt">
-            <a:extLst>
-              <a:ext uri="{FF2B5EF4-FFF2-40B4-BE49-F238E27FC236}">
-                <a16:creationId xmlns:a16="http://schemas.microsoft.com/office/drawing/2014/main" id="{19FB641F-E010-4B15-9E19-BF14BDC0151D}"/>
-              </a:ext>
-            </a:extLst>
-          </p:cNvPr>
-          <p:cNvPicPr>
-            <a:picLocks noChangeAspect="1" noChangeArrowheads="1"/>
-          </p:cNvPicPr>
-          <p:nvPr/>
-        </p:nvPicPr>
-        <p:blipFill rotWithShape="1">
-          <a:blip r:embed="rId2">
-            <a:extLst>
-              <a:ext uri="{28A0092B-C50C-407E-A947-70E740481C1C}">
-                <a14:useLocalDpi xmlns:a14="http://schemas.microsoft.com/office/drawing/2010/main" val="0"/>
-              </a:ext>
-            </a:extLst>
-          </a:blip>
-          <a:srcRect r="2" b="2"/>
-          <a:stretch/>
-        </p:blipFill>
-        <p:spPr bwMode="auto">
-          <a:xfrm>
-            <a:off x="1772455" y="3318665"/>
-            <a:ext cx="1104960" cy="1104960"/>
-          </a:xfrm>
-          <a:prstGeom prst="rect">
-            <a:avLst/>
-          </a:prstGeom>
-          <a:noFill/>
-          <a:extLst>
-            <a:ext uri="{909E8E84-426E-40DD-AFC4-6F175D3DCCD1}">
-              <a14:hiddenFill xmlns:a14="http://schemas.microsoft.com/office/drawing/2010/main">
-                <a:solidFill>
-                  <a:srgbClr val="FFFFFF"/>
-                </a:solidFill>
-              </a14:hiddenFill>
-            </a:ext>
-          </a:extLst>
-        </p:spPr>
-      </p:pic>
+      </p:cxnSp>
     </p:spTree>
     <p:extLst>
       <p:ext uri="{BB962C8B-B14F-4D97-AF65-F5344CB8AC3E}">
-        <p14:creationId xmlns:p14="http://schemas.microsoft.com/office/powerpoint/2010/main" val="992740386"/>
+        <p14:creationId xmlns:p14="http://schemas.microsoft.com/office/powerpoint/2010/main" val="2878374758"/>
       </p:ext>
     </p:extLst>
   </p:cSld>
